--- a/ディープラーニング.pptx
+++ b/ディープラーニング.pptx
@@ -17,16 +17,16 @@
     <p:sldId id="265" r:id="rId11"/>
     <p:sldId id="266" r:id="rId12"/>
     <p:sldId id="267" r:id="rId13"/>
-    <p:sldId id="268" r:id="rId14"/>
-    <p:sldId id="269" r:id="rId15"/>
-    <p:sldId id="270" r:id="rId16"/>
-    <p:sldId id="271" r:id="rId17"/>
-    <p:sldId id="272" r:id="rId18"/>
-    <p:sldId id="273" r:id="rId19"/>
-    <p:sldId id="274" r:id="rId20"/>
-    <p:sldId id="277" r:id="rId21"/>
-    <p:sldId id="275" r:id="rId22"/>
-    <p:sldId id="278" r:id="rId23"/>
+    <p:sldId id="269" r:id="rId14"/>
+    <p:sldId id="270" r:id="rId15"/>
+    <p:sldId id="271" r:id="rId16"/>
+    <p:sldId id="272" r:id="rId17"/>
+    <p:sldId id="273" r:id="rId18"/>
+    <p:sldId id="274" r:id="rId19"/>
+    <p:sldId id="277" r:id="rId20"/>
+    <p:sldId id="275" r:id="rId21"/>
+    <p:sldId id="278" r:id="rId22"/>
+    <p:sldId id="279" r:id="rId23"/>
   </p:sldIdLst>
   <p:sldSz cx="9144000" cy="6858000" type="screen4x3"/>
   <p:notesSz cx="6858000" cy="9144000"/>
@@ -753,7 +753,7 @@
           <a:p>
             <a:fld id="{E90ED720-0104-4369-84BC-D37694168613}" type="datetimeFigureOut">
               <a:rPr kumimoji="1" lang="ja-JP" altLang="en-US" smtClean="0"/>
-              <a:t>2020/11/22</a:t>
+              <a:t>2020/11/23</a:t>
             </a:fld>
             <a:endParaRPr kumimoji="1" lang="ja-JP" altLang="en-US"/>
           </a:p>
@@ -988,7 +988,7 @@
           <a:p>
             <a:fld id="{E90ED720-0104-4369-84BC-D37694168613}" type="datetimeFigureOut">
               <a:rPr kumimoji="1" lang="ja-JP" altLang="en-US" smtClean="0"/>
-              <a:t>2020/11/22</a:t>
+              <a:t>2020/11/23</a:t>
             </a:fld>
             <a:endParaRPr kumimoji="1" lang="ja-JP" altLang="en-US"/>
           </a:p>
@@ -1212,7 +1212,7 @@
           <a:p>
             <a:fld id="{E90ED720-0104-4369-84BC-D37694168613}" type="datetimeFigureOut">
               <a:rPr kumimoji="1" lang="ja-JP" altLang="en-US" smtClean="0"/>
-              <a:t>2020/11/22</a:t>
+              <a:t>2020/11/23</a:t>
             </a:fld>
             <a:endParaRPr kumimoji="1" lang="ja-JP" altLang="en-US"/>
           </a:p>
@@ -1401,7 +1401,7 @@
           <a:p>
             <a:fld id="{E90ED720-0104-4369-84BC-D37694168613}" type="datetimeFigureOut">
               <a:rPr kumimoji="1" lang="ja-JP" altLang="en-US" smtClean="0"/>
-              <a:t>2020/11/22</a:t>
+              <a:t>2020/11/23</a:t>
             </a:fld>
             <a:endParaRPr kumimoji="1" lang="ja-JP" altLang="en-US"/>
           </a:p>
@@ -1663,7 +1663,7 @@
           <a:p>
             <a:fld id="{E90ED720-0104-4369-84BC-D37694168613}" type="datetimeFigureOut">
               <a:rPr kumimoji="1" lang="ja-JP" altLang="en-US" smtClean="0"/>
-              <a:t>2020/11/22</a:t>
+              <a:t>2020/11/23</a:t>
             </a:fld>
             <a:endParaRPr kumimoji="1" lang="ja-JP" altLang="en-US"/>
           </a:p>
@@ -2143,7 +2143,7 @@
           <a:p>
             <a:fld id="{E90ED720-0104-4369-84BC-D37694168613}" type="datetimeFigureOut">
               <a:rPr kumimoji="1" lang="ja-JP" altLang="en-US" smtClean="0"/>
-              <a:t>2020/11/22</a:t>
+              <a:t>2020/11/23</a:t>
             </a:fld>
             <a:endParaRPr kumimoji="1" lang="ja-JP" altLang="en-US"/>
           </a:p>
@@ -2660,7 +2660,7 @@
           <a:p>
             <a:fld id="{E90ED720-0104-4369-84BC-D37694168613}" type="datetimeFigureOut">
               <a:rPr kumimoji="1" lang="ja-JP" altLang="en-US" smtClean="0"/>
-              <a:t>2020/11/22</a:t>
+              <a:t>2020/11/23</a:t>
             </a:fld>
             <a:endParaRPr kumimoji="1" lang="ja-JP" altLang="en-US"/>
           </a:p>
@@ -2768,7 +2768,7 @@
           <a:p>
             <a:fld id="{E90ED720-0104-4369-84BC-D37694168613}" type="datetimeFigureOut">
               <a:rPr kumimoji="1" lang="ja-JP" altLang="en-US" smtClean="0"/>
-              <a:t>2020/11/22</a:t>
+              <a:t>2020/11/23</a:t>
             </a:fld>
             <a:endParaRPr kumimoji="1" lang="ja-JP" altLang="en-US"/>
           </a:p>
@@ -2896,7 +2896,7 @@
           <a:p>
             <a:fld id="{E90ED720-0104-4369-84BC-D37694168613}" type="datetimeFigureOut">
               <a:rPr kumimoji="1" lang="ja-JP" altLang="en-US" smtClean="0"/>
-              <a:t>2020/11/22</a:t>
+              <a:t>2020/11/23</a:t>
             </a:fld>
             <a:endParaRPr kumimoji="1" lang="ja-JP" altLang="en-US"/>
           </a:p>
@@ -3209,7 +3209,7 @@
           <a:p>
             <a:fld id="{E90ED720-0104-4369-84BC-D37694168613}" type="datetimeFigureOut">
               <a:rPr kumimoji="1" lang="ja-JP" altLang="en-US" smtClean="0"/>
-              <a:t>2020/11/22</a:t>
+              <a:t>2020/11/23</a:t>
             </a:fld>
             <a:endParaRPr kumimoji="1" lang="ja-JP" altLang="en-US"/>
           </a:p>
@@ -3421,7 +3421,7 @@
           <a:p>
             <a:fld id="{E90ED720-0104-4369-84BC-D37694168613}" type="datetimeFigureOut">
               <a:rPr kumimoji="1" lang="ja-JP" altLang="en-US" smtClean="0"/>
-              <a:t>2020/11/22</a:t>
+              <a:t>2020/11/23</a:t>
             </a:fld>
             <a:endParaRPr kumimoji="1" lang="ja-JP" altLang="en-US"/>
           </a:p>
@@ -4569,7 +4569,7 @@
           <a:p>
             <a:fld id="{E90ED720-0104-4369-84BC-D37694168613}" type="datetimeFigureOut">
               <a:rPr kumimoji="1" lang="ja-JP" altLang="en-US" smtClean="0"/>
-              <a:t>2020/11/22</a:t>
+              <a:t>2020/11/23</a:t>
             </a:fld>
             <a:endParaRPr kumimoji="1" lang="ja-JP" altLang="en-US"/>
           </a:p>
@@ -5044,11 +5044,11 @@
   <p:clrMapOvr>
     <a:masterClrMapping/>
   </p:clrMapOvr>
-  <mc:AlternateContent xmlns:mc="http://schemas.openxmlformats.org/markup-compatibility/2006">
-    <mc:Choice xmlns:p14="http://schemas.microsoft.com/office/powerpoint/2010/main" Requires="p14">
+  <mc:AlternateContent xmlns:mc="http://schemas.openxmlformats.org/markup-compatibility/2006" xmlns:p14="http://schemas.microsoft.com/office/powerpoint/2010/main">
+    <mc:Choice Requires="p14">
       <p:transition p14:dur="0"/>
     </mc:Choice>
-    <mc:Fallback>
+    <mc:Fallback xmlns="">
       <p:transition/>
     </mc:Fallback>
   </mc:AlternateContent>
@@ -5293,7 +5293,7 @@
         </p:blipFill>
         <p:spPr>
           <a:xfrm>
-            <a:off x="1259632" y="1340768"/>
+            <a:off x="32388" y="1268760"/>
             <a:ext cx="6264696" cy="4594110"/>
           </a:xfrm>
         </p:spPr>
@@ -5330,93 +5330,23 @@
           </a:p>
         </p:txBody>
       </p:sp>
-    </p:spTree>
-    <p:extLst>
-      <p:ext uri="{BB962C8B-B14F-4D97-AF65-F5344CB8AC3E}">
-        <p14:creationId xmlns:p14="http://schemas.microsoft.com/office/powerpoint/2010/main" val="1651070895"/>
-      </p:ext>
-    </p:extLst>
-  </p:cSld>
-  <p:clrMapOvr>
-    <a:masterClrMapping/>
-  </p:clrMapOvr>
-  <p:timing>
-    <p:tnLst>
-      <p:par>
-        <p:cTn id="1" dur="indefinite" restart="never" nodeType="tmRoot"/>
-      </p:par>
-    </p:tnLst>
-  </p:timing>
-</p:sld>
-</file>
-
-<file path=ppt/slides/slide13.xml><?xml version="1.0" encoding="utf-8"?>
-<p:sld xmlns:a="http://schemas.openxmlformats.org/drawingml/2006/main" xmlns:r="http://schemas.openxmlformats.org/officeDocument/2006/relationships" xmlns:p="http://schemas.openxmlformats.org/presentationml/2006/main">
-  <p:cSld>
-    <p:spTree>
-      <p:nvGrpSpPr>
-        <p:cNvPr id="1" name=""/>
-        <p:cNvGrpSpPr/>
-        <p:nvPr/>
-      </p:nvGrpSpPr>
-      <p:grpSpPr>
-        <a:xfrm>
-          <a:off x="0" y="0"/>
-          <a:ext cx="0" cy="0"/>
-          <a:chOff x="0" y="0"/>
-          <a:chExt cx="0" cy="0"/>
-        </a:xfrm>
-      </p:grpSpPr>
-      <p:sp>
-        <p:nvSpPr>
-          <p:cNvPr id="3" name="タイトル 2"/>
-          <p:cNvSpPr>
-            <a:spLocks noGrp="1"/>
-          </p:cNvSpPr>
-          <p:nvPr>
-            <p:ph type="title"/>
-          </p:nvPr>
-        </p:nvSpPr>
-        <p:spPr/>
-        <p:txBody>
-          <a:bodyPr/>
-          <a:lstStyle/>
-          <a:p>
-            <a:pPr marL="624078" indent="-514350" algn="ctr"/>
-            <a:r>
-              <a:rPr lang="ja-JP" altLang="en-US" dirty="0"/>
-              <a:t>人工ニューロン</a:t>
-            </a:r>
-            <a:r>
-              <a:rPr lang="en-US" altLang="ja-JP" dirty="0"/>
-              <a:t>=</a:t>
-            </a:r>
-            <a:r>
-              <a:rPr lang="ja-JP" altLang="en-US" dirty="0"/>
-              <a:t>パーセプトロン</a:t>
-            </a:r>
-            <a:endParaRPr lang="en-US" altLang="ja-JP" dirty="0"/>
-          </a:p>
-        </p:txBody>
-      </p:sp>
       <p:graphicFrame>
         <p:nvGraphicFramePr>
           <p:cNvPr id="5" name="コンテンツ プレースホルダー 4"/>
           <p:cNvGraphicFramePr>
-            <a:graphicFrameLocks noGrp="1"/>
+            <a:graphicFrameLocks/>
           </p:cNvGraphicFramePr>
           <p:nvPr>
-            <p:ph idx="1"/>
             <p:extLst>
               <p:ext uri="{D42A27DB-BD31-4B8C-83A1-F6EECF244321}">
-                <p14:modId xmlns:p14="http://schemas.microsoft.com/office/powerpoint/2010/main" val="3452886859"/>
+                <p14:modId xmlns:p14="http://schemas.microsoft.com/office/powerpoint/2010/main" val="3862742148"/>
               </p:ext>
             </p:extLst>
           </p:nvPr>
         </p:nvGraphicFramePr>
         <p:xfrm>
-          <a:off x="899592" y="2276872"/>
-          <a:ext cx="7437512" cy="1889760"/>
+          <a:off x="3059832" y="4203536"/>
+          <a:ext cx="6048672" cy="1889760"/>
         </p:xfrm>
         <a:graphic>
           <a:graphicData uri="http://schemas.openxmlformats.org/drawingml/2006/table">
@@ -5425,8 +5355,8 @@
                 <a:tableStyleId>{5C22544A-7EE6-4342-B048-85BDC9FD1C3A}</a:tableStyleId>
               </a:tblPr>
               <a:tblGrid>
-                <a:gridCol w="1571204"/>
-                <a:gridCol w="5866308"/>
+                <a:gridCol w="1277806"/>
+                <a:gridCol w="4770866"/>
               </a:tblGrid>
               <a:tr h="370840">
                 <a:tc>
@@ -5470,7 +5400,11 @@
                       </a:r>
                       <a:r>
                         <a:rPr kumimoji="1" lang="ja-JP" altLang="en-US" sz="2000" dirty="0" smtClean="0"/>
-                        <a:t>を出力値とする</a:t>
+                        <a:t>を</a:t>
+                      </a:r>
+                      <a:r>
+                        <a:rPr kumimoji="1" lang="ja-JP" altLang="en-US" sz="2000" dirty="0" smtClean="0"/>
+                        <a:t>出力する</a:t>
                       </a:r>
                       <a:endParaRPr kumimoji="1" lang="ja-JP" altLang="en-US" sz="2000" dirty="0"/>
                     </a:p>
@@ -5586,7 +5520,7 @@
     </p:spTree>
     <p:extLst>
       <p:ext uri="{BB962C8B-B14F-4D97-AF65-F5344CB8AC3E}">
-        <p14:creationId xmlns:p14="http://schemas.microsoft.com/office/powerpoint/2010/main" val="1964116249"/>
+        <p14:creationId xmlns:p14="http://schemas.microsoft.com/office/powerpoint/2010/main" val="1651070895"/>
       </p:ext>
     </p:extLst>
   </p:cSld>
@@ -5603,7 +5537,7 @@
 </p:sld>
 </file>
 
-<file path=ppt/slides/slide14.xml><?xml version="1.0" encoding="utf-8"?>
+<file path=ppt/slides/slide13.xml><?xml version="1.0" encoding="utf-8"?>
 <p:sld xmlns:a="http://schemas.openxmlformats.org/drawingml/2006/main" xmlns:r="http://schemas.openxmlformats.org/officeDocument/2006/relationships" xmlns:p="http://schemas.openxmlformats.org/presentationml/2006/main">
   <p:cSld>
     <p:spTree>
@@ -5787,13 +5721,13 @@
           <p:nvPr>
             <p:extLst>
               <p:ext uri="{D42A27DB-BD31-4B8C-83A1-F6EECF244321}">
-                <p14:modId xmlns:p14="http://schemas.microsoft.com/office/powerpoint/2010/main" val="3474649354"/>
+                <p14:modId xmlns:p14="http://schemas.microsoft.com/office/powerpoint/2010/main" val="964695527"/>
               </p:ext>
             </p:extLst>
           </p:nvPr>
         </p:nvGraphicFramePr>
         <p:xfrm>
-          <a:off x="1043608" y="3284984"/>
+          <a:off x="1043608" y="3391624"/>
           <a:ext cx="6552729" cy="2773680"/>
         </p:xfrm>
         <a:graphic>
@@ -6064,10 +5998,50 @@
                     <a:lstStyle/>
                     <a:p>
                       <a:r>
-                        <a:rPr kumimoji="1" lang="en-US" altLang="ja-JP" sz="2000" dirty="0" smtClean="0"/>
-                        <a:t>-0.2&lt;0</a:t>
+                        <a:rPr kumimoji="1" lang="en-US" altLang="ja-JP" sz="2000" smtClean="0">
+                          <a:solidFill>
+                            <a:srgbClr val="FF0000"/>
+                          </a:solidFill>
+                        </a:rPr>
+                        <a:t>-</a:t>
                       </a:r>
-                      <a:endParaRPr kumimoji="1" lang="ja-JP" altLang="en-US" sz="2000" dirty="0"/>
+                      <a:r>
+                        <a:rPr kumimoji="1" lang="en-US" altLang="ja-JP" sz="2000" smtClean="0">
+                          <a:solidFill>
+                            <a:srgbClr val="FF0000"/>
+                          </a:solidFill>
+                        </a:rPr>
+                        <a:t>0.2</a:t>
+                      </a:r>
+                      <a:r>
+                        <a:rPr kumimoji="1" lang="ja-JP" altLang="en-US" sz="2000" smtClean="0">
+                          <a:solidFill>
+                            <a:srgbClr val="FF0000"/>
+                          </a:solidFill>
+                        </a:rPr>
+                        <a:t>（</a:t>
+                      </a:r>
+                      <a:r>
+                        <a:rPr kumimoji="1" lang="en-US" altLang="ja-JP" sz="2000" smtClean="0">
+                          <a:solidFill>
+                            <a:srgbClr val="FF0000"/>
+                          </a:solidFill>
+                        </a:rPr>
+                        <a:t>0</a:t>
+                      </a:r>
+                      <a:r>
+                        <a:rPr kumimoji="1" lang="ja-JP" altLang="en-US" sz="2000" smtClean="0">
+                          <a:solidFill>
+                            <a:srgbClr val="FF0000"/>
+                          </a:solidFill>
+                        </a:rPr>
+                        <a:t>未満）</a:t>
+                      </a:r>
+                      <a:endParaRPr kumimoji="1" lang="ja-JP" altLang="en-US" sz="2000" dirty="0">
+                        <a:solidFill>
+                          <a:srgbClr val="FF0000"/>
+                        </a:solidFill>
+                      </a:endParaRPr>
                     </a:p>
                   </a:txBody>
                   <a:tcPr/>
@@ -6078,18 +6052,42 @@
                     <a:lstStyle/>
                     <a:p>
                       <a:r>
-                        <a:rPr kumimoji="1" lang="en-US" altLang="ja-JP" sz="2000" dirty="0" smtClean="0"/>
+                        <a:rPr kumimoji="1" lang="en-US" altLang="ja-JP" sz="2000" dirty="0" smtClean="0">
+                          <a:solidFill>
+                            <a:srgbClr val="FF0000"/>
+                          </a:solidFill>
+                        </a:rPr>
                         <a:t>0.4</a:t>
                       </a:r>
                       <a:r>
-                        <a:rPr kumimoji="1" lang="ja-JP" altLang="en-US" sz="2000" dirty="0" smtClean="0"/>
-                        <a:t>≧</a:t>
+                        <a:rPr kumimoji="1" lang="ja-JP" altLang="en-US" sz="2000" dirty="0" smtClean="0">
+                          <a:solidFill>
+                            <a:srgbClr val="FF0000"/>
+                          </a:solidFill>
+                        </a:rPr>
+                        <a:t>（</a:t>
                       </a:r>
                       <a:r>
-                        <a:rPr kumimoji="1" lang="en-US" altLang="ja-JP" sz="2000" dirty="0" smtClean="0"/>
+                        <a:rPr kumimoji="1" lang="en-US" altLang="ja-JP" sz="2000" dirty="0" smtClean="0">
+                          <a:solidFill>
+                            <a:srgbClr val="FF0000"/>
+                          </a:solidFill>
+                        </a:rPr>
                         <a:t>0</a:t>
                       </a:r>
-                      <a:endParaRPr kumimoji="1" lang="ja-JP" altLang="en-US" sz="2000" dirty="0"/>
+                      <a:r>
+                        <a:rPr kumimoji="1" lang="ja-JP" altLang="en-US" sz="2000" dirty="0" smtClean="0">
+                          <a:solidFill>
+                            <a:srgbClr val="FF0000"/>
+                          </a:solidFill>
+                        </a:rPr>
+                        <a:t>以上）</a:t>
+                      </a:r>
+                      <a:endParaRPr kumimoji="1" lang="ja-JP" altLang="en-US" sz="2000" dirty="0">
+                        <a:solidFill>
+                          <a:srgbClr val="FF0000"/>
+                        </a:solidFill>
+                      </a:endParaRPr>
                     </a:p>
                   </a:txBody>
                   <a:tcPr/>
@@ -6116,10 +6114,18 @@
                     <a:lstStyle/>
                     <a:p>
                       <a:r>
-                        <a:rPr kumimoji="1" lang="en-US" altLang="ja-JP" sz="2000" dirty="0" smtClean="0"/>
+                        <a:rPr kumimoji="1" lang="en-US" altLang="ja-JP" sz="2000" dirty="0" smtClean="0">
+                          <a:solidFill>
+                            <a:srgbClr val="FF0000"/>
+                          </a:solidFill>
+                        </a:rPr>
                         <a:t>0</a:t>
                       </a:r>
-                      <a:endParaRPr kumimoji="1" lang="ja-JP" altLang="en-US" sz="2000" dirty="0"/>
+                      <a:endParaRPr kumimoji="1" lang="ja-JP" altLang="en-US" sz="2000" dirty="0">
+                        <a:solidFill>
+                          <a:srgbClr val="FF0000"/>
+                        </a:solidFill>
+                      </a:endParaRPr>
                     </a:p>
                   </a:txBody>
                   <a:tcPr/>
@@ -6130,10 +6136,18 @@
                     <a:lstStyle/>
                     <a:p>
                       <a:r>
-                        <a:rPr kumimoji="1" lang="en-US" altLang="ja-JP" sz="2000" dirty="0" smtClean="0"/>
+                        <a:rPr kumimoji="1" lang="en-US" altLang="ja-JP" sz="2000" dirty="0" smtClean="0">
+                          <a:solidFill>
+                            <a:srgbClr val="FF0000"/>
+                          </a:solidFill>
+                        </a:rPr>
                         <a:t>1</a:t>
                       </a:r>
-                      <a:endParaRPr kumimoji="1" lang="ja-JP" altLang="en-US" sz="2000" dirty="0"/>
+                      <a:endParaRPr kumimoji="1" lang="ja-JP" altLang="en-US" sz="2000" dirty="0">
+                        <a:solidFill>
+                          <a:srgbClr val="FF0000"/>
+                        </a:solidFill>
+                      </a:endParaRPr>
                     </a:p>
                   </a:txBody>
                   <a:tcPr/>
@@ -6147,6 +6161,95 @@
     <p:extLst>
       <p:ext uri="{BB962C8B-B14F-4D97-AF65-F5344CB8AC3E}">
         <p14:creationId xmlns:p14="http://schemas.microsoft.com/office/powerpoint/2010/main" val="2003934545"/>
+      </p:ext>
+    </p:extLst>
+  </p:cSld>
+  <p:clrMapOvr>
+    <a:masterClrMapping/>
+  </p:clrMapOvr>
+  <p:timing>
+    <p:tnLst>
+      <p:par>
+        <p:cTn id="1" dur="indefinite" restart="never" nodeType="tmRoot"/>
+      </p:par>
+    </p:tnLst>
+  </p:timing>
+</p:sld>
+</file>
+
+<file path=ppt/slides/slide14.xml><?xml version="1.0" encoding="utf-8"?>
+<p:sld xmlns:a="http://schemas.openxmlformats.org/drawingml/2006/main" xmlns:r="http://schemas.openxmlformats.org/officeDocument/2006/relationships" xmlns:p="http://schemas.openxmlformats.org/presentationml/2006/main">
+  <p:cSld>
+    <p:spTree>
+      <p:nvGrpSpPr>
+        <p:cNvPr id="1" name=""/>
+        <p:cNvGrpSpPr/>
+        <p:nvPr/>
+      </p:nvGrpSpPr>
+      <p:grpSpPr>
+        <a:xfrm>
+          <a:off x="0" y="0"/>
+          <a:ext cx="0" cy="0"/>
+          <a:chOff x="0" y="0"/>
+          <a:chExt cx="0" cy="0"/>
+        </a:xfrm>
+      </p:grpSpPr>
+      <p:sp>
+        <p:nvSpPr>
+          <p:cNvPr id="3" name="タイトル 2"/>
+          <p:cNvSpPr>
+            <a:spLocks noGrp="1"/>
+          </p:cNvSpPr>
+          <p:nvPr>
+            <p:ph type="title"/>
+          </p:nvPr>
+        </p:nvSpPr>
+        <p:spPr/>
+        <p:txBody>
+          <a:bodyPr/>
+          <a:lstStyle/>
+          <a:p>
+            <a:pPr marL="624078" indent="-514350" algn="ctr"/>
+            <a:r>
+              <a:rPr lang="ja-JP" altLang="en-US" dirty="0"/>
+              <a:t>ニューラルネットワーク</a:t>
+            </a:r>
+          </a:p>
+        </p:txBody>
+      </p:sp>
+      <p:pic>
+        <p:nvPicPr>
+          <p:cNvPr id="5" name="コンテンツ プレースホルダー 4"/>
+          <p:cNvPicPr>
+            <a:picLocks noGrp="1" noChangeAspect="1"/>
+          </p:cNvPicPr>
+          <p:nvPr>
+            <p:ph idx="1"/>
+          </p:nvPr>
+        </p:nvPicPr>
+        <p:blipFill>
+          <a:blip r:embed="rId2">
+            <a:extLst>
+              <a:ext uri="{28A0092B-C50C-407E-A947-70E740481C1C}">
+                <a14:useLocalDpi xmlns:a14="http://schemas.microsoft.com/office/drawing/2010/main" val="0"/>
+              </a:ext>
+            </a:extLst>
+          </a:blip>
+          <a:stretch>
+            <a:fillRect/>
+          </a:stretch>
+        </p:blipFill>
+        <p:spPr>
+          <a:xfrm>
+            <a:off x="1043608" y="1484784"/>
+            <a:ext cx="6940779" cy="4508638"/>
+          </a:xfrm>
+        </p:spPr>
+      </p:pic>
+    </p:spTree>
+    <p:extLst>
+      <p:ext uri="{BB962C8B-B14F-4D97-AF65-F5344CB8AC3E}">
+        <p14:creationId xmlns:p14="http://schemas.microsoft.com/office/powerpoint/2010/main" val="2466809530"/>
       </p:ext>
     </p:extLst>
   </p:cSld>
@@ -6192,20 +6295,31 @@
         </p:nvSpPr>
         <p:spPr/>
         <p:txBody>
-          <a:bodyPr/>
+          <a:bodyPr>
+            <a:normAutofit/>
+          </a:bodyPr>
           <a:lstStyle/>
           <a:p>
             <a:pPr marL="624078" indent="-514350" algn="ctr"/>
             <a:r>
+              <a:rPr lang="en-US" altLang="ja-JP" dirty="0"/>
+              <a:t>Deep Learning</a:t>
+            </a:r>
+            <a:r>
               <a:rPr lang="ja-JP" altLang="en-US" dirty="0"/>
-              <a:t>ニューラルネットワーク</a:t>
-            </a:r>
+              <a:t>画像</a:t>
+            </a:r>
+            <a:r>
+              <a:rPr lang="ja-JP" altLang="en-US" dirty="0" smtClean="0"/>
+              <a:t>認識</a:t>
+            </a:r>
+            <a:endParaRPr lang="ja-JP" altLang="en-US" dirty="0"/>
           </a:p>
         </p:txBody>
       </p:sp>
       <p:pic>
         <p:nvPicPr>
-          <p:cNvPr id="5" name="コンテンツ プレースホルダー 4"/>
+          <p:cNvPr id="4" name="コンテンツ プレースホルダー 3"/>
           <p:cNvPicPr>
             <a:picLocks noGrp="1" noChangeAspect="1"/>
           </p:cNvPicPr>
@@ -6213,7 +6327,7 @@
             <p:ph idx="1"/>
           </p:nvPr>
         </p:nvPicPr>
-        <p:blipFill>
+        <p:blipFill rotWithShape="1">
           <a:blip r:embed="rId2">
             <a:extLst>
               <a:ext uri="{28A0092B-C50C-407E-A947-70E740481C1C}">
@@ -6221,21 +6335,20 @@
               </a:ext>
             </a:extLst>
           </a:blip>
-          <a:stretch>
-            <a:fillRect/>
-          </a:stretch>
+          <a:srcRect l="7268" t="15967" r="5570"/>
+          <a:stretch/>
         </p:blipFill>
         <p:spPr>
           <a:xfrm>
-            <a:off x="1043608" y="1484784"/>
-            <a:ext cx="6940779" cy="4508638"/>
+            <a:off x="683568" y="1340768"/>
+            <a:ext cx="8106628" cy="4752528"/>
           </a:xfrm>
         </p:spPr>
       </p:pic>
     </p:spTree>
     <p:extLst>
       <p:ext uri="{BB962C8B-B14F-4D97-AF65-F5344CB8AC3E}">
-        <p14:creationId xmlns:p14="http://schemas.microsoft.com/office/powerpoint/2010/main" val="2466809530"/>
+        <p14:creationId xmlns:p14="http://schemas.microsoft.com/office/powerpoint/2010/main" val="561368216"/>
       </p:ext>
     </p:extLst>
   </p:cSld>
@@ -6297,21 +6410,559 @@
             </a:r>
             <a:r>
               <a:rPr lang="ja-JP" altLang="en-US" dirty="0" smtClean="0"/>
-              <a:t>認識</a:t>
+              <a:t>認識の学習</a:t>
             </a:r>
             <a:endParaRPr lang="ja-JP" altLang="en-US" dirty="0"/>
+          </a:p>
+        </p:txBody>
+      </p:sp>
+      <p:sp>
+        <p:nvSpPr>
+          <p:cNvPr id="5" name="円/楕円 4"/>
+          <p:cNvSpPr/>
+          <p:nvPr/>
+        </p:nvSpPr>
+        <p:spPr>
+          <a:xfrm>
+            <a:off x="3928153" y="1760017"/>
+            <a:ext cx="504000" cy="504000"/>
+          </a:xfrm>
+          <a:prstGeom prst="ellipse">
+            <a:avLst/>
+          </a:prstGeom>
+        </p:spPr>
+        <p:style>
+          <a:lnRef idx="2">
+            <a:schemeClr val="accent1">
+              <a:shade val="50000"/>
+            </a:schemeClr>
+          </a:lnRef>
+          <a:fillRef idx="1">
+            <a:schemeClr val="accent1"/>
+          </a:fillRef>
+          <a:effectRef idx="0">
+            <a:schemeClr val="accent1"/>
+          </a:effectRef>
+          <a:fontRef idx="minor">
+            <a:schemeClr val="lt1"/>
+          </a:fontRef>
+        </p:style>
+        <p:txBody>
+          <a:bodyPr rtlCol="0" anchor="ctr"/>
+          <a:lstStyle/>
+          <a:p>
+            <a:pPr algn="ctr"/>
+            <a:endParaRPr kumimoji="1" lang="ja-JP" altLang="en-US" dirty="0"/>
+          </a:p>
+        </p:txBody>
+      </p:sp>
+      <p:sp>
+        <p:nvSpPr>
+          <p:cNvPr id="6" name="円/楕円 5"/>
+          <p:cNvSpPr/>
+          <p:nvPr/>
+        </p:nvSpPr>
+        <p:spPr>
+          <a:xfrm>
+            <a:off x="3928153" y="2352086"/>
+            <a:ext cx="504000" cy="504000"/>
+          </a:xfrm>
+          <a:prstGeom prst="ellipse">
+            <a:avLst/>
+          </a:prstGeom>
+        </p:spPr>
+        <p:style>
+          <a:lnRef idx="2">
+            <a:schemeClr val="accent1">
+              <a:shade val="50000"/>
+            </a:schemeClr>
+          </a:lnRef>
+          <a:fillRef idx="1">
+            <a:schemeClr val="accent1"/>
+          </a:fillRef>
+          <a:effectRef idx="0">
+            <a:schemeClr val="accent1"/>
+          </a:effectRef>
+          <a:fontRef idx="minor">
+            <a:schemeClr val="lt1"/>
+          </a:fontRef>
+        </p:style>
+        <p:txBody>
+          <a:bodyPr rtlCol="0" anchor="ctr"/>
+          <a:lstStyle/>
+          <a:p>
+            <a:pPr algn="ctr"/>
+            <a:endParaRPr kumimoji="1" lang="ja-JP" altLang="en-US" dirty="0"/>
+          </a:p>
+        </p:txBody>
+      </p:sp>
+      <p:sp>
+        <p:nvSpPr>
+          <p:cNvPr id="8" name="円/楕円 7"/>
+          <p:cNvSpPr/>
+          <p:nvPr/>
+        </p:nvSpPr>
+        <p:spPr>
+          <a:xfrm>
+            <a:off x="5141638" y="1777490"/>
+            <a:ext cx="504000" cy="504000"/>
+          </a:xfrm>
+          <a:prstGeom prst="ellipse">
+            <a:avLst/>
+          </a:prstGeom>
+        </p:spPr>
+        <p:style>
+          <a:lnRef idx="2">
+            <a:schemeClr val="accent1">
+              <a:shade val="50000"/>
+            </a:schemeClr>
+          </a:lnRef>
+          <a:fillRef idx="1">
+            <a:schemeClr val="accent1"/>
+          </a:fillRef>
+          <a:effectRef idx="0">
+            <a:schemeClr val="accent1"/>
+          </a:effectRef>
+          <a:fontRef idx="minor">
+            <a:schemeClr val="lt1"/>
+          </a:fontRef>
+        </p:style>
+        <p:txBody>
+          <a:bodyPr rtlCol="0" anchor="ctr"/>
+          <a:lstStyle/>
+          <a:p>
+            <a:pPr algn="ctr"/>
+            <a:endParaRPr kumimoji="1" lang="ja-JP" altLang="en-US"/>
+          </a:p>
+        </p:txBody>
+      </p:sp>
+      <p:sp>
+        <p:nvSpPr>
+          <p:cNvPr id="9" name="円/楕円 8"/>
+          <p:cNvSpPr/>
+          <p:nvPr/>
+        </p:nvSpPr>
+        <p:spPr>
+          <a:xfrm>
+            <a:off x="5141638" y="2536752"/>
+            <a:ext cx="504000" cy="504000"/>
+          </a:xfrm>
+          <a:prstGeom prst="ellipse">
+            <a:avLst/>
+          </a:prstGeom>
+        </p:spPr>
+        <p:style>
+          <a:lnRef idx="2">
+            <a:schemeClr val="accent1">
+              <a:shade val="50000"/>
+            </a:schemeClr>
+          </a:lnRef>
+          <a:fillRef idx="1">
+            <a:schemeClr val="accent1"/>
+          </a:fillRef>
+          <a:effectRef idx="0">
+            <a:schemeClr val="accent1"/>
+          </a:effectRef>
+          <a:fontRef idx="minor">
+            <a:schemeClr val="lt1"/>
+          </a:fontRef>
+        </p:style>
+        <p:txBody>
+          <a:bodyPr rtlCol="0" anchor="ctr"/>
+          <a:lstStyle/>
+          <a:p>
+            <a:pPr algn="ctr"/>
+            <a:endParaRPr kumimoji="1" lang="ja-JP" altLang="en-US"/>
+          </a:p>
+        </p:txBody>
+      </p:sp>
+      <p:sp>
+        <p:nvSpPr>
+          <p:cNvPr id="10" name="円/楕円 9"/>
+          <p:cNvSpPr/>
+          <p:nvPr/>
+        </p:nvSpPr>
+        <p:spPr>
+          <a:xfrm>
+            <a:off x="5141638" y="3549828"/>
+            <a:ext cx="504000" cy="504000"/>
+          </a:xfrm>
+          <a:prstGeom prst="ellipse">
+            <a:avLst/>
+          </a:prstGeom>
+        </p:spPr>
+        <p:style>
+          <a:lnRef idx="2">
+            <a:schemeClr val="accent1">
+              <a:shade val="50000"/>
+            </a:schemeClr>
+          </a:lnRef>
+          <a:fillRef idx="1">
+            <a:schemeClr val="accent1"/>
+          </a:fillRef>
+          <a:effectRef idx="0">
+            <a:schemeClr val="accent1"/>
+          </a:effectRef>
+          <a:fontRef idx="minor">
+            <a:schemeClr val="lt1"/>
+          </a:fontRef>
+        </p:style>
+        <p:txBody>
+          <a:bodyPr rtlCol="0" anchor="ctr"/>
+          <a:lstStyle/>
+          <a:p>
+            <a:pPr algn="ctr"/>
+            <a:endParaRPr kumimoji="1" lang="ja-JP" altLang="en-US"/>
+          </a:p>
+        </p:txBody>
+      </p:sp>
+      <p:sp>
+        <p:nvSpPr>
+          <p:cNvPr id="11" name="円/楕円 10"/>
+          <p:cNvSpPr/>
+          <p:nvPr/>
+        </p:nvSpPr>
+        <p:spPr>
+          <a:xfrm>
+            <a:off x="5141638" y="5445280"/>
+            <a:ext cx="504000" cy="504000"/>
+          </a:xfrm>
+          <a:prstGeom prst="ellipse">
+            <a:avLst/>
+          </a:prstGeom>
+        </p:spPr>
+        <p:style>
+          <a:lnRef idx="2">
+            <a:schemeClr val="accent1">
+              <a:shade val="50000"/>
+            </a:schemeClr>
+          </a:lnRef>
+          <a:fillRef idx="1">
+            <a:schemeClr val="accent1"/>
+          </a:fillRef>
+          <a:effectRef idx="0">
+            <a:schemeClr val="accent1"/>
+          </a:effectRef>
+          <a:fontRef idx="minor">
+            <a:schemeClr val="lt1"/>
+          </a:fontRef>
+        </p:style>
+        <p:txBody>
+          <a:bodyPr rtlCol="0" anchor="ctr"/>
+          <a:lstStyle/>
+          <a:p>
+            <a:pPr algn="ctr"/>
+            <a:endParaRPr kumimoji="1" lang="ja-JP" altLang="en-US"/>
+          </a:p>
+        </p:txBody>
+      </p:sp>
+      <p:sp>
+        <p:nvSpPr>
+          <p:cNvPr id="12" name="円/楕円 11"/>
+          <p:cNvSpPr/>
+          <p:nvPr/>
+        </p:nvSpPr>
+        <p:spPr>
+          <a:xfrm>
+            <a:off x="7118085" y="1718806"/>
+            <a:ext cx="504056" cy="504000"/>
+          </a:xfrm>
+          <a:prstGeom prst="ellipse">
+            <a:avLst/>
+          </a:prstGeom>
+        </p:spPr>
+        <p:style>
+          <a:lnRef idx="2">
+            <a:schemeClr val="accent1">
+              <a:shade val="50000"/>
+            </a:schemeClr>
+          </a:lnRef>
+          <a:fillRef idx="1">
+            <a:schemeClr val="accent1"/>
+          </a:fillRef>
+          <a:effectRef idx="0">
+            <a:schemeClr val="accent1"/>
+          </a:effectRef>
+          <a:fontRef idx="minor">
+            <a:schemeClr val="lt1"/>
+          </a:fontRef>
+        </p:style>
+        <p:txBody>
+          <a:bodyPr rtlCol="0" anchor="ctr"/>
+          <a:lstStyle/>
+          <a:p>
+            <a:pPr algn="ctr"/>
+            <a:r>
+              <a:rPr kumimoji="1" lang="en-US" altLang="ja-JP" sz="2000" dirty="0" smtClean="0"/>
+              <a:t>0</a:t>
+            </a:r>
+            <a:endParaRPr kumimoji="1" lang="ja-JP" altLang="en-US" sz="2000" dirty="0"/>
+          </a:p>
+        </p:txBody>
+      </p:sp>
+      <p:sp>
+        <p:nvSpPr>
+          <p:cNvPr id="13" name="円/楕円 12"/>
+          <p:cNvSpPr/>
+          <p:nvPr/>
+        </p:nvSpPr>
+        <p:spPr>
+          <a:xfrm>
+            <a:off x="7118085" y="2735934"/>
+            <a:ext cx="504056" cy="504000"/>
+          </a:xfrm>
+          <a:prstGeom prst="ellipse">
+            <a:avLst/>
+          </a:prstGeom>
+        </p:spPr>
+        <p:style>
+          <a:lnRef idx="2">
+            <a:schemeClr val="accent1">
+              <a:shade val="50000"/>
+            </a:schemeClr>
+          </a:lnRef>
+          <a:fillRef idx="1">
+            <a:schemeClr val="accent1"/>
+          </a:fillRef>
+          <a:effectRef idx="0">
+            <a:schemeClr val="accent1"/>
+          </a:effectRef>
+          <a:fontRef idx="minor">
+            <a:schemeClr val="lt1"/>
+          </a:fontRef>
+        </p:style>
+        <p:txBody>
+          <a:bodyPr rtlCol="0" anchor="ctr"/>
+          <a:lstStyle/>
+          <a:p>
+            <a:pPr algn="ctr"/>
+            <a:r>
+              <a:rPr kumimoji="1" lang="en-US" altLang="ja-JP" sz="2000" dirty="0" smtClean="0"/>
+              <a:t>2</a:t>
+            </a:r>
+            <a:endParaRPr kumimoji="1" lang="ja-JP" altLang="en-US" sz="2000" dirty="0"/>
+          </a:p>
+        </p:txBody>
+      </p:sp>
+      <p:sp>
+        <p:nvSpPr>
+          <p:cNvPr id="16" name="円/楕円 15"/>
+          <p:cNvSpPr/>
+          <p:nvPr/>
+        </p:nvSpPr>
+        <p:spPr>
+          <a:xfrm>
+            <a:off x="7105073" y="5517288"/>
+            <a:ext cx="504056" cy="504000"/>
+          </a:xfrm>
+          <a:prstGeom prst="ellipse">
+            <a:avLst/>
+          </a:prstGeom>
+        </p:spPr>
+        <p:style>
+          <a:lnRef idx="2">
+            <a:schemeClr val="accent1">
+              <a:shade val="50000"/>
+            </a:schemeClr>
+          </a:lnRef>
+          <a:fillRef idx="1">
+            <a:schemeClr val="accent1"/>
+          </a:fillRef>
+          <a:effectRef idx="0">
+            <a:schemeClr val="accent1"/>
+          </a:effectRef>
+          <a:fontRef idx="minor">
+            <a:schemeClr val="lt1"/>
+          </a:fontRef>
+        </p:style>
+        <p:txBody>
+          <a:bodyPr rtlCol="0" anchor="ctr"/>
+          <a:lstStyle/>
+          <a:p>
+            <a:pPr algn="ctr"/>
+            <a:r>
+              <a:rPr kumimoji="1" lang="en-US" altLang="ja-JP" sz="2000" dirty="0" smtClean="0"/>
+              <a:t>9</a:t>
+            </a:r>
+            <a:endParaRPr kumimoji="1" lang="ja-JP" altLang="en-US" sz="2000" dirty="0"/>
+          </a:p>
+        </p:txBody>
+      </p:sp>
+      <p:sp>
+        <p:nvSpPr>
+          <p:cNvPr id="17" name="円/楕円 16"/>
+          <p:cNvSpPr/>
+          <p:nvPr/>
+        </p:nvSpPr>
+        <p:spPr>
+          <a:xfrm>
+            <a:off x="7118085" y="2227370"/>
+            <a:ext cx="504056" cy="504000"/>
+          </a:xfrm>
+          <a:prstGeom prst="ellipse">
+            <a:avLst/>
+          </a:prstGeom>
+        </p:spPr>
+        <p:style>
+          <a:lnRef idx="2">
+            <a:schemeClr val="accent1">
+              <a:shade val="50000"/>
+            </a:schemeClr>
+          </a:lnRef>
+          <a:fillRef idx="1">
+            <a:schemeClr val="accent1"/>
+          </a:fillRef>
+          <a:effectRef idx="0">
+            <a:schemeClr val="accent1"/>
+          </a:effectRef>
+          <a:fontRef idx="minor">
+            <a:schemeClr val="lt1"/>
+          </a:fontRef>
+        </p:style>
+        <p:txBody>
+          <a:bodyPr rtlCol="0" anchor="ctr"/>
+          <a:lstStyle/>
+          <a:p>
+            <a:pPr algn="ctr"/>
+            <a:r>
+              <a:rPr kumimoji="1" lang="ja-JP" altLang="en-US" sz="2000" dirty="0" smtClean="0"/>
+              <a:t>１</a:t>
+            </a:r>
+            <a:endParaRPr kumimoji="1" lang="ja-JP" altLang="en-US" sz="2000" dirty="0"/>
+          </a:p>
+        </p:txBody>
+      </p:sp>
+      <p:sp>
+        <p:nvSpPr>
+          <p:cNvPr id="18" name="円/楕円 17"/>
+          <p:cNvSpPr/>
+          <p:nvPr/>
+        </p:nvSpPr>
+        <p:spPr>
+          <a:xfrm>
+            <a:off x="7118085" y="3244498"/>
+            <a:ext cx="504056" cy="504000"/>
+          </a:xfrm>
+          <a:prstGeom prst="ellipse">
+            <a:avLst/>
+          </a:prstGeom>
+        </p:spPr>
+        <p:style>
+          <a:lnRef idx="2">
+            <a:schemeClr val="accent1">
+              <a:shade val="50000"/>
+            </a:schemeClr>
+          </a:lnRef>
+          <a:fillRef idx="1">
+            <a:schemeClr val="accent1"/>
+          </a:fillRef>
+          <a:effectRef idx="0">
+            <a:schemeClr val="accent1"/>
+          </a:effectRef>
+          <a:fontRef idx="minor">
+            <a:schemeClr val="lt1"/>
+          </a:fontRef>
+        </p:style>
+        <p:txBody>
+          <a:bodyPr rtlCol="0" anchor="ctr"/>
+          <a:lstStyle/>
+          <a:p>
+            <a:pPr algn="ctr"/>
+            <a:r>
+              <a:rPr lang="en-US" altLang="ja-JP" sz="2000" dirty="0"/>
+              <a:t>3</a:t>
+            </a:r>
+            <a:endParaRPr kumimoji="1" lang="ja-JP" altLang="en-US" sz="2000" dirty="0"/>
+          </a:p>
+        </p:txBody>
+      </p:sp>
+      <p:sp>
+        <p:nvSpPr>
+          <p:cNvPr id="22" name="円/楕円 21"/>
+          <p:cNvSpPr/>
+          <p:nvPr/>
+        </p:nvSpPr>
+        <p:spPr>
+          <a:xfrm>
+            <a:off x="3928153" y="4869779"/>
+            <a:ext cx="504000" cy="504000"/>
+          </a:xfrm>
+          <a:prstGeom prst="ellipse">
+            <a:avLst/>
+          </a:prstGeom>
+        </p:spPr>
+        <p:style>
+          <a:lnRef idx="2">
+            <a:schemeClr val="accent1">
+              <a:shade val="50000"/>
+            </a:schemeClr>
+          </a:lnRef>
+          <a:fillRef idx="1">
+            <a:schemeClr val="accent1"/>
+          </a:fillRef>
+          <a:effectRef idx="0">
+            <a:schemeClr val="accent1"/>
+          </a:effectRef>
+          <a:fontRef idx="minor">
+            <a:schemeClr val="lt1"/>
+          </a:fontRef>
+        </p:style>
+        <p:txBody>
+          <a:bodyPr rtlCol="0" anchor="ctr"/>
+          <a:lstStyle/>
+          <a:p>
+            <a:pPr algn="ctr"/>
+            <a:endParaRPr kumimoji="1" lang="ja-JP" altLang="en-US"/>
+          </a:p>
+        </p:txBody>
+      </p:sp>
+      <p:sp>
+        <p:nvSpPr>
+          <p:cNvPr id="23" name="円/楕円 22"/>
+          <p:cNvSpPr/>
+          <p:nvPr/>
+        </p:nvSpPr>
+        <p:spPr>
+          <a:xfrm>
+            <a:off x="3928153" y="5517288"/>
+            <a:ext cx="504000" cy="504000"/>
+          </a:xfrm>
+          <a:prstGeom prst="ellipse">
+            <a:avLst/>
+          </a:prstGeom>
+        </p:spPr>
+        <p:style>
+          <a:lnRef idx="2">
+            <a:schemeClr val="accent1">
+              <a:shade val="50000"/>
+            </a:schemeClr>
+          </a:lnRef>
+          <a:fillRef idx="1">
+            <a:schemeClr val="accent1"/>
+          </a:fillRef>
+          <a:effectRef idx="0">
+            <a:schemeClr val="accent1"/>
+          </a:effectRef>
+          <a:fontRef idx="minor">
+            <a:schemeClr val="lt1"/>
+          </a:fontRef>
+        </p:style>
+        <p:txBody>
+          <a:bodyPr rtlCol="0" anchor="ctr"/>
+          <a:lstStyle/>
+          <a:p>
+            <a:pPr algn="ctr"/>
+            <a:endParaRPr kumimoji="1" lang="ja-JP" altLang="en-US"/>
           </a:p>
         </p:txBody>
       </p:sp>
       <p:pic>
         <p:nvPicPr>
-          <p:cNvPr id="4" name="コンテンツ プレースホルダー 3"/>
+          <p:cNvPr id="24" name="図 23"/>
           <p:cNvPicPr>
-            <a:picLocks noGrp="1" noChangeAspect="1"/>
+            <a:picLocks noChangeAspect="1"/>
           </p:cNvPicPr>
-          <p:nvPr>
-            <p:ph idx="1"/>
-          </p:nvPr>
+          <p:nvPr/>
         </p:nvPicPr>
         <p:blipFill rotWithShape="1">
           <a:blip r:embed="rId2">
@@ -6321,20 +6972,1388 @@
               </a:ext>
             </a:extLst>
           </a:blip>
-          <a:srcRect l="7268" t="15967" r="5570"/>
+          <a:srcRect t="7592" b="12744"/>
           <a:stretch/>
         </p:blipFill>
         <p:spPr>
           <a:xfrm>
-            <a:off x="683568" y="1340768"/>
-            <a:ext cx="8106628" cy="4752528"/>
-          </a:xfrm>
+            <a:off x="251521" y="4161802"/>
+            <a:ext cx="1274396" cy="1230594"/>
+          </a:xfrm>
+          <a:prstGeom prst="rect">
+            <a:avLst/>
+          </a:prstGeom>
         </p:spPr>
       </p:pic>
+      <p:sp>
+        <p:nvSpPr>
+          <p:cNvPr id="25" name="四角形吹き出し 24"/>
+          <p:cNvSpPr/>
+          <p:nvPr/>
+        </p:nvSpPr>
+        <p:spPr>
+          <a:xfrm>
+            <a:off x="258710" y="2692859"/>
+            <a:ext cx="1267208" cy="890893"/>
+          </a:xfrm>
+          <a:prstGeom prst="wedgeRectCallout">
+            <a:avLst>
+              <a:gd name="adj1" fmla="val -18900"/>
+              <a:gd name="adj2" fmla="val 118266"/>
+            </a:avLst>
+          </a:prstGeom>
+          <a:noFill/>
+          <a:ln w="12700">
+            <a:solidFill>
+              <a:schemeClr val="tx1"/>
+            </a:solidFill>
+          </a:ln>
+        </p:spPr>
+        <p:style>
+          <a:lnRef idx="2">
+            <a:schemeClr val="accent1">
+              <a:shade val="50000"/>
+            </a:schemeClr>
+          </a:lnRef>
+          <a:fillRef idx="1">
+            <a:schemeClr val="accent1"/>
+          </a:fillRef>
+          <a:effectRef idx="0">
+            <a:schemeClr val="accent1"/>
+          </a:effectRef>
+          <a:fontRef idx="minor">
+            <a:schemeClr val="lt1"/>
+          </a:fontRef>
+        </p:style>
+        <p:txBody>
+          <a:bodyPr rtlCol="0" anchor="ctr"/>
+          <a:lstStyle/>
+          <a:p>
+            <a:pPr algn="ctr"/>
+            <a:r>
+              <a:rPr kumimoji="1" lang="en-US" altLang="ja-JP" sz="2000" dirty="0" smtClean="0">
+                <a:solidFill>
+                  <a:schemeClr val="tx1"/>
+                </a:solidFill>
+              </a:rPr>
+              <a:t>28×28</a:t>
+            </a:r>
+          </a:p>
+          <a:p>
+            <a:pPr algn="ctr"/>
+            <a:r>
+              <a:rPr lang="en-US" altLang="ja-JP" sz="2000" dirty="0" smtClean="0">
+                <a:solidFill>
+                  <a:schemeClr val="tx1"/>
+                </a:solidFill>
+              </a:rPr>
+              <a:t>=784</a:t>
+            </a:r>
+            <a:endParaRPr kumimoji="1" lang="ja-JP" altLang="en-US" sz="2000" dirty="0">
+              <a:solidFill>
+                <a:schemeClr val="tx1"/>
+              </a:solidFill>
+            </a:endParaRPr>
+          </a:p>
+        </p:txBody>
+      </p:sp>
+      <p:sp>
+        <p:nvSpPr>
+          <p:cNvPr id="26" name="左中かっこ 25"/>
+          <p:cNvSpPr/>
+          <p:nvPr/>
+        </p:nvSpPr>
+        <p:spPr>
+          <a:xfrm>
+            <a:off x="1835696" y="1681742"/>
+            <a:ext cx="621783" cy="4199299"/>
+          </a:xfrm>
+          <a:prstGeom prst="leftBrace">
+            <a:avLst>
+              <a:gd name="adj1" fmla="val 8333"/>
+              <a:gd name="adj2" fmla="val 71255"/>
+            </a:avLst>
+          </a:prstGeom>
+          <a:ln w="57150"/>
+        </p:spPr>
+        <p:style>
+          <a:lnRef idx="1">
+            <a:schemeClr val="accent1"/>
+          </a:lnRef>
+          <a:fillRef idx="0">
+            <a:schemeClr val="accent1"/>
+          </a:fillRef>
+          <a:effectRef idx="0">
+            <a:schemeClr val="accent1"/>
+          </a:effectRef>
+          <a:fontRef idx="minor">
+            <a:schemeClr val="tx1"/>
+          </a:fontRef>
+        </p:style>
+        <p:txBody>
+          <a:bodyPr rtlCol="0" anchor="ctr"/>
+          <a:lstStyle/>
+          <a:p>
+            <a:pPr algn="ctr"/>
+            <a:endParaRPr kumimoji="1" lang="ja-JP" altLang="en-US"/>
+          </a:p>
+        </p:txBody>
+      </p:sp>
+      <p:sp>
+        <p:nvSpPr>
+          <p:cNvPr id="27" name="テキスト ボックス 26"/>
+          <p:cNvSpPr txBox="1"/>
+          <p:nvPr/>
+        </p:nvSpPr>
+        <p:spPr>
+          <a:xfrm>
+            <a:off x="2195735" y="1844824"/>
+            <a:ext cx="1435706" cy="400110"/>
+          </a:xfrm>
+          <a:prstGeom prst="rect">
+            <a:avLst/>
+          </a:prstGeom>
+          <a:noFill/>
+        </p:spPr>
+        <p:txBody>
+          <a:bodyPr wrap="square" rtlCol="0">
+            <a:spAutoFit/>
+          </a:bodyPr>
+          <a:lstStyle/>
+          <a:p>
+            <a:r>
+              <a:rPr kumimoji="1" lang="en-US" altLang="ja-JP" sz="2000" dirty="0" smtClean="0"/>
+              <a:t>X=0,Y=0</a:t>
+            </a:r>
+            <a:endParaRPr kumimoji="1" lang="ja-JP" altLang="en-US" sz="2000" dirty="0"/>
+          </a:p>
+        </p:txBody>
+      </p:sp>
+      <p:sp>
+        <p:nvSpPr>
+          <p:cNvPr id="28" name="テキスト ボックス 27"/>
+          <p:cNvSpPr txBox="1"/>
+          <p:nvPr/>
+        </p:nvSpPr>
+        <p:spPr>
+          <a:xfrm>
+            <a:off x="2195735" y="2419420"/>
+            <a:ext cx="1435706" cy="400110"/>
+          </a:xfrm>
+          <a:prstGeom prst="rect">
+            <a:avLst/>
+          </a:prstGeom>
+          <a:noFill/>
+        </p:spPr>
+        <p:txBody>
+          <a:bodyPr wrap="square" rtlCol="0">
+            <a:spAutoFit/>
+          </a:bodyPr>
+          <a:lstStyle/>
+          <a:p>
+            <a:r>
+              <a:rPr kumimoji="1" lang="en-US" altLang="ja-JP" sz="2000" dirty="0" smtClean="0"/>
+              <a:t>X=1,Y=0</a:t>
+            </a:r>
+            <a:endParaRPr kumimoji="1" lang="ja-JP" altLang="en-US" sz="2000" dirty="0"/>
+          </a:p>
+        </p:txBody>
+      </p:sp>
+      <p:sp>
+        <p:nvSpPr>
+          <p:cNvPr id="29" name="テキスト ボックス 28"/>
+          <p:cNvSpPr txBox="1"/>
+          <p:nvPr/>
+        </p:nvSpPr>
+        <p:spPr>
+          <a:xfrm>
+            <a:off x="2267799" y="4937113"/>
+            <a:ext cx="1660353" cy="400110"/>
+          </a:xfrm>
+          <a:prstGeom prst="rect">
+            <a:avLst/>
+          </a:prstGeom>
+          <a:noFill/>
+        </p:spPr>
+        <p:txBody>
+          <a:bodyPr wrap="square" rtlCol="0">
+            <a:spAutoFit/>
+          </a:bodyPr>
+          <a:lstStyle/>
+          <a:p>
+            <a:r>
+              <a:rPr kumimoji="1" lang="en-US" altLang="ja-JP" sz="2000" dirty="0" smtClean="0"/>
+              <a:t>X=26,Y=27</a:t>
+            </a:r>
+            <a:endParaRPr kumimoji="1" lang="ja-JP" altLang="en-US" sz="2000" dirty="0"/>
+          </a:p>
+        </p:txBody>
+      </p:sp>
+      <p:sp>
+        <p:nvSpPr>
+          <p:cNvPr id="30" name="テキスト ボックス 29"/>
+          <p:cNvSpPr txBox="1"/>
+          <p:nvPr/>
+        </p:nvSpPr>
+        <p:spPr>
+          <a:xfrm>
+            <a:off x="2267799" y="5511709"/>
+            <a:ext cx="1660353" cy="400110"/>
+          </a:xfrm>
+          <a:prstGeom prst="rect">
+            <a:avLst/>
+          </a:prstGeom>
+          <a:noFill/>
+        </p:spPr>
+        <p:txBody>
+          <a:bodyPr wrap="square" rtlCol="0">
+            <a:spAutoFit/>
+          </a:bodyPr>
+          <a:lstStyle/>
+          <a:p>
+            <a:r>
+              <a:rPr kumimoji="1" lang="en-US" altLang="ja-JP" sz="2000" dirty="0" smtClean="0"/>
+              <a:t>X=27,Y=27</a:t>
+            </a:r>
+            <a:endParaRPr kumimoji="1" lang="ja-JP" altLang="en-US" sz="2000" dirty="0"/>
+          </a:p>
+        </p:txBody>
+      </p:sp>
+      <p:sp>
+        <p:nvSpPr>
+          <p:cNvPr id="31" name="円/楕円 30"/>
+          <p:cNvSpPr/>
+          <p:nvPr/>
+        </p:nvSpPr>
+        <p:spPr>
+          <a:xfrm>
+            <a:off x="7118085" y="3753063"/>
+            <a:ext cx="504056" cy="504000"/>
+          </a:xfrm>
+          <a:prstGeom prst="ellipse">
+            <a:avLst/>
+          </a:prstGeom>
+        </p:spPr>
+        <p:style>
+          <a:lnRef idx="2">
+            <a:schemeClr val="accent1">
+              <a:shade val="50000"/>
+            </a:schemeClr>
+          </a:lnRef>
+          <a:fillRef idx="1">
+            <a:schemeClr val="accent1"/>
+          </a:fillRef>
+          <a:effectRef idx="0">
+            <a:schemeClr val="accent1"/>
+          </a:effectRef>
+          <a:fontRef idx="minor">
+            <a:schemeClr val="lt1"/>
+          </a:fontRef>
+        </p:style>
+        <p:txBody>
+          <a:bodyPr rtlCol="0" anchor="ctr"/>
+          <a:lstStyle/>
+          <a:p>
+            <a:pPr algn="ctr"/>
+            <a:r>
+              <a:rPr lang="en-US" altLang="ja-JP" sz="2000" dirty="0" smtClean="0"/>
+              <a:t>4</a:t>
+            </a:r>
+            <a:endParaRPr kumimoji="1" lang="ja-JP" altLang="en-US" sz="2000" dirty="0"/>
+          </a:p>
+        </p:txBody>
+      </p:sp>
+      <p:sp>
+        <p:nvSpPr>
+          <p:cNvPr id="32" name="円/楕円 31"/>
+          <p:cNvSpPr/>
+          <p:nvPr/>
+        </p:nvSpPr>
+        <p:spPr>
+          <a:xfrm>
+            <a:off x="7103760" y="5054445"/>
+            <a:ext cx="504056" cy="504000"/>
+          </a:xfrm>
+          <a:prstGeom prst="ellipse">
+            <a:avLst/>
+          </a:prstGeom>
+        </p:spPr>
+        <p:style>
+          <a:lnRef idx="2">
+            <a:schemeClr val="accent1">
+              <a:shade val="50000"/>
+            </a:schemeClr>
+          </a:lnRef>
+          <a:fillRef idx="1">
+            <a:schemeClr val="accent1"/>
+          </a:fillRef>
+          <a:effectRef idx="0">
+            <a:schemeClr val="accent1"/>
+          </a:effectRef>
+          <a:fontRef idx="minor">
+            <a:schemeClr val="lt1"/>
+          </a:fontRef>
+        </p:style>
+        <p:txBody>
+          <a:bodyPr rtlCol="0" anchor="ctr"/>
+          <a:lstStyle/>
+          <a:p>
+            <a:pPr algn="ctr"/>
+            <a:r>
+              <a:rPr lang="en-US" altLang="ja-JP" sz="2000" dirty="0"/>
+              <a:t>8</a:t>
+            </a:r>
+            <a:endParaRPr kumimoji="1" lang="ja-JP" altLang="en-US" sz="2000" dirty="0"/>
+          </a:p>
+        </p:txBody>
+      </p:sp>
+      <p:sp>
+        <p:nvSpPr>
+          <p:cNvPr id="33" name="テキスト ボックス 32"/>
+          <p:cNvSpPr txBox="1"/>
+          <p:nvPr/>
+        </p:nvSpPr>
+        <p:spPr>
+          <a:xfrm>
+            <a:off x="7671082" y="1777490"/>
+            <a:ext cx="717342" cy="400110"/>
+          </a:xfrm>
+          <a:prstGeom prst="rect">
+            <a:avLst/>
+          </a:prstGeom>
+          <a:noFill/>
+        </p:spPr>
+        <p:txBody>
+          <a:bodyPr wrap="square" rtlCol="0">
+            <a:spAutoFit/>
+          </a:bodyPr>
+          <a:lstStyle/>
+          <a:p>
+            <a:r>
+              <a:rPr kumimoji="1" lang="en-US" altLang="ja-JP" sz="2000" dirty="0" smtClean="0"/>
+              <a:t>0.0</a:t>
+            </a:r>
+            <a:endParaRPr kumimoji="1" lang="ja-JP" altLang="en-US" sz="2000" dirty="0"/>
+          </a:p>
+        </p:txBody>
+      </p:sp>
+      <p:sp>
+        <p:nvSpPr>
+          <p:cNvPr id="34" name="テキスト ボックス 33"/>
+          <p:cNvSpPr txBox="1"/>
+          <p:nvPr/>
+        </p:nvSpPr>
+        <p:spPr>
+          <a:xfrm>
+            <a:off x="7671082" y="3296443"/>
+            <a:ext cx="717342" cy="400110"/>
+          </a:xfrm>
+          <a:prstGeom prst="rect">
+            <a:avLst/>
+          </a:prstGeom>
+          <a:noFill/>
+        </p:spPr>
+        <p:txBody>
+          <a:bodyPr wrap="square" rtlCol="0">
+            <a:spAutoFit/>
+          </a:bodyPr>
+          <a:lstStyle/>
+          <a:p>
+            <a:r>
+              <a:rPr kumimoji="1" lang="en-US" altLang="ja-JP" sz="2000" dirty="0" smtClean="0"/>
+              <a:t>0.0</a:t>
+            </a:r>
+            <a:endParaRPr kumimoji="1" lang="ja-JP" altLang="en-US" sz="2000" dirty="0"/>
+          </a:p>
+        </p:txBody>
+      </p:sp>
+      <p:sp>
+        <p:nvSpPr>
+          <p:cNvPr id="35" name="テキスト ボックス 34"/>
+          <p:cNvSpPr txBox="1"/>
+          <p:nvPr/>
+        </p:nvSpPr>
+        <p:spPr>
+          <a:xfrm>
+            <a:off x="7671082" y="5621178"/>
+            <a:ext cx="1365414" cy="400110"/>
+          </a:xfrm>
+          <a:prstGeom prst="rect">
+            <a:avLst/>
+          </a:prstGeom>
+          <a:noFill/>
+        </p:spPr>
+        <p:txBody>
+          <a:bodyPr wrap="square" rtlCol="0">
+            <a:spAutoFit/>
+          </a:bodyPr>
+          <a:lstStyle/>
+          <a:p>
+            <a:r>
+              <a:rPr kumimoji="1" lang="en-US" altLang="ja-JP" sz="2000" dirty="0" smtClean="0">
+                <a:solidFill>
+                  <a:srgbClr val="FF0000"/>
+                </a:solidFill>
+              </a:rPr>
+              <a:t>0.3</a:t>
+            </a:r>
+            <a:r>
+              <a:rPr kumimoji="1" lang="ja-JP" altLang="en-US" sz="2000" dirty="0" smtClean="0">
+                <a:solidFill>
+                  <a:srgbClr val="FF0000"/>
+                </a:solidFill>
+              </a:rPr>
+              <a:t>（誤り）</a:t>
+            </a:r>
+            <a:endParaRPr kumimoji="1" lang="ja-JP" altLang="en-US" sz="2000" dirty="0">
+              <a:solidFill>
+                <a:srgbClr val="FF0000"/>
+              </a:solidFill>
+            </a:endParaRPr>
+          </a:p>
+        </p:txBody>
+      </p:sp>
+      <p:sp>
+        <p:nvSpPr>
+          <p:cNvPr id="36" name="テキスト ボックス 35"/>
+          <p:cNvSpPr txBox="1"/>
+          <p:nvPr/>
+        </p:nvSpPr>
+        <p:spPr>
+          <a:xfrm>
+            <a:off x="7671082" y="3801828"/>
+            <a:ext cx="717342" cy="400110"/>
+          </a:xfrm>
+          <a:prstGeom prst="rect">
+            <a:avLst/>
+          </a:prstGeom>
+          <a:noFill/>
+        </p:spPr>
+        <p:txBody>
+          <a:bodyPr wrap="square" rtlCol="0">
+            <a:spAutoFit/>
+          </a:bodyPr>
+          <a:lstStyle/>
+          <a:p>
+            <a:r>
+              <a:rPr kumimoji="1" lang="en-US" altLang="ja-JP" sz="2000" dirty="0" smtClean="0">
+                <a:solidFill>
+                  <a:srgbClr val="00B050"/>
+                </a:solidFill>
+              </a:rPr>
+              <a:t>0.1</a:t>
+            </a:r>
+            <a:endParaRPr kumimoji="1" lang="ja-JP" altLang="en-US" sz="2000" dirty="0">
+              <a:solidFill>
+                <a:srgbClr val="00B050"/>
+              </a:solidFill>
+            </a:endParaRPr>
+          </a:p>
+        </p:txBody>
+      </p:sp>
+      <p:sp>
+        <p:nvSpPr>
+          <p:cNvPr id="37" name="テキスト ボックス 36"/>
+          <p:cNvSpPr txBox="1"/>
+          <p:nvPr/>
+        </p:nvSpPr>
+        <p:spPr>
+          <a:xfrm>
+            <a:off x="7671082" y="2264017"/>
+            <a:ext cx="717342" cy="400110"/>
+          </a:xfrm>
+          <a:prstGeom prst="rect">
+            <a:avLst/>
+          </a:prstGeom>
+          <a:noFill/>
+        </p:spPr>
+        <p:txBody>
+          <a:bodyPr wrap="square" rtlCol="0">
+            <a:spAutoFit/>
+          </a:bodyPr>
+          <a:lstStyle/>
+          <a:p>
+            <a:r>
+              <a:rPr kumimoji="1" lang="en-US" altLang="ja-JP" sz="2000" dirty="0" smtClean="0"/>
+              <a:t>0.1</a:t>
+            </a:r>
+            <a:endParaRPr kumimoji="1" lang="ja-JP" altLang="en-US" sz="2000" dirty="0"/>
+          </a:p>
+        </p:txBody>
+      </p:sp>
+      <p:sp>
+        <p:nvSpPr>
+          <p:cNvPr id="38" name="テキスト ボックス 37"/>
+          <p:cNvSpPr txBox="1"/>
+          <p:nvPr/>
+        </p:nvSpPr>
+        <p:spPr>
+          <a:xfrm>
+            <a:off x="7671082" y="2787879"/>
+            <a:ext cx="717342" cy="400110"/>
+          </a:xfrm>
+          <a:prstGeom prst="rect">
+            <a:avLst/>
+          </a:prstGeom>
+          <a:noFill/>
+        </p:spPr>
+        <p:txBody>
+          <a:bodyPr wrap="square" rtlCol="0">
+            <a:spAutoFit/>
+          </a:bodyPr>
+          <a:lstStyle/>
+          <a:p>
+            <a:r>
+              <a:rPr kumimoji="1" lang="en-US" altLang="ja-JP" sz="2000" dirty="0" smtClean="0"/>
+              <a:t>0.1</a:t>
+            </a:r>
+            <a:endParaRPr kumimoji="1" lang="ja-JP" altLang="en-US" sz="2000" dirty="0"/>
+          </a:p>
+        </p:txBody>
+      </p:sp>
+      <p:sp>
+        <p:nvSpPr>
+          <p:cNvPr id="39" name="テキスト ボックス 38"/>
+          <p:cNvSpPr txBox="1"/>
+          <p:nvPr/>
+        </p:nvSpPr>
+        <p:spPr>
+          <a:xfrm>
+            <a:off x="7671082" y="5099674"/>
+            <a:ext cx="717342" cy="400110"/>
+          </a:xfrm>
+          <a:prstGeom prst="rect">
+            <a:avLst/>
+          </a:prstGeom>
+          <a:noFill/>
+        </p:spPr>
+        <p:txBody>
+          <a:bodyPr wrap="square" rtlCol="0">
+            <a:spAutoFit/>
+          </a:bodyPr>
+          <a:lstStyle/>
+          <a:p>
+            <a:r>
+              <a:rPr kumimoji="1" lang="en-US" altLang="ja-JP" sz="2000" dirty="0" smtClean="0"/>
+              <a:t>0.0</a:t>
+            </a:r>
+            <a:endParaRPr kumimoji="1" lang="ja-JP" altLang="en-US" sz="2000" dirty="0"/>
+          </a:p>
+        </p:txBody>
+      </p:sp>
+      <p:sp>
+        <p:nvSpPr>
+          <p:cNvPr id="40" name="テキスト ボックス 39"/>
+          <p:cNvSpPr txBox="1"/>
+          <p:nvPr/>
+        </p:nvSpPr>
+        <p:spPr>
+          <a:xfrm>
+            <a:off x="3923283" y="3228293"/>
+            <a:ext cx="492443" cy="1028769"/>
+          </a:xfrm>
+          <a:prstGeom prst="rect">
+            <a:avLst/>
+          </a:prstGeom>
+          <a:noFill/>
+        </p:spPr>
+        <p:txBody>
+          <a:bodyPr vert="eaVert" wrap="square" rtlCol="0">
+            <a:spAutoFit/>
+          </a:bodyPr>
+          <a:lstStyle/>
+          <a:p>
+            <a:r>
+              <a:rPr lang="ja-JP" altLang="en-US" sz="2000" dirty="0" smtClean="0"/>
+              <a:t>・・・・</a:t>
+            </a:r>
+            <a:endParaRPr kumimoji="1" lang="en-US" altLang="ja-JP" sz="2000" dirty="0" smtClean="0"/>
+          </a:p>
+        </p:txBody>
+      </p:sp>
+      <p:sp>
+        <p:nvSpPr>
+          <p:cNvPr id="41" name="テキスト ボックス 40"/>
+          <p:cNvSpPr txBox="1"/>
+          <p:nvPr/>
+        </p:nvSpPr>
+        <p:spPr>
+          <a:xfrm>
+            <a:off x="7152887" y="4345010"/>
+            <a:ext cx="492443" cy="709435"/>
+          </a:xfrm>
+          <a:prstGeom prst="rect">
+            <a:avLst/>
+          </a:prstGeom>
+          <a:noFill/>
+        </p:spPr>
+        <p:txBody>
+          <a:bodyPr vert="eaVert" wrap="square" rtlCol="0">
+            <a:spAutoFit/>
+          </a:bodyPr>
+          <a:lstStyle/>
+          <a:p>
+            <a:r>
+              <a:rPr lang="ja-JP" altLang="en-US" sz="2000" dirty="0" smtClean="0"/>
+              <a:t>・・・・</a:t>
+            </a:r>
+            <a:endParaRPr kumimoji="1" lang="en-US" altLang="ja-JP" sz="2000" dirty="0" smtClean="0"/>
+          </a:p>
+        </p:txBody>
+      </p:sp>
+      <p:cxnSp>
+        <p:nvCxnSpPr>
+          <p:cNvPr id="43" name="直線コネクタ 42"/>
+          <p:cNvCxnSpPr/>
+          <p:nvPr/>
+        </p:nvCxnSpPr>
+        <p:spPr>
+          <a:xfrm>
+            <a:off x="4427984" y="2012017"/>
+            <a:ext cx="709485" cy="17473"/>
+          </a:xfrm>
+          <a:prstGeom prst="line">
+            <a:avLst/>
+          </a:prstGeom>
+        </p:spPr>
+        <p:style>
+          <a:lnRef idx="1">
+            <a:schemeClr val="accent1"/>
+          </a:lnRef>
+          <a:fillRef idx="0">
+            <a:schemeClr val="accent1"/>
+          </a:fillRef>
+          <a:effectRef idx="0">
+            <a:schemeClr val="accent1"/>
+          </a:effectRef>
+          <a:fontRef idx="minor">
+            <a:schemeClr val="tx1"/>
+          </a:fontRef>
+        </p:style>
+      </p:cxnSp>
+      <p:cxnSp>
+        <p:nvCxnSpPr>
+          <p:cNvPr id="44" name="直線コネクタ 43"/>
+          <p:cNvCxnSpPr>
+            <a:stCxn id="5" idx="6"/>
+            <a:endCxn id="9" idx="2"/>
+          </p:cNvCxnSpPr>
+          <p:nvPr/>
+        </p:nvCxnSpPr>
+        <p:spPr>
+          <a:xfrm>
+            <a:off x="4432153" y="2012017"/>
+            <a:ext cx="709485" cy="776735"/>
+          </a:xfrm>
+          <a:prstGeom prst="line">
+            <a:avLst/>
+          </a:prstGeom>
+        </p:spPr>
+        <p:style>
+          <a:lnRef idx="1">
+            <a:schemeClr val="accent1"/>
+          </a:lnRef>
+          <a:fillRef idx="0">
+            <a:schemeClr val="accent1"/>
+          </a:fillRef>
+          <a:effectRef idx="0">
+            <a:schemeClr val="accent1"/>
+          </a:effectRef>
+          <a:fontRef idx="minor">
+            <a:schemeClr val="tx1"/>
+          </a:fontRef>
+        </p:style>
+      </p:cxnSp>
+      <p:cxnSp>
+        <p:nvCxnSpPr>
+          <p:cNvPr id="45" name="直線コネクタ 44"/>
+          <p:cNvCxnSpPr>
+            <a:stCxn id="5" idx="6"/>
+            <a:endCxn id="10" idx="2"/>
+          </p:cNvCxnSpPr>
+          <p:nvPr/>
+        </p:nvCxnSpPr>
+        <p:spPr>
+          <a:xfrm>
+            <a:off x="4432153" y="2012017"/>
+            <a:ext cx="709485" cy="1789811"/>
+          </a:xfrm>
+          <a:prstGeom prst="line">
+            <a:avLst/>
+          </a:prstGeom>
+        </p:spPr>
+        <p:style>
+          <a:lnRef idx="1">
+            <a:schemeClr val="accent1"/>
+          </a:lnRef>
+          <a:fillRef idx="0">
+            <a:schemeClr val="accent1"/>
+          </a:fillRef>
+          <a:effectRef idx="0">
+            <a:schemeClr val="accent1"/>
+          </a:effectRef>
+          <a:fontRef idx="minor">
+            <a:schemeClr val="tx1"/>
+          </a:fontRef>
+        </p:style>
+      </p:cxnSp>
+      <p:cxnSp>
+        <p:nvCxnSpPr>
+          <p:cNvPr id="46" name="直線コネクタ 45"/>
+          <p:cNvCxnSpPr>
+            <a:stCxn id="5" idx="6"/>
+            <a:endCxn id="11" idx="2"/>
+          </p:cNvCxnSpPr>
+          <p:nvPr/>
+        </p:nvCxnSpPr>
+        <p:spPr>
+          <a:xfrm>
+            <a:off x="4432153" y="2012017"/>
+            <a:ext cx="709485" cy="3685263"/>
+          </a:xfrm>
+          <a:prstGeom prst="line">
+            <a:avLst/>
+          </a:prstGeom>
+        </p:spPr>
+        <p:style>
+          <a:lnRef idx="1">
+            <a:schemeClr val="accent1"/>
+          </a:lnRef>
+          <a:fillRef idx="0">
+            <a:schemeClr val="accent1"/>
+          </a:fillRef>
+          <a:effectRef idx="0">
+            <a:schemeClr val="accent1"/>
+          </a:effectRef>
+          <a:fontRef idx="minor">
+            <a:schemeClr val="tx1"/>
+          </a:fontRef>
+        </p:style>
+      </p:cxnSp>
+      <p:cxnSp>
+        <p:nvCxnSpPr>
+          <p:cNvPr id="53" name="直線コネクタ 52"/>
+          <p:cNvCxnSpPr>
+            <a:stCxn id="8" idx="6"/>
+            <a:endCxn id="12" idx="2"/>
+          </p:cNvCxnSpPr>
+          <p:nvPr/>
+        </p:nvCxnSpPr>
+        <p:spPr>
+          <a:xfrm flipV="1">
+            <a:off x="5645638" y="1970806"/>
+            <a:ext cx="1472447" cy="58684"/>
+          </a:xfrm>
+          <a:prstGeom prst="line">
+            <a:avLst/>
+          </a:prstGeom>
+        </p:spPr>
+        <p:style>
+          <a:lnRef idx="1">
+            <a:schemeClr val="accent1"/>
+          </a:lnRef>
+          <a:fillRef idx="0">
+            <a:schemeClr val="accent1"/>
+          </a:fillRef>
+          <a:effectRef idx="0">
+            <a:schemeClr val="accent1"/>
+          </a:effectRef>
+          <a:fontRef idx="minor">
+            <a:schemeClr val="tx1"/>
+          </a:fontRef>
+        </p:style>
+      </p:cxnSp>
+      <p:cxnSp>
+        <p:nvCxnSpPr>
+          <p:cNvPr id="54" name="直線コネクタ 53"/>
+          <p:cNvCxnSpPr>
+            <a:stCxn id="8" idx="6"/>
+            <a:endCxn id="17" idx="2"/>
+          </p:cNvCxnSpPr>
+          <p:nvPr/>
+        </p:nvCxnSpPr>
+        <p:spPr>
+          <a:xfrm>
+            <a:off x="5645638" y="2029490"/>
+            <a:ext cx="1472447" cy="449880"/>
+          </a:xfrm>
+          <a:prstGeom prst="line">
+            <a:avLst/>
+          </a:prstGeom>
+        </p:spPr>
+        <p:style>
+          <a:lnRef idx="1">
+            <a:schemeClr val="accent1"/>
+          </a:lnRef>
+          <a:fillRef idx="0">
+            <a:schemeClr val="accent1"/>
+          </a:fillRef>
+          <a:effectRef idx="0">
+            <a:schemeClr val="accent1"/>
+          </a:effectRef>
+          <a:fontRef idx="minor">
+            <a:schemeClr val="tx1"/>
+          </a:fontRef>
+        </p:style>
+      </p:cxnSp>
+      <p:cxnSp>
+        <p:nvCxnSpPr>
+          <p:cNvPr id="55" name="直線コネクタ 54"/>
+          <p:cNvCxnSpPr>
+            <a:stCxn id="8" idx="6"/>
+            <a:endCxn id="13" idx="2"/>
+          </p:cNvCxnSpPr>
+          <p:nvPr/>
+        </p:nvCxnSpPr>
+        <p:spPr>
+          <a:xfrm>
+            <a:off x="5645638" y="2029490"/>
+            <a:ext cx="1472447" cy="958444"/>
+          </a:xfrm>
+          <a:prstGeom prst="line">
+            <a:avLst/>
+          </a:prstGeom>
+        </p:spPr>
+        <p:style>
+          <a:lnRef idx="1">
+            <a:schemeClr val="accent1"/>
+          </a:lnRef>
+          <a:fillRef idx="0">
+            <a:schemeClr val="accent1"/>
+          </a:fillRef>
+          <a:effectRef idx="0">
+            <a:schemeClr val="accent1"/>
+          </a:effectRef>
+          <a:fontRef idx="minor">
+            <a:schemeClr val="tx1"/>
+          </a:fontRef>
+        </p:style>
+      </p:cxnSp>
+      <p:cxnSp>
+        <p:nvCxnSpPr>
+          <p:cNvPr id="56" name="直線コネクタ 55"/>
+          <p:cNvCxnSpPr>
+            <a:stCxn id="8" idx="6"/>
+            <a:endCxn id="18" idx="2"/>
+          </p:cNvCxnSpPr>
+          <p:nvPr/>
+        </p:nvCxnSpPr>
+        <p:spPr>
+          <a:xfrm>
+            <a:off x="5645638" y="2029490"/>
+            <a:ext cx="1472447" cy="1467008"/>
+          </a:xfrm>
+          <a:prstGeom prst="line">
+            <a:avLst/>
+          </a:prstGeom>
+        </p:spPr>
+        <p:style>
+          <a:lnRef idx="1">
+            <a:schemeClr val="accent1"/>
+          </a:lnRef>
+          <a:fillRef idx="0">
+            <a:schemeClr val="accent1"/>
+          </a:fillRef>
+          <a:effectRef idx="0">
+            <a:schemeClr val="accent1"/>
+          </a:effectRef>
+          <a:fontRef idx="minor">
+            <a:schemeClr val="tx1"/>
+          </a:fontRef>
+        </p:style>
+      </p:cxnSp>
+      <p:cxnSp>
+        <p:nvCxnSpPr>
+          <p:cNvPr id="57" name="直線コネクタ 56"/>
+          <p:cNvCxnSpPr>
+            <a:stCxn id="8" idx="6"/>
+            <a:endCxn id="31" idx="2"/>
+          </p:cNvCxnSpPr>
+          <p:nvPr/>
+        </p:nvCxnSpPr>
+        <p:spPr>
+          <a:xfrm>
+            <a:off x="5645638" y="2029490"/>
+            <a:ext cx="1472447" cy="1975573"/>
+          </a:xfrm>
+          <a:prstGeom prst="line">
+            <a:avLst/>
+          </a:prstGeom>
+        </p:spPr>
+        <p:style>
+          <a:lnRef idx="1">
+            <a:schemeClr val="accent1"/>
+          </a:lnRef>
+          <a:fillRef idx="0">
+            <a:schemeClr val="accent1"/>
+          </a:fillRef>
+          <a:effectRef idx="0">
+            <a:schemeClr val="accent1"/>
+          </a:effectRef>
+          <a:fontRef idx="minor">
+            <a:schemeClr val="tx1"/>
+          </a:fontRef>
+        </p:style>
+      </p:cxnSp>
+      <p:cxnSp>
+        <p:nvCxnSpPr>
+          <p:cNvPr id="58" name="直線コネクタ 57"/>
+          <p:cNvCxnSpPr>
+            <a:stCxn id="8" idx="6"/>
+            <a:endCxn id="32" idx="2"/>
+          </p:cNvCxnSpPr>
+          <p:nvPr/>
+        </p:nvCxnSpPr>
+        <p:spPr>
+          <a:xfrm>
+            <a:off x="5645638" y="2029490"/>
+            <a:ext cx="1458122" cy="3276955"/>
+          </a:xfrm>
+          <a:prstGeom prst="line">
+            <a:avLst/>
+          </a:prstGeom>
+        </p:spPr>
+        <p:style>
+          <a:lnRef idx="1">
+            <a:schemeClr val="accent1"/>
+          </a:lnRef>
+          <a:fillRef idx="0">
+            <a:schemeClr val="accent1"/>
+          </a:fillRef>
+          <a:effectRef idx="0">
+            <a:schemeClr val="accent1"/>
+          </a:effectRef>
+          <a:fontRef idx="minor">
+            <a:schemeClr val="tx1"/>
+          </a:fontRef>
+        </p:style>
+      </p:cxnSp>
+      <p:cxnSp>
+        <p:nvCxnSpPr>
+          <p:cNvPr id="71" name="直線コネクタ 70"/>
+          <p:cNvCxnSpPr>
+            <a:stCxn id="8" idx="6"/>
+            <a:endCxn id="16" idx="3"/>
+          </p:cNvCxnSpPr>
+          <p:nvPr/>
+        </p:nvCxnSpPr>
+        <p:spPr>
+          <a:xfrm>
+            <a:off x="5645638" y="2029490"/>
+            <a:ext cx="1533252" cy="3917989"/>
+          </a:xfrm>
+          <a:prstGeom prst="line">
+            <a:avLst/>
+          </a:prstGeom>
+        </p:spPr>
+        <p:style>
+          <a:lnRef idx="1">
+            <a:schemeClr val="accent1"/>
+          </a:lnRef>
+          <a:fillRef idx="0">
+            <a:schemeClr val="accent1"/>
+          </a:fillRef>
+          <a:effectRef idx="0">
+            <a:schemeClr val="accent1"/>
+          </a:effectRef>
+          <a:fontRef idx="minor">
+            <a:schemeClr val="tx1"/>
+          </a:fontRef>
+        </p:style>
+      </p:cxnSp>
+      <p:cxnSp>
+        <p:nvCxnSpPr>
+          <p:cNvPr id="74" name="直線コネクタ 73"/>
+          <p:cNvCxnSpPr>
+            <a:stCxn id="9" idx="6"/>
+            <a:endCxn id="12" idx="2"/>
+          </p:cNvCxnSpPr>
+          <p:nvPr/>
+        </p:nvCxnSpPr>
+        <p:spPr>
+          <a:xfrm flipV="1">
+            <a:off x="5645638" y="1970806"/>
+            <a:ext cx="1472447" cy="817946"/>
+          </a:xfrm>
+          <a:prstGeom prst="line">
+            <a:avLst/>
+          </a:prstGeom>
+        </p:spPr>
+        <p:style>
+          <a:lnRef idx="1">
+            <a:schemeClr val="accent1"/>
+          </a:lnRef>
+          <a:fillRef idx="0">
+            <a:schemeClr val="accent1"/>
+          </a:fillRef>
+          <a:effectRef idx="0">
+            <a:schemeClr val="accent1"/>
+          </a:effectRef>
+          <a:fontRef idx="minor">
+            <a:schemeClr val="tx1"/>
+          </a:fontRef>
+        </p:style>
+      </p:cxnSp>
+      <p:cxnSp>
+        <p:nvCxnSpPr>
+          <p:cNvPr id="75" name="直線コネクタ 74"/>
+          <p:cNvCxnSpPr>
+            <a:stCxn id="9" idx="6"/>
+            <a:endCxn id="17" idx="2"/>
+          </p:cNvCxnSpPr>
+          <p:nvPr/>
+        </p:nvCxnSpPr>
+        <p:spPr>
+          <a:xfrm flipV="1">
+            <a:off x="5645638" y="2479370"/>
+            <a:ext cx="1472447" cy="309382"/>
+          </a:xfrm>
+          <a:prstGeom prst="line">
+            <a:avLst/>
+          </a:prstGeom>
+        </p:spPr>
+        <p:style>
+          <a:lnRef idx="1">
+            <a:schemeClr val="accent1"/>
+          </a:lnRef>
+          <a:fillRef idx="0">
+            <a:schemeClr val="accent1"/>
+          </a:fillRef>
+          <a:effectRef idx="0">
+            <a:schemeClr val="accent1"/>
+          </a:effectRef>
+          <a:fontRef idx="minor">
+            <a:schemeClr val="tx1"/>
+          </a:fontRef>
+        </p:style>
+      </p:cxnSp>
+      <p:cxnSp>
+        <p:nvCxnSpPr>
+          <p:cNvPr id="76" name="直線コネクタ 75"/>
+          <p:cNvCxnSpPr>
+            <a:stCxn id="9" idx="6"/>
+            <a:endCxn id="13" idx="2"/>
+          </p:cNvCxnSpPr>
+          <p:nvPr/>
+        </p:nvCxnSpPr>
+        <p:spPr>
+          <a:xfrm>
+            <a:off x="5645638" y="2788752"/>
+            <a:ext cx="1472447" cy="199182"/>
+          </a:xfrm>
+          <a:prstGeom prst="line">
+            <a:avLst/>
+          </a:prstGeom>
+        </p:spPr>
+        <p:style>
+          <a:lnRef idx="1">
+            <a:schemeClr val="accent1"/>
+          </a:lnRef>
+          <a:fillRef idx="0">
+            <a:schemeClr val="accent1"/>
+          </a:fillRef>
+          <a:effectRef idx="0">
+            <a:schemeClr val="accent1"/>
+          </a:effectRef>
+          <a:fontRef idx="minor">
+            <a:schemeClr val="tx1"/>
+          </a:fontRef>
+        </p:style>
+      </p:cxnSp>
+      <p:cxnSp>
+        <p:nvCxnSpPr>
+          <p:cNvPr id="77" name="直線コネクタ 76"/>
+          <p:cNvCxnSpPr>
+            <a:stCxn id="9" idx="6"/>
+            <a:endCxn id="18" idx="2"/>
+          </p:cNvCxnSpPr>
+          <p:nvPr/>
+        </p:nvCxnSpPr>
+        <p:spPr>
+          <a:xfrm>
+            <a:off x="5645638" y="2788752"/>
+            <a:ext cx="1472447" cy="707746"/>
+          </a:xfrm>
+          <a:prstGeom prst="line">
+            <a:avLst/>
+          </a:prstGeom>
+        </p:spPr>
+        <p:style>
+          <a:lnRef idx="1">
+            <a:schemeClr val="accent1"/>
+          </a:lnRef>
+          <a:fillRef idx="0">
+            <a:schemeClr val="accent1"/>
+          </a:fillRef>
+          <a:effectRef idx="0">
+            <a:schemeClr val="accent1"/>
+          </a:effectRef>
+          <a:fontRef idx="minor">
+            <a:schemeClr val="tx1"/>
+          </a:fontRef>
+        </p:style>
+      </p:cxnSp>
+      <p:cxnSp>
+        <p:nvCxnSpPr>
+          <p:cNvPr id="78" name="直線コネクタ 77"/>
+          <p:cNvCxnSpPr>
+            <a:stCxn id="9" idx="6"/>
+            <a:endCxn id="31" idx="2"/>
+          </p:cNvCxnSpPr>
+          <p:nvPr/>
+        </p:nvCxnSpPr>
+        <p:spPr>
+          <a:xfrm>
+            <a:off x="5645638" y="2788752"/>
+            <a:ext cx="1472447" cy="1216311"/>
+          </a:xfrm>
+          <a:prstGeom prst="line">
+            <a:avLst/>
+          </a:prstGeom>
+        </p:spPr>
+        <p:style>
+          <a:lnRef idx="1">
+            <a:schemeClr val="accent1"/>
+          </a:lnRef>
+          <a:fillRef idx="0">
+            <a:schemeClr val="accent1"/>
+          </a:fillRef>
+          <a:effectRef idx="0">
+            <a:schemeClr val="accent1"/>
+          </a:effectRef>
+          <a:fontRef idx="minor">
+            <a:schemeClr val="tx1"/>
+          </a:fontRef>
+        </p:style>
+      </p:cxnSp>
+      <p:cxnSp>
+        <p:nvCxnSpPr>
+          <p:cNvPr id="79" name="直線コネクタ 78"/>
+          <p:cNvCxnSpPr>
+            <a:stCxn id="9" idx="6"/>
+            <a:endCxn id="32" idx="2"/>
+          </p:cNvCxnSpPr>
+          <p:nvPr/>
+        </p:nvCxnSpPr>
+        <p:spPr>
+          <a:xfrm>
+            <a:off x="5645638" y="2788752"/>
+            <a:ext cx="1458122" cy="2517693"/>
+          </a:xfrm>
+          <a:prstGeom prst="line">
+            <a:avLst/>
+          </a:prstGeom>
+        </p:spPr>
+        <p:style>
+          <a:lnRef idx="1">
+            <a:schemeClr val="accent1"/>
+          </a:lnRef>
+          <a:fillRef idx="0">
+            <a:schemeClr val="accent1"/>
+          </a:fillRef>
+          <a:effectRef idx="0">
+            <a:schemeClr val="accent1"/>
+          </a:effectRef>
+          <a:fontRef idx="minor">
+            <a:schemeClr val="tx1"/>
+          </a:fontRef>
+        </p:style>
+      </p:cxnSp>
+      <p:cxnSp>
+        <p:nvCxnSpPr>
+          <p:cNvPr id="80" name="直線コネクタ 79"/>
+          <p:cNvCxnSpPr>
+            <a:stCxn id="9" idx="6"/>
+            <a:endCxn id="16" idx="2"/>
+          </p:cNvCxnSpPr>
+          <p:nvPr/>
+        </p:nvCxnSpPr>
+        <p:spPr>
+          <a:xfrm>
+            <a:off x="5645638" y="2788752"/>
+            <a:ext cx="1459435" cy="2980536"/>
+          </a:xfrm>
+          <a:prstGeom prst="line">
+            <a:avLst/>
+          </a:prstGeom>
+        </p:spPr>
+        <p:style>
+          <a:lnRef idx="1">
+            <a:schemeClr val="accent1"/>
+          </a:lnRef>
+          <a:fillRef idx="0">
+            <a:schemeClr val="accent1"/>
+          </a:fillRef>
+          <a:effectRef idx="0">
+            <a:schemeClr val="accent1"/>
+          </a:effectRef>
+          <a:fontRef idx="minor">
+            <a:schemeClr val="tx1"/>
+          </a:fontRef>
+        </p:style>
+      </p:cxnSp>
+      <p:sp>
+        <p:nvSpPr>
+          <p:cNvPr id="103" name="正方形/長方形 102"/>
+          <p:cNvSpPr/>
+          <p:nvPr/>
+        </p:nvSpPr>
+        <p:spPr>
+          <a:xfrm>
+            <a:off x="4763198" y="1196752"/>
+            <a:ext cx="1897033" cy="4824536"/>
+          </a:xfrm>
+          <a:prstGeom prst="rect">
+            <a:avLst/>
+          </a:prstGeom>
+          <a:noFill/>
+          <a:ln w="12700">
+            <a:solidFill>
+              <a:srgbClr val="FF0000"/>
+            </a:solidFill>
+          </a:ln>
+        </p:spPr>
+        <p:style>
+          <a:lnRef idx="2">
+            <a:schemeClr val="accent1">
+              <a:shade val="50000"/>
+            </a:schemeClr>
+          </a:lnRef>
+          <a:fillRef idx="1">
+            <a:schemeClr val="accent1"/>
+          </a:fillRef>
+          <a:effectRef idx="0">
+            <a:schemeClr val="accent1"/>
+          </a:effectRef>
+          <a:fontRef idx="minor">
+            <a:schemeClr val="lt1"/>
+          </a:fontRef>
+        </p:style>
+        <p:txBody>
+          <a:bodyPr rtlCol="0" anchor="t"/>
+          <a:lstStyle/>
+          <a:p>
+            <a:pPr algn="ctr"/>
+            <a:r>
+              <a:rPr lang="ja-JP" altLang="en-US" sz="2000" dirty="0" smtClean="0">
+                <a:solidFill>
+                  <a:schemeClr val="tx1"/>
+                </a:solidFill>
+              </a:rPr>
+              <a:t>隠れ</a:t>
+            </a:r>
+            <a:r>
+              <a:rPr lang="ja-JP" altLang="en-US" sz="2000" dirty="0">
+                <a:solidFill>
+                  <a:schemeClr val="tx1"/>
+                </a:solidFill>
+              </a:rPr>
+              <a:t>層</a:t>
+            </a:r>
+            <a:endParaRPr kumimoji="1" lang="ja-JP" altLang="en-US" sz="2000" dirty="0">
+              <a:solidFill>
+                <a:schemeClr val="tx1"/>
+              </a:solidFill>
+            </a:endParaRPr>
+          </a:p>
+        </p:txBody>
+      </p:sp>
+      <p:sp>
+        <p:nvSpPr>
+          <p:cNvPr id="105" name="四角形吹き出し 104"/>
+          <p:cNvSpPr/>
+          <p:nvPr/>
+        </p:nvSpPr>
+        <p:spPr>
+          <a:xfrm>
+            <a:off x="1691681" y="3187989"/>
+            <a:ext cx="2236472" cy="1099811"/>
+          </a:xfrm>
+          <a:prstGeom prst="wedgeRectCallout">
+            <a:avLst>
+              <a:gd name="adj1" fmla="val 92470"/>
+              <a:gd name="adj2" fmla="val 60267"/>
+            </a:avLst>
+          </a:prstGeom>
+          <a:solidFill>
+            <a:srgbClr val="FFFF00"/>
+          </a:solidFill>
+        </p:spPr>
+        <p:style>
+          <a:lnRef idx="2">
+            <a:schemeClr val="accent1">
+              <a:shade val="50000"/>
+            </a:schemeClr>
+          </a:lnRef>
+          <a:fillRef idx="1">
+            <a:schemeClr val="accent1"/>
+          </a:fillRef>
+          <a:effectRef idx="0">
+            <a:schemeClr val="accent1"/>
+          </a:effectRef>
+          <a:fontRef idx="minor">
+            <a:schemeClr val="lt1"/>
+          </a:fontRef>
+        </p:style>
+        <p:txBody>
+          <a:bodyPr rtlCol="0" anchor="ctr"/>
+          <a:lstStyle/>
+          <a:p>
+            <a:pPr algn="ctr"/>
+            <a:r>
+              <a:rPr kumimoji="1" lang="ja-JP" altLang="en-US" sz="2000" dirty="0" smtClean="0">
+                <a:solidFill>
+                  <a:schemeClr val="tx1"/>
+                </a:solidFill>
+              </a:rPr>
+              <a:t>正解に近づくように重みを変更</a:t>
+            </a:r>
+            <a:endParaRPr kumimoji="1" lang="ja-JP" altLang="en-US" sz="2000" dirty="0">
+              <a:solidFill>
+                <a:schemeClr val="tx1"/>
+              </a:solidFill>
+            </a:endParaRPr>
+          </a:p>
+        </p:txBody>
+      </p:sp>
+      <p:sp>
+        <p:nvSpPr>
+          <p:cNvPr id="107" name="テキスト ボックス 106"/>
+          <p:cNvSpPr txBox="1"/>
+          <p:nvPr/>
+        </p:nvSpPr>
+        <p:spPr>
+          <a:xfrm>
+            <a:off x="6876256" y="1196752"/>
+            <a:ext cx="1944216" cy="400110"/>
+          </a:xfrm>
+          <a:prstGeom prst="rect">
+            <a:avLst/>
+          </a:prstGeom>
+          <a:noFill/>
+        </p:spPr>
+        <p:txBody>
+          <a:bodyPr wrap="square" rtlCol="0">
+            <a:spAutoFit/>
+          </a:bodyPr>
+          <a:lstStyle/>
+          <a:p>
+            <a:r>
+              <a:rPr lang="ja-JP" altLang="en-US" sz="2000" dirty="0"/>
+              <a:t>類似する</a:t>
+            </a:r>
+            <a:r>
+              <a:rPr kumimoji="1" lang="ja-JP" altLang="en-US" sz="2000" dirty="0" smtClean="0"/>
+              <a:t>確率</a:t>
+            </a:r>
+            <a:endParaRPr kumimoji="1" lang="ja-JP" altLang="en-US" sz="2000" dirty="0"/>
+          </a:p>
+        </p:txBody>
+      </p:sp>
     </p:spTree>
     <p:extLst>
       <p:ext uri="{BB962C8B-B14F-4D97-AF65-F5344CB8AC3E}">
-        <p14:creationId xmlns:p14="http://schemas.microsoft.com/office/powerpoint/2010/main" val="561368216"/>
+        <p14:creationId xmlns:p14="http://schemas.microsoft.com/office/powerpoint/2010/main" val="1171649866"/>
       </p:ext>
     </p:extLst>
   </p:cSld>
@@ -6387,16 +8406,12 @@
           <a:p>
             <a:pPr marL="624078" indent="-514350" algn="ctr"/>
             <a:r>
-              <a:rPr lang="en-US" altLang="ja-JP" dirty="0"/>
+              <a:rPr lang="en-US" altLang="ja-JP" dirty="0" smtClean="0"/>
               <a:t>Deep Learning</a:t>
             </a:r>
             <a:r>
-              <a:rPr lang="ja-JP" altLang="en-US" dirty="0"/>
-              <a:t>画像</a:t>
-            </a:r>
-            <a:r>
               <a:rPr lang="ja-JP" altLang="en-US" dirty="0" smtClean="0"/>
-              <a:t>認識の学習</a:t>
+              <a:t>画像認識の学習</a:t>
             </a:r>
             <a:endParaRPr lang="ja-JP" altLang="en-US" dirty="0"/>
           </a:p>
@@ -7376,26 +9391,10 @@
           <a:lstStyle/>
           <a:p>
             <a:r>
-              <a:rPr kumimoji="1" lang="en-US" altLang="ja-JP" sz="2000" dirty="0" smtClean="0">
-                <a:solidFill>
-                  <a:srgbClr val="FF0000"/>
-                </a:solidFill>
-              </a:rPr>
-              <a:t>0.3</a:t>
-            </a:r>
-            <a:r>
-              <a:rPr kumimoji="1" lang="ja-JP" altLang="en-US" sz="2000" dirty="0" smtClean="0">
-                <a:solidFill>
-                  <a:srgbClr val="FF0000"/>
-                </a:solidFill>
-              </a:rPr>
-              <a:t>（誤り）</a:t>
-            </a:r>
-            <a:endParaRPr kumimoji="1" lang="ja-JP" altLang="en-US" sz="2000" dirty="0">
-              <a:solidFill>
-                <a:srgbClr val="FF0000"/>
-              </a:solidFill>
-            </a:endParaRPr>
+              <a:rPr kumimoji="1" lang="en-US" altLang="ja-JP" sz="2000" dirty="0" smtClean="0"/>
+              <a:t>0.0</a:t>
+            </a:r>
+            <a:endParaRPr kumimoji="1" lang="ja-JP" altLang="en-US" sz="2000" dirty="0"/>
           </a:p>
         </p:txBody>
       </p:sp>
@@ -7427,7 +9426,7 @@
                   <a:srgbClr val="00B050"/>
                 </a:solidFill>
               </a:rPr>
-              <a:t>0.1</a:t>
+              <a:t>1.0</a:t>
             </a:r>
             <a:endParaRPr kumimoji="1" lang="ja-JP" altLang="en-US" sz="2000" dirty="0">
               <a:solidFill>
@@ -7461,7 +9460,7 @@
           <a:p>
             <a:r>
               <a:rPr kumimoji="1" lang="en-US" altLang="ja-JP" sz="2000" dirty="0" smtClean="0"/>
-              <a:t>0.1</a:t>
+              <a:t>0.0</a:t>
             </a:r>
             <a:endParaRPr kumimoji="1" lang="ja-JP" altLang="en-US" sz="2000" dirty="0"/>
           </a:p>
@@ -7491,7 +9490,7 @@
           <a:p>
             <a:r>
               <a:rPr kumimoji="1" lang="en-US" altLang="ja-JP" sz="2000" dirty="0" smtClean="0"/>
-              <a:t>0.1</a:t>
+              <a:t>0.0</a:t>
             </a:r>
             <a:endParaRPr kumimoji="1" lang="ja-JP" altLang="en-US" sz="2000" dirty="0"/>
           </a:p>
@@ -8180,24 +10179,24 @@
       </p:cxnSp>
       <p:sp>
         <p:nvSpPr>
-          <p:cNvPr id="103" name="正方形/長方形 102"/>
+          <p:cNvPr id="59" name="四角形吹き出し 58"/>
           <p:cNvSpPr/>
           <p:nvPr/>
         </p:nvSpPr>
         <p:spPr>
           <a:xfrm>
-            <a:off x="4763198" y="1196752"/>
-            <a:ext cx="1897033" cy="4824536"/>
-          </a:xfrm>
-          <a:prstGeom prst="rect">
-            <a:avLst/>
-          </a:prstGeom>
-          <a:noFill/>
-          <a:ln w="12700">
-            <a:solidFill>
-              <a:srgbClr val="FF0000"/>
-            </a:solidFill>
-          </a:ln>
+            <a:off x="1691681" y="3187989"/>
+            <a:ext cx="2236472" cy="1099811"/>
+          </a:xfrm>
+          <a:prstGeom prst="wedgeRectCallout">
+            <a:avLst>
+              <a:gd name="adj1" fmla="val 92470"/>
+              <a:gd name="adj2" fmla="val 60267"/>
+            </a:avLst>
+          </a:prstGeom>
+          <a:solidFill>
+            <a:srgbClr val="FFFF00"/>
+          </a:solidFill>
         </p:spPr>
         <p:style>
           <a:lnRef idx="2">
@@ -8216,25 +10215,17 @@
           </a:fontRef>
         </p:style>
         <p:txBody>
-          <a:bodyPr rtlCol="0" anchor="t"/>
+          <a:bodyPr rtlCol="0" anchor="ctr"/>
           <a:lstStyle/>
           <a:p>
             <a:pPr algn="ctr"/>
             <a:r>
-              <a:rPr lang="ja-JP" altLang="en-US" sz="2000" dirty="0" smtClean="0">
+              <a:rPr kumimoji="1" lang="ja-JP" altLang="en-US" sz="2000" dirty="0" smtClean="0">
                 <a:solidFill>
                   <a:schemeClr val="tx1"/>
                 </a:solidFill>
               </a:rPr>
-              <a:t>隠れ</a:t>
-            </a:r>
-            <a:r>
-              <a:rPr lang="ja-JP" altLang="en-US" sz="2000" dirty="0">
-                <a:solidFill>
-                  <a:schemeClr val="tx1"/>
-                </a:solidFill>
-              </a:rPr>
-              <a:t>層</a:t>
+              <a:t>最適な重み</a:t>
             </a:r>
             <a:endParaRPr kumimoji="1" lang="ja-JP" altLang="en-US" sz="2000" dirty="0">
               <a:solidFill>
@@ -8246,24 +10237,24 @@
       </p:sp>
       <p:sp>
         <p:nvSpPr>
-          <p:cNvPr id="105" name="四角形吹き出し 104"/>
+          <p:cNvPr id="60" name="正方形/長方形 59"/>
           <p:cNvSpPr/>
           <p:nvPr/>
         </p:nvSpPr>
         <p:spPr>
           <a:xfrm>
-            <a:off x="1691681" y="3187989"/>
-            <a:ext cx="2236472" cy="1099811"/>
-          </a:xfrm>
-          <a:prstGeom prst="wedgeRectCallout">
-            <a:avLst>
-              <a:gd name="adj1" fmla="val 92470"/>
-              <a:gd name="adj2" fmla="val 60267"/>
-            </a:avLst>
-          </a:prstGeom>
-          <a:solidFill>
-            <a:srgbClr val="FFFF00"/>
-          </a:solidFill>
+            <a:off x="4788024" y="1196752"/>
+            <a:ext cx="1897033" cy="4824536"/>
+          </a:xfrm>
+          <a:prstGeom prst="rect">
+            <a:avLst/>
+          </a:prstGeom>
+          <a:noFill/>
+          <a:ln w="12700">
+            <a:solidFill>
+              <a:srgbClr val="FF0000"/>
+            </a:solidFill>
+          </a:ln>
         </p:spPr>
         <p:style>
           <a:lnRef idx="2">
@@ -8282,17 +10273,25 @@
           </a:fontRef>
         </p:style>
         <p:txBody>
-          <a:bodyPr rtlCol="0" anchor="ctr"/>
+          <a:bodyPr rtlCol="0" anchor="t"/>
           <a:lstStyle/>
           <a:p>
             <a:pPr algn="ctr"/>
             <a:r>
-              <a:rPr kumimoji="1" lang="ja-JP" altLang="en-US" sz="2000" dirty="0" smtClean="0">
+              <a:rPr lang="ja-JP" altLang="en-US" sz="2000" dirty="0" smtClean="0">
                 <a:solidFill>
                   <a:schemeClr val="tx1"/>
                 </a:solidFill>
               </a:rPr>
-              <a:t>正解に近づくように重みを変更</a:t>
+              <a:t>隠れ</a:t>
+            </a:r>
+            <a:r>
+              <a:rPr lang="ja-JP" altLang="en-US" sz="2000" dirty="0">
+                <a:solidFill>
+                  <a:schemeClr val="tx1"/>
+                </a:solidFill>
+              </a:rPr>
+              <a:t>層</a:t>
             </a:r>
             <a:endParaRPr kumimoji="1" lang="ja-JP" altLang="en-US" sz="2000" dirty="0">
               <a:solidFill>
@@ -8304,7 +10303,7 @@
       </p:sp>
       <p:sp>
         <p:nvSpPr>
-          <p:cNvPr id="107" name="テキスト ボックス 106"/>
+          <p:cNvPr id="61" name="テキスト ボックス 60"/>
           <p:cNvSpPr txBox="1"/>
           <p:nvPr/>
         </p:nvSpPr>
@@ -8339,7 +10338,7 @@
     </p:spTree>
     <p:extLst>
       <p:ext uri="{BB962C8B-B14F-4D97-AF65-F5344CB8AC3E}">
-        <p14:creationId xmlns:p14="http://schemas.microsoft.com/office/powerpoint/2010/main" val="1171649866"/>
+        <p14:creationId xmlns:p14="http://schemas.microsoft.com/office/powerpoint/2010/main" val="2542818057"/>
       </p:ext>
     </p:extLst>
   </p:cSld>
@@ -8390,568 +10389,38 @@
           </a:bodyPr>
           <a:lstStyle/>
           <a:p>
-            <a:pPr marL="624078" indent="-514350" algn="ctr"/>
-            <a:r>
-              <a:rPr lang="en-US" altLang="ja-JP" dirty="0" smtClean="0"/>
-              <a:t>Deep Learning</a:t>
+            <a:pPr algn="ctr"/>
+            <a:r>
+              <a:rPr lang="ja-JP" altLang="en-US" dirty="0"/>
+              <a:t>手書き文字認識（</a:t>
+            </a:r>
+            <a:r>
+              <a:rPr lang="en-US" altLang="ja-JP" dirty="0"/>
+              <a:t>MNIST vs </a:t>
+            </a:r>
+            <a:r>
+              <a:rPr lang="ja-JP" altLang="en-US" dirty="0"/>
+              <a:t>俺</a:t>
             </a:r>
             <a:r>
               <a:rPr lang="ja-JP" altLang="en-US" dirty="0" smtClean="0"/>
-              <a:t>画像認識の学習</a:t>
-            </a:r>
-            <a:endParaRPr lang="ja-JP" altLang="en-US" dirty="0"/>
-          </a:p>
-        </p:txBody>
-      </p:sp>
-      <p:sp>
-        <p:nvSpPr>
-          <p:cNvPr id="5" name="円/楕円 4"/>
-          <p:cNvSpPr/>
-          <p:nvPr/>
-        </p:nvSpPr>
-        <p:spPr>
-          <a:xfrm>
-            <a:off x="3928153" y="1760017"/>
-            <a:ext cx="504000" cy="504000"/>
-          </a:xfrm>
-          <a:prstGeom prst="ellipse">
-            <a:avLst/>
-          </a:prstGeom>
-        </p:spPr>
-        <p:style>
-          <a:lnRef idx="2">
-            <a:schemeClr val="accent1">
-              <a:shade val="50000"/>
-            </a:schemeClr>
-          </a:lnRef>
-          <a:fillRef idx="1">
-            <a:schemeClr val="accent1"/>
-          </a:fillRef>
-          <a:effectRef idx="0">
-            <a:schemeClr val="accent1"/>
-          </a:effectRef>
-          <a:fontRef idx="minor">
-            <a:schemeClr val="lt1"/>
-          </a:fontRef>
-        </p:style>
-        <p:txBody>
-          <a:bodyPr rtlCol="0" anchor="ctr"/>
-          <a:lstStyle/>
-          <a:p>
-            <a:pPr algn="ctr"/>
+              <a:t>）</a:t>
+            </a:r>
             <a:endParaRPr kumimoji="1" lang="ja-JP" altLang="en-US" dirty="0"/>
-          </a:p>
-        </p:txBody>
-      </p:sp>
-      <p:sp>
-        <p:nvSpPr>
-          <p:cNvPr id="6" name="円/楕円 5"/>
-          <p:cNvSpPr/>
-          <p:nvPr/>
-        </p:nvSpPr>
-        <p:spPr>
-          <a:xfrm>
-            <a:off x="3928153" y="2352086"/>
-            <a:ext cx="504000" cy="504000"/>
-          </a:xfrm>
-          <a:prstGeom prst="ellipse">
-            <a:avLst/>
-          </a:prstGeom>
-        </p:spPr>
-        <p:style>
-          <a:lnRef idx="2">
-            <a:schemeClr val="accent1">
-              <a:shade val="50000"/>
-            </a:schemeClr>
-          </a:lnRef>
-          <a:fillRef idx="1">
-            <a:schemeClr val="accent1"/>
-          </a:fillRef>
-          <a:effectRef idx="0">
-            <a:schemeClr val="accent1"/>
-          </a:effectRef>
-          <a:fontRef idx="minor">
-            <a:schemeClr val="lt1"/>
-          </a:fontRef>
-        </p:style>
-        <p:txBody>
-          <a:bodyPr rtlCol="0" anchor="ctr"/>
-          <a:lstStyle/>
-          <a:p>
-            <a:pPr algn="ctr"/>
-            <a:endParaRPr kumimoji="1" lang="ja-JP" altLang="en-US" dirty="0"/>
-          </a:p>
-        </p:txBody>
-      </p:sp>
-      <p:sp>
-        <p:nvSpPr>
-          <p:cNvPr id="8" name="円/楕円 7"/>
-          <p:cNvSpPr/>
-          <p:nvPr/>
-        </p:nvSpPr>
-        <p:spPr>
-          <a:xfrm>
-            <a:off x="5141638" y="1777490"/>
-            <a:ext cx="504000" cy="504000"/>
-          </a:xfrm>
-          <a:prstGeom prst="ellipse">
-            <a:avLst/>
-          </a:prstGeom>
-        </p:spPr>
-        <p:style>
-          <a:lnRef idx="2">
-            <a:schemeClr val="accent1">
-              <a:shade val="50000"/>
-            </a:schemeClr>
-          </a:lnRef>
-          <a:fillRef idx="1">
-            <a:schemeClr val="accent1"/>
-          </a:fillRef>
-          <a:effectRef idx="0">
-            <a:schemeClr val="accent1"/>
-          </a:effectRef>
-          <a:fontRef idx="minor">
-            <a:schemeClr val="lt1"/>
-          </a:fontRef>
-        </p:style>
-        <p:txBody>
-          <a:bodyPr rtlCol="0" anchor="ctr"/>
-          <a:lstStyle/>
-          <a:p>
-            <a:pPr algn="ctr"/>
-            <a:endParaRPr kumimoji="1" lang="ja-JP" altLang="en-US"/>
-          </a:p>
-        </p:txBody>
-      </p:sp>
-      <p:sp>
-        <p:nvSpPr>
-          <p:cNvPr id="9" name="円/楕円 8"/>
-          <p:cNvSpPr/>
-          <p:nvPr/>
-        </p:nvSpPr>
-        <p:spPr>
-          <a:xfrm>
-            <a:off x="5141638" y="2536752"/>
-            <a:ext cx="504000" cy="504000"/>
-          </a:xfrm>
-          <a:prstGeom prst="ellipse">
-            <a:avLst/>
-          </a:prstGeom>
-        </p:spPr>
-        <p:style>
-          <a:lnRef idx="2">
-            <a:schemeClr val="accent1">
-              <a:shade val="50000"/>
-            </a:schemeClr>
-          </a:lnRef>
-          <a:fillRef idx="1">
-            <a:schemeClr val="accent1"/>
-          </a:fillRef>
-          <a:effectRef idx="0">
-            <a:schemeClr val="accent1"/>
-          </a:effectRef>
-          <a:fontRef idx="minor">
-            <a:schemeClr val="lt1"/>
-          </a:fontRef>
-        </p:style>
-        <p:txBody>
-          <a:bodyPr rtlCol="0" anchor="ctr"/>
-          <a:lstStyle/>
-          <a:p>
-            <a:pPr algn="ctr"/>
-            <a:endParaRPr kumimoji="1" lang="ja-JP" altLang="en-US"/>
-          </a:p>
-        </p:txBody>
-      </p:sp>
-      <p:sp>
-        <p:nvSpPr>
-          <p:cNvPr id="10" name="円/楕円 9"/>
-          <p:cNvSpPr/>
-          <p:nvPr/>
-        </p:nvSpPr>
-        <p:spPr>
-          <a:xfrm>
-            <a:off x="5141638" y="3549828"/>
-            <a:ext cx="504000" cy="504000"/>
-          </a:xfrm>
-          <a:prstGeom prst="ellipse">
-            <a:avLst/>
-          </a:prstGeom>
-        </p:spPr>
-        <p:style>
-          <a:lnRef idx="2">
-            <a:schemeClr val="accent1">
-              <a:shade val="50000"/>
-            </a:schemeClr>
-          </a:lnRef>
-          <a:fillRef idx="1">
-            <a:schemeClr val="accent1"/>
-          </a:fillRef>
-          <a:effectRef idx="0">
-            <a:schemeClr val="accent1"/>
-          </a:effectRef>
-          <a:fontRef idx="minor">
-            <a:schemeClr val="lt1"/>
-          </a:fontRef>
-        </p:style>
-        <p:txBody>
-          <a:bodyPr rtlCol="0" anchor="ctr"/>
-          <a:lstStyle/>
-          <a:p>
-            <a:pPr algn="ctr"/>
-            <a:endParaRPr kumimoji="1" lang="ja-JP" altLang="en-US"/>
-          </a:p>
-        </p:txBody>
-      </p:sp>
-      <p:sp>
-        <p:nvSpPr>
-          <p:cNvPr id="11" name="円/楕円 10"/>
-          <p:cNvSpPr/>
-          <p:nvPr/>
-        </p:nvSpPr>
-        <p:spPr>
-          <a:xfrm>
-            <a:off x="5141638" y="5445280"/>
-            <a:ext cx="504000" cy="504000"/>
-          </a:xfrm>
-          <a:prstGeom prst="ellipse">
-            <a:avLst/>
-          </a:prstGeom>
-        </p:spPr>
-        <p:style>
-          <a:lnRef idx="2">
-            <a:schemeClr val="accent1">
-              <a:shade val="50000"/>
-            </a:schemeClr>
-          </a:lnRef>
-          <a:fillRef idx="1">
-            <a:schemeClr val="accent1"/>
-          </a:fillRef>
-          <a:effectRef idx="0">
-            <a:schemeClr val="accent1"/>
-          </a:effectRef>
-          <a:fontRef idx="minor">
-            <a:schemeClr val="lt1"/>
-          </a:fontRef>
-        </p:style>
-        <p:txBody>
-          <a:bodyPr rtlCol="0" anchor="ctr"/>
-          <a:lstStyle/>
-          <a:p>
-            <a:pPr algn="ctr"/>
-            <a:endParaRPr kumimoji="1" lang="ja-JP" altLang="en-US"/>
-          </a:p>
-        </p:txBody>
-      </p:sp>
-      <p:sp>
-        <p:nvSpPr>
-          <p:cNvPr id="12" name="円/楕円 11"/>
-          <p:cNvSpPr/>
-          <p:nvPr/>
-        </p:nvSpPr>
-        <p:spPr>
-          <a:xfrm>
-            <a:off x="7118085" y="1718806"/>
-            <a:ext cx="504056" cy="504000"/>
-          </a:xfrm>
-          <a:prstGeom prst="ellipse">
-            <a:avLst/>
-          </a:prstGeom>
-        </p:spPr>
-        <p:style>
-          <a:lnRef idx="2">
-            <a:schemeClr val="accent1">
-              <a:shade val="50000"/>
-            </a:schemeClr>
-          </a:lnRef>
-          <a:fillRef idx="1">
-            <a:schemeClr val="accent1"/>
-          </a:fillRef>
-          <a:effectRef idx="0">
-            <a:schemeClr val="accent1"/>
-          </a:effectRef>
-          <a:fontRef idx="minor">
-            <a:schemeClr val="lt1"/>
-          </a:fontRef>
-        </p:style>
-        <p:txBody>
-          <a:bodyPr rtlCol="0" anchor="ctr"/>
-          <a:lstStyle/>
-          <a:p>
-            <a:pPr algn="ctr"/>
-            <a:r>
-              <a:rPr kumimoji="1" lang="en-US" altLang="ja-JP" sz="2000" dirty="0" smtClean="0"/>
-              <a:t>0</a:t>
-            </a:r>
-            <a:endParaRPr kumimoji="1" lang="ja-JP" altLang="en-US" sz="2000" dirty="0"/>
-          </a:p>
-        </p:txBody>
-      </p:sp>
-      <p:sp>
-        <p:nvSpPr>
-          <p:cNvPr id="13" name="円/楕円 12"/>
-          <p:cNvSpPr/>
-          <p:nvPr/>
-        </p:nvSpPr>
-        <p:spPr>
-          <a:xfrm>
-            <a:off x="7118085" y="2735934"/>
-            <a:ext cx="504056" cy="504000"/>
-          </a:xfrm>
-          <a:prstGeom prst="ellipse">
-            <a:avLst/>
-          </a:prstGeom>
-        </p:spPr>
-        <p:style>
-          <a:lnRef idx="2">
-            <a:schemeClr val="accent1">
-              <a:shade val="50000"/>
-            </a:schemeClr>
-          </a:lnRef>
-          <a:fillRef idx="1">
-            <a:schemeClr val="accent1"/>
-          </a:fillRef>
-          <a:effectRef idx="0">
-            <a:schemeClr val="accent1"/>
-          </a:effectRef>
-          <a:fontRef idx="minor">
-            <a:schemeClr val="lt1"/>
-          </a:fontRef>
-        </p:style>
-        <p:txBody>
-          <a:bodyPr rtlCol="0" anchor="ctr"/>
-          <a:lstStyle/>
-          <a:p>
-            <a:pPr algn="ctr"/>
-            <a:r>
-              <a:rPr kumimoji="1" lang="en-US" altLang="ja-JP" sz="2000" dirty="0" smtClean="0"/>
-              <a:t>2</a:t>
-            </a:r>
-            <a:endParaRPr kumimoji="1" lang="ja-JP" altLang="en-US" sz="2000" dirty="0"/>
-          </a:p>
-        </p:txBody>
-      </p:sp>
-      <p:sp>
-        <p:nvSpPr>
-          <p:cNvPr id="16" name="円/楕円 15"/>
-          <p:cNvSpPr/>
-          <p:nvPr/>
-        </p:nvSpPr>
-        <p:spPr>
-          <a:xfrm>
-            <a:off x="7105073" y="5517288"/>
-            <a:ext cx="504056" cy="504000"/>
-          </a:xfrm>
-          <a:prstGeom prst="ellipse">
-            <a:avLst/>
-          </a:prstGeom>
-        </p:spPr>
-        <p:style>
-          <a:lnRef idx="2">
-            <a:schemeClr val="accent1">
-              <a:shade val="50000"/>
-            </a:schemeClr>
-          </a:lnRef>
-          <a:fillRef idx="1">
-            <a:schemeClr val="accent1"/>
-          </a:fillRef>
-          <a:effectRef idx="0">
-            <a:schemeClr val="accent1"/>
-          </a:effectRef>
-          <a:fontRef idx="minor">
-            <a:schemeClr val="lt1"/>
-          </a:fontRef>
-        </p:style>
-        <p:txBody>
-          <a:bodyPr rtlCol="0" anchor="ctr"/>
-          <a:lstStyle/>
-          <a:p>
-            <a:pPr algn="ctr"/>
-            <a:r>
-              <a:rPr kumimoji="1" lang="en-US" altLang="ja-JP" sz="2000" dirty="0" smtClean="0"/>
-              <a:t>9</a:t>
-            </a:r>
-            <a:endParaRPr kumimoji="1" lang="ja-JP" altLang="en-US" sz="2000" dirty="0"/>
-          </a:p>
-        </p:txBody>
-      </p:sp>
-      <p:sp>
-        <p:nvSpPr>
-          <p:cNvPr id="17" name="円/楕円 16"/>
-          <p:cNvSpPr/>
-          <p:nvPr/>
-        </p:nvSpPr>
-        <p:spPr>
-          <a:xfrm>
-            <a:off x="7118085" y="2227370"/>
-            <a:ext cx="504056" cy="504000"/>
-          </a:xfrm>
-          <a:prstGeom prst="ellipse">
-            <a:avLst/>
-          </a:prstGeom>
-        </p:spPr>
-        <p:style>
-          <a:lnRef idx="2">
-            <a:schemeClr val="accent1">
-              <a:shade val="50000"/>
-            </a:schemeClr>
-          </a:lnRef>
-          <a:fillRef idx="1">
-            <a:schemeClr val="accent1"/>
-          </a:fillRef>
-          <a:effectRef idx="0">
-            <a:schemeClr val="accent1"/>
-          </a:effectRef>
-          <a:fontRef idx="minor">
-            <a:schemeClr val="lt1"/>
-          </a:fontRef>
-        </p:style>
-        <p:txBody>
-          <a:bodyPr rtlCol="0" anchor="ctr"/>
-          <a:lstStyle/>
-          <a:p>
-            <a:pPr algn="ctr"/>
-            <a:r>
-              <a:rPr kumimoji="1" lang="ja-JP" altLang="en-US" sz="2000" dirty="0" smtClean="0"/>
-              <a:t>１</a:t>
-            </a:r>
-            <a:endParaRPr kumimoji="1" lang="ja-JP" altLang="en-US" sz="2000" dirty="0"/>
-          </a:p>
-        </p:txBody>
-      </p:sp>
-      <p:sp>
-        <p:nvSpPr>
-          <p:cNvPr id="18" name="円/楕円 17"/>
-          <p:cNvSpPr/>
-          <p:nvPr/>
-        </p:nvSpPr>
-        <p:spPr>
-          <a:xfrm>
-            <a:off x="7118085" y="3244498"/>
-            <a:ext cx="504056" cy="504000"/>
-          </a:xfrm>
-          <a:prstGeom prst="ellipse">
-            <a:avLst/>
-          </a:prstGeom>
-        </p:spPr>
-        <p:style>
-          <a:lnRef idx="2">
-            <a:schemeClr val="accent1">
-              <a:shade val="50000"/>
-            </a:schemeClr>
-          </a:lnRef>
-          <a:fillRef idx="1">
-            <a:schemeClr val="accent1"/>
-          </a:fillRef>
-          <a:effectRef idx="0">
-            <a:schemeClr val="accent1"/>
-          </a:effectRef>
-          <a:fontRef idx="minor">
-            <a:schemeClr val="lt1"/>
-          </a:fontRef>
-        </p:style>
-        <p:txBody>
-          <a:bodyPr rtlCol="0" anchor="ctr"/>
-          <a:lstStyle/>
-          <a:p>
-            <a:pPr algn="ctr"/>
-            <a:r>
-              <a:rPr lang="en-US" altLang="ja-JP" sz="2000" dirty="0"/>
-              <a:t>3</a:t>
-            </a:r>
-            <a:endParaRPr kumimoji="1" lang="ja-JP" altLang="en-US" sz="2000" dirty="0"/>
-          </a:p>
-        </p:txBody>
-      </p:sp>
-      <p:sp>
-        <p:nvSpPr>
-          <p:cNvPr id="22" name="円/楕円 21"/>
-          <p:cNvSpPr/>
-          <p:nvPr/>
-        </p:nvSpPr>
-        <p:spPr>
-          <a:xfrm>
-            <a:off x="3928153" y="4869779"/>
-            <a:ext cx="504000" cy="504000"/>
-          </a:xfrm>
-          <a:prstGeom prst="ellipse">
-            <a:avLst/>
-          </a:prstGeom>
-        </p:spPr>
-        <p:style>
-          <a:lnRef idx="2">
-            <a:schemeClr val="accent1">
-              <a:shade val="50000"/>
-            </a:schemeClr>
-          </a:lnRef>
-          <a:fillRef idx="1">
-            <a:schemeClr val="accent1"/>
-          </a:fillRef>
-          <a:effectRef idx="0">
-            <a:schemeClr val="accent1"/>
-          </a:effectRef>
-          <a:fontRef idx="minor">
-            <a:schemeClr val="lt1"/>
-          </a:fontRef>
-        </p:style>
-        <p:txBody>
-          <a:bodyPr rtlCol="0" anchor="ctr"/>
-          <a:lstStyle/>
-          <a:p>
-            <a:pPr algn="ctr"/>
-            <a:endParaRPr kumimoji="1" lang="ja-JP" altLang="en-US"/>
-          </a:p>
-        </p:txBody>
-      </p:sp>
-      <p:sp>
-        <p:nvSpPr>
-          <p:cNvPr id="23" name="円/楕円 22"/>
-          <p:cNvSpPr/>
-          <p:nvPr/>
-        </p:nvSpPr>
-        <p:spPr>
-          <a:xfrm>
-            <a:off x="3928153" y="5517288"/>
-            <a:ext cx="504000" cy="504000"/>
-          </a:xfrm>
-          <a:prstGeom prst="ellipse">
-            <a:avLst/>
-          </a:prstGeom>
-        </p:spPr>
-        <p:style>
-          <a:lnRef idx="2">
-            <a:schemeClr val="accent1">
-              <a:shade val="50000"/>
-            </a:schemeClr>
-          </a:lnRef>
-          <a:fillRef idx="1">
-            <a:schemeClr val="accent1"/>
-          </a:fillRef>
-          <a:effectRef idx="0">
-            <a:schemeClr val="accent1"/>
-          </a:effectRef>
-          <a:fontRef idx="minor">
-            <a:schemeClr val="lt1"/>
-          </a:fontRef>
-        </p:style>
-        <p:txBody>
-          <a:bodyPr rtlCol="0" anchor="ctr"/>
-          <a:lstStyle/>
-          <a:p>
-            <a:pPr algn="ctr"/>
-            <a:endParaRPr kumimoji="1" lang="ja-JP" altLang="en-US"/>
           </a:p>
         </p:txBody>
       </p:sp>
       <p:pic>
         <p:nvPicPr>
-          <p:cNvPr id="24" name="図 23"/>
+          <p:cNvPr id="5123" name="Picture 3"/>
           <p:cNvPicPr>
-            <a:picLocks noChangeAspect="1"/>
+            <a:picLocks noGrp="1" noChangeAspect="1" noChangeArrowheads="1"/>
           </p:cNvPicPr>
-          <p:nvPr/>
+          <p:nvPr>
+            <p:ph idx="1"/>
+          </p:nvPr>
         </p:nvPicPr>
-        <p:blipFill rotWithShape="1">
+        <p:blipFill>
           <a:blip r:embed="rId2">
             <a:extLst>
               <a:ext uri="{28A0092B-C50C-407E-A947-70E740481C1C}">
@@ -8959,1372 +10428,48 @@
               </a:ext>
             </a:extLst>
           </a:blip>
-          <a:srcRect t="7592" b="12744"/>
-          <a:stretch/>
+          <a:srcRect/>
+          <a:stretch>
+            <a:fillRect/>
+          </a:stretch>
         </p:blipFill>
-        <p:spPr>
-          <a:xfrm>
-            <a:off x="251521" y="4161802"/>
-            <a:ext cx="1274396" cy="1230594"/>
+        <p:spPr bwMode="auto">
+          <a:xfrm>
+            <a:off x="457200" y="1530925"/>
+            <a:ext cx="8229600" cy="4426388"/>
           </a:xfrm>
           <a:prstGeom prst="rect">
             <a:avLst/>
           </a:prstGeom>
-        </p:spPr>
-      </p:pic>
-      <p:sp>
-        <p:nvSpPr>
-          <p:cNvPr id="25" name="四角形吹き出し 24"/>
-          <p:cNvSpPr/>
-          <p:nvPr/>
-        </p:nvSpPr>
-        <p:spPr>
-          <a:xfrm>
-            <a:off x="258710" y="2692859"/>
-            <a:ext cx="1267208" cy="890893"/>
-          </a:xfrm>
-          <a:prstGeom prst="wedgeRectCallout">
-            <a:avLst>
-              <a:gd name="adj1" fmla="val -18900"/>
-              <a:gd name="adj2" fmla="val 118266"/>
-            </a:avLst>
-          </a:prstGeom>
           <a:noFill/>
-          <a:ln w="12700">
-            <a:solidFill>
-              <a:schemeClr val="tx1"/>
-            </a:solidFill>
+          <a:ln>
+            <a:noFill/>
           </a:ln>
-        </p:spPr>
-        <p:style>
-          <a:lnRef idx="2">
-            <a:schemeClr val="accent1">
-              <a:shade val="50000"/>
-            </a:schemeClr>
-          </a:lnRef>
-          <a:fillRef idx="1">
-            <a:schemeClr val="accent1"/>
-          </a:fillRef>
-          <a:effectRef idx="0">
-            <a:schemeClr val="accent1"/>
-          </a:effectRef>
-          <a:fontRef idx="minor">
-            <a:schemeClr val="lt1"/>
-          </a:fontRef>
-        </p:style>
-        <p:txBody>
-          <a:bodyPr rtlCol="0" anchor="ctr"/>
-          <a:lstStyle/>
-          <a:p>
-            <a:pPr algn="ctr"/>
-            <a:r>
-              <a:rPr kumimoji="1" lang="en-US" altLang="ja-JP" sz="2000" dirty="0" smtClean="0">
+          <a:extLst>
+            <a:ext uri="{909E8E84-426E-40DD-AFC4-6F175D3DCCD1}">
+              <a14:hiddenFill xmlns:a14="http://schemas.microsoft.com/office/drawing/2010/main">
+                <a:solidFill>
+                  <a:schemeClr val="accent1"/>
+                </a:solidFill>
+              </a14:hiddenFill>
+            </a:ext>
+            <a:ext uri="{91240B29-F687-4F45-9708-019B960494DF}">
+              <a14:hiddenLine xmlns:a14="http://schemas.microsoft.com/office/drawing/2010/main" w="9525">
                 <a:solidFill>
                   <a:schemeClr val="tx1"/>
                 </a:solidFill>
-              </a:rPr>
-              <a:t>28×28</a:t>
-            </a:r>
-          </a:p>
-          <a:p>
-            <a:pPr algn="ctr"/>
-            <a:r>
-              <a:rPr lang="en-US" altLang="ja-JP" sz="2000" dirty="0" smtClean="0">
-                <a:solidFill>
-                  <a:schemeClr val="tx1"/>
-                </a:solidFill>
-              </a:rPr>
-              <a:t>=784</a:t>
-            </a:r>
-            <a:endParaRPr kumimoji="1" lang="ja-JP" altLang="en-US" sz="2000" dirty="0">
-              <a:solidFill>
-                <a:schemeClr val="tx1"/>
-              </a:solidFill>
-            </a:endParaRPr>
-          </a:p>
-        </p:txBody>
-      </p:sp>
-      <p:sp>
-        <p:nvSpPr>
-          <p:cNvPr id="26" name="左中かっこ 25"/>
-          <p:cNvSpPr/>
-          <p:nvPr/>
-        </p:nvSpPr>
-        <p:spPr>
-          <a:xfrm>
-            <a:off x="1835696" y="1681742"/>
-            <a:ext cx="621783" cy="4199299"/>
-          </a:xfrm>
-          <a:prstGeom prst="leftBrace">
-            <a:avLst>
-              <a:gd name="adj1" fmla="val 8333"/>
-              <a:gd name="adj2" fmla="val 71255"/>
-            </a:avLst>
-          </a:prstGeom>
-          <a:ln w="57150"/>
-        </p:spPr>
-        <p:style>
-          <a:lnRef idx="1">
-            <a:schemeClr val="accent1"/>
-          </a:lnRef>
-          <a:fillRef idx="0">
-            <a:schemeClr val="accent1"/>
-          </a:fillRef>
-          <a:effectRef idx="0">
-            <a:schemeClr val="accent1"/>
-          </a:effectRef>
-          <a:fontRef idx="minor">
-            <a:schemeClr val="tx1"/>
-          </a:fontRef>
-        </p:style>
-        <p:txBody>
-          <a:bodyPr rtlCol="0" anchor="ctr"/>
-          <a:lstStyle/>
-          <a:p>
-            <a:pPr algn="ctr"/>
-            <a:endParaRPr kumimoji="1" lang="ja-JP" altLang="en-US"/>
-          </a:p>
-        </p:txBody>
-      </p:sp>
-      <p:sp>
-        <p:nvSpPr>
-          <p:cNvPr id="27" name="テキスト ボックス 26"/>
-          <p:cNvSpPr txBox="1"/>
-          <p:nvPr/>
-        </p:nvSpPr>
-        <p:spPr>
-          <a:xfrm>
-            <a:off x="2195735" y="1844824"/>
-            <a:ext cx="1435706" cy="400110"/>
-          </a:xfrm>
-          <a:prstGeom prst="rect">
-            <a:avLst/>
-          </a:prstGeom>
-          <a:noFill/>
-        </p:spPr>
-        <p:txBody>
-          <a:bodyPr wrap="square" rtlCol="0">
-            <a:spAutoFit/>
-          </a:bodyPr>
-          <a:lstStyle/>
-          <a:p>
-            <a:r>
-              <a:rPr kumimoji="1" lang="en-US" altLang="ja-JP" sz="2000" dirty="0" smtClean="0"/>
-              <a:t>X=0,Y=0</a:t>
-            </a:r>
-            <a:endParaRPr kumimoji="1" lang="ja-JP" altLang="en-US" sz="2000" dirty="0"/>
-          </a:p>
-        </p:txBody>
-      </p:sp>
-      <p:sp>
-        <p:nvSpPr>
-          <p:cNvPr id="28" name="テキスト ボックス 27"/>
-          <p:cNvSpPr txBox="1"/>
-          <p:nvPr/>
-        </p:nvSpPr>
-        <p:spPr>
-          <a:xfrm>
-            <a:off x="2195735" y="2419420"/>
-            <a:ext cx="1435706" cy="400110"/>
-          </a:xfrm>
-          <a:prstGeom prst="rect">
-            <a:avLst/>
-          </a:prstGeom>
-          <a:noFill/>
-        </p:spPr>
-        <p:txBody>
-          <a:bodyPr wrap="square" rtlCol="0">
-            <a:spAutoFit/>
-          </a:bodyPr>
-          <a:lstStyle/>
-          <a:p>
-            <a:r>
-              <a:rPr kumimoji="1" lang="en-US" altLang="ja-JP" sz="2000" dirty="0" smtClean="0"/>
-              <a:t>X=1,Y=0</a:t>
-            </a:r>
-            <a:endParaRPr kumimoji="1" lang="ja-JP" altLang="en-US" sz="2000" dirty="0"/>
-          </a:p>
-        </p:txBody>
-      </p:sp>
-      <p:sp>
-        <p:nvSpPr>
-          <p:cNvPr id="29" name="テキスト ボックス 28"/>
-          <p:cNvSpPr txBox="1"/>
-          <p:nvPr/>
-        </p:nvSpPr>
-        <p:spPr>
-          <a:xfrm>
-            <a:off x="2267799" y="4937113"/>
-            <a:ext cx="1660353" cy="400110"/>
-          </a:xfrm>
-          <a:prstGeom prst="rect">
-            <a:avLst/>
-          </a:prstGeom>
-          <a:noFill/>
-        </p:spPr>
-        <p:txBody>
-          <a:bodyPr wrap="square" rtlCol="0">
-            <a:spAutoFit/>
-          </a:bodyPr>
-          <a:lstStyle/>
-          <a:p>
-            <a:r>
-              <a:rPr kumimoji="1" lang="en-US" altLang="ja-JP" sz="2000" dirty="0" smtClean="0"/>
-              <a:t>X=26,Y=27</a:t>
-            </a:r>
-            <a:endParaRPr kumimoji="1" lang="ja-JP" altLang="en-US" sz="2000" dirty="0"/>
-          </a:p>
-        </p:txBody>
-      </p:sp>
-      <p:sp>
-        <p:nvSpPr>
-          <p:cNvPr id="30" name="テキスト ボックス 29"/>
-          <p:cNvSpPr txBox="1"/>
-          <p:nvPr/>
-        </p:nvSpPr>
-        <p:spPr>
-          <a:xfrm>
-            <a:off x="2267799" y="5511709"/>
-            <a:ext cx="1660353" cy="400110"/>
-          </a:xfrm>
-          <a:prstGeom prst="rect">
-            <a:avLst/>
-          </a:prstGeom>
-          <a:noFill/>
-        </p:spPr>
-        <p:txBody>
-          <a:bodyPr wrap="square" rtlCol="0">
-            <a:spAutoFit/>
-          </a:bodyPr>
-          <a:lstStyle/>
-          <a:p>
-            <a:r>
-              <a:rPr kumimoji="1" lang="en-US" altLang="ja-JP" sz="2000" dirty="0" smtClean="0"/>
-              <a:t>X=27,Y=27</a:t>
-            </a:r>
-            <a:endParaRPr kumimoji="1" lang="ja-JP" altLang="en-US" sz="2000" dirty="0"/>
-          </a:p>
-        </p:txBody>
-      </p:sp>
-      <p:sp>
-        <p:nvSpPr>
-          <p:cNvPr id="31" name="円/楕円 30"/>
-          <p:cNvSpPr/>
-          <p:nvPr/>
-        </p:nvSpPr>
-        <p:spPr>
-          <a:xfrm>
-            <a:off x="7118085" y="3753063"/>
-            <a:ext cx="504056" cy="504000"/>
-          </a:xfrm>
-          <a:prstGeom prst="ellipse">
-            <a:avLst/>
-          </a:prstGeom>
-        </p:spPr>
-        <p:style>
-          <a:lnRef idx="2">
-            <a:schemeClr val="accent1">
-              <a:shade val="50000"/>
-            </a:schemeClr>
-          </a:lnRef>
-          <a:fillRef idx="1">
-            <a:schemeClr val="accent1"/>
-          </a:fillRef>
-          <a:effectRef idx="0">
-            <a:schemeClr val="accent1"/>
-          </a:effectRef>
-          <a:fontRef idx="minor">
-            <a:schemeClr val="lt1"/>
-          </a:fontRef>
-        </p:style>
-        <p:txBody>
-          <a:bodyPr rtlCol="0" anchor="ctr"/>
-          <a:lstStyle/>
-          <a:p>
-            <a:pPr algn="ctr"/>
-            <a:r>
-              <a:rPr lang="en-US" altLang="ja-JP" sz="2000" dirty="0" smtClean="0"/>
-              <a:t>4</a:t>
-            </a:r>
-            <a:endParaRPr kumimoji="1" lang="ja-JP" altLang="en-US" sz="2000" dirty="0"/>
-          </a:p>
-        </p:txBody>
-      </p:sp>
-      <p:sp>
-        <p:nvSpPr>
-          <p:cNvPr id="32" name="円/楕円 31"/>
-          <p:cNvSpPr/>
-          <p:nvPr/>
-        </p:nvSpPr>
-        <p:spPr>
-          <a:xfrm>
-            <a:off x="7103760" y="5054445"/>
-            <a:ext cx="504056" cy="504000"/>
-          </a:xfrm>
-          <a:prstGeom prst="ellipse">
-            <a:avLst/>
-          </a:prstGeom>
-        </p:spPr>
-        <p:style>
-          <a:lnRef idx="2">
-            <a:schemeClr val="accent1">
-              <a:shade val="50000"/>
-            </a:schemeClr>
-          </a:lnRef>
-          <a:fillRef idx="1">
-            <a:schemeClr val="accent1"/>
-          </a:fillRef>
-          <a:effectRef idx="0">
-            <a:schemeClr val="accent1"/>
-          </a:effectRef>
-          <a:fontRef idx="minor">
-            <a:schemeClr val="lt1"/>
-          </a:fontRef>
-        </p:style>
-        <p:txBody>
-          <a:bodyPr rtlCol="0" anchor="ctr"/>
-          <a:lstStyle/>
-          <a:p>
-            <a:pPr algn="ctr"/>
-            <a:r>
-              <a:rPr lang="en-US" altLang="ja-JP" sz="2000" dirty="0"/>
-              <a:t>8</a:t>
-            </a:r>
-            <a:endParaRPr kumimoji="1" lang="ja-JP" altLang="en-US" sz="2000" dirty="0"/>
-          </a:p>
-        </p:txBody>
-      </p:sp>
-      <p:sp>
-        <p:nvSpPr>
-          <p:cNvPr id="33" name="テキスト ボックス 32"/>
-          <p:cNvSpPr txBox="1"/>
-          <p:nvPr/>
-        </p:nvSpPr>
-        <p:spPr>
-          <a:xfrm>
-            <a:off x="7671082" y="1777490"/>
-            <a:ext cx="717342" cy="400110"/>
-          </a:xfrm>
-          <a:prstGeom prst="rect">
-            <a:avLst/>
-          </a:prstGeom>
-          <a:noFill/>
-        </p:spPr>
-        <p:txBody>
-          <a:bodyPr wrap="square" rtlCol="0">
-            <a:spAutoFit/>
-          </a:bodyPr>
-          <a:lstStyle/>
-          <a:p>
-            <a:r>
-              <a:rPr kumimoji="1" lang="en-US" altLang="ja-JP" sz="2000" dirty="0" smtClean="0"/>
-              <a:t>0.0</a:t>
-            </a:r>
-            <a:endParaRPr kumimoji="1" lang="ja-JP" altLang="en-US" sz="2000" dirty="0"/>
-          </a:p>
-        </p:txBody>
-      </p:sp>
-      <p:sp>
-        <p:nvSpPr>
-          <p:cNvPr id="34" name="テキスト ボックス 33"/>
-          <p:cNvSpPr txBox="1"/>
-          <p:nvPr/>
-        </p:nvSpPr>
-        <p:spPr>
-          <a:xfrm>
-            <a:off x="7671082" y="3296443"/>
-            <a:ext cx="717342" cy="400110"/>
-          </a:xfrm>
-          <a:prstGeom prst="rect">
-            <a:avLst/>
-          </a:prstGeom>
-          <a:noFill/>
-        </p:spPr>
-        <p:txBody>
-          <a:bodyPr wrap="square" rtlCol="0">
-            <a:spAutoFit/>
-          </a:bodyPr>
-          <a:lstStyle/>
-          <a:p>
-            <a:r>
-              <a:rPr kumimoji="1" lang="en-US" altLang="ja-JP" sz="2000" dirty="0" smtClean="0"/>
-              <a:t>0.0</a:t>
-            </a:r>
-            <a:endParaRPr kumimoji="1" lang="ja-JP" altLang="en-US" sz="2000" dirty="0"/>
-          </a:p>
-        </p:txBody>
-      </p:sp>
-      <p:sp>
-        <p:nvSpPr>
-          <p:cNvPr id="35" name="テキスト ボックス 34"/>
-          <p:cNvSpPr txBox="1"/>
-          <p:nvPr/>
-        </p:nvSpPr>
-        <p:spPr>
-          <a:xfrm>
-            <a:off x="7671082" y="5621178"/>
-            <a:ext cx="1365414" cy="400110"/>
-          </a:xfrm>
-          <a:prstGeom prst="rect">
-            <a:avLst/>
-          </a:prstGeom>
-          <a:noFill/>
-        </p:spPr>
-        <p:txBody>
-          <a:bodyPr wrap="square" rtlCol="0">
-            <a:spAutoFit/>
-          </a:bodyPr>
-          <a:lstStyle/>
-          <a:p>
-            <a:r>
-              <a:rPr kumimoji="1" lang="en-US" altLang="ja-JP" sz="2000" dirty="0" smtClean="0"/>
-              <a:t>0.0</a:t>
-            </a:r>
-            <a:endParaRPr kumimoji="1" lang="ja-JP" altLang="en-US" sz="2000" dirty="0"/>
-          </a:p>
-        </p:txBody>
-      </p:sp>
-      <p:sp>
-        <p:nvSpPr>
-          <p:cNvPr id="36" name="テキスト ボックス 35"/>
-          <p:cNvSpPr txBox="1"/>
-          <p:nvPr/>
-        </p:nvSpPr>
-        <p:spPr>
-          <a:xfrm>
-            <a:off x="7671082" y="3801828"/>
-            <a:ext cx="717342" cy="400110"/>
-          </a:xfrm>
-          <a:prstGeom prst="rect">
-            <a:avLst/>
-          </a:prstGeom>
-          <a:noFill/>
-        </p:spPr>
-        <p:txBody>
-          <a:bodyPr wrap="square" rtlCol="0">
-            <a:spAutoFit/>
-          </a:bodyPr>
-          <a:lstStyle/>
-          <a:p>
-            <a:r>
-              <a:rPr kumimoji="1" lang="en-US" altLang="ja-JP" sz="2000" dirty="0" smtClean="0">
-                <a:solidFill>
-                  <a:srgbClr val="00B050"/>
-                </a:solidFill>
-              </a:rPr>
-              <a:t>1.0</a:t>
-            </a:r>
-            <a:endParaRPr kumimoji="1" lang="ja-JP" altLang="en-US" sz="2000" dirty="0">
-              <a:solidFill>
-                <a:srgbClr val="00B050"/>
-              </a:solidFill>
-            </a:endParaRPr>
-          </a:p>
-        </p:txBody>
-      </p:sp>
-      <p:sp>
-        <p:nvSpPr>
-          <p:cNvPr id="37" name="テキスト ボックス 36"/>
-          <p:cNvSpPr txBox="1"/>
-          <p:nvPr/>
-        </p:nvSpPr>
-        <p:spPr>
-          <a:xfrm>
-            <a:off x="7671082" y="2264017"/>
-            <a:ext cx="717342" cy="400110"/>
-          </a:xfrm>
-          <a:prstGeom prst="rect">
-            <a:avLst/>
-          </a:prstGeom>
-          <a:noFill/>
-        </p:spPr>
-        <p:txBody>
-          <a:bodyPr wrap="square" rtlCol="0">
-            <a:spAutoFit/>
-          </a:bodyPr>
-          <a:lstStyle/>
-          <a:p>
-            <a:r>
-              <a:rPr kumimoji="1" lang="en-US" altLang="ja-JP" sz="2000" dirty="0" smtClean="0"/>
-              <a:t>0.0</a:t>
-            </a:r>
-            <a:endParaRPr kumimoji="1" lang="ja-JP" altLang="en-US" sz="2000" dirty="0"/>
-          </a:p>
-        </p:txBody>
-      </p:sp>
-      <p:sp>
-        <p:nvSpPr>
-          <p:cNvPr id="38" name="テキスト ボックス 37"/>
-          <p:cNvSpPr txBox="1"/>
-          <p:nvPr/>
-        </p:nvSpPr>
-        <p:spPr>
-          <a:xfrm>
-            <a:off x="7671082" y="2787879"/>
-            <a:ext cx="717342" cy="400110"/>
-          </a:xfrm>
-          <a:prstGeom prst="rect">
-            <a:avLst/>
-          </a:prstGeom>
-          <a:noFill/>
-        </p:spPr>
-        <p:txBody>
-          <a:bodyPr wrap="square" rtlCol="0">
-            <a:spAutoFit/>
-          </a:bodyPr>
-          <a:lstStyle/>
-          <a:p>
-            <a:r>
-              <a:rPr kumimoji="1" lang="en-US" altLang="ja-JP" sz="2000" dirty="0" smtClean="0"/>
-              <a:t>0.0</a:t>
-            </a:r>
-            <a:endParaRPr kumimoji="1" lang="ja-JP" altLang="en-US" sz="2000" dirty="0"/>
-          </a:p>
-        </p:txBody>
-      </p:sp>
-      <p:sp>
-        <p:nvSpPr>
-          <p:cNvPr id="39" name="テキスト ボックス 38"/>
-          <p:cNvSpPr txBox="1"/>
-          <p:nvPr/>
-        </p:nvSpPr>
-        <p:spPr>
-          <a:xfrm>
-            <a:off x="7671082" y="5099674"/>
-            <a:ext cx="717342" cy="400110"/>
-          </a:xfrm>
-          <a:prstGeom prst="rect">
-            <a:avLst/>
-          </a:prstGeom>
-          <a:noFill/>
-        </p:spPr>
-        <p:txBody>
-          <a:bodyPr wrap="square" rtlCol="0">
-            <a:spAutoFit/>
-          </a:bodyPr>
-          <a:lstStyle/>
-          <a:p>
-            <a:r>
-              <a:rPr kumimoji="1" lang="en-US" altLang="ja-JP" sz="2000" dirty="0" smtClean="0"/>
-              <a:t>0.0</a:t>
-            </a:r>
-            <a:endParaRPr kumimoji="1" lang="ja-JP" altLang="en-US" sz="2000" dirty="0"/>
-          </a:p>
-        </p:txBody>
-      </p:sp>
-      <p:sp>
-        <p:nvSpPr>
-          <p:cNvPr id="40" name="テキスト ボックス 39"/>
-          <p:cNvSpPr txBox="1"/>
-          <p:nvPr/>
-        </p:nvSpPr>
-        <p:spPr>
-          <a:xfrm>
-            <a:off x="3923283" y="3228293"/>
-            <a:ext cx="492443" cy="1028769"/>
-          </a:xfrm>
-          <a:prstGeom prst="rect">
-            <a:avLst/>
-          </a:prstGeom>
-          <a:noFill/>
-        </p:spPr>
-        <p:txBody>
-          <a:bodyPr vert="eaVert" wrap="square" rtlCol="0">
-            <a:spAutoFit/>
-          </a:bodyPr>
-          <a:lstStyle/>
-          <a:p>
-            <a:r>
-              <a:rPr lang="ja-JP" altLang="en-US" sz="2000" dirty="0" smtClean="0"/>
-              <a:t>・・・・</a:t>
-            </a:r>
-            <a:endParaRPr kumimoji="1" lang="en-US" altLang="ja-JP" sz="2000" dirty="0" smtClean="0"/>
-          </a:p>
-        </p:txBody>
-      </p:sp>
-      <p:sp>
-        <p:nvSpPr>
-          <p:cNvPr id="41" name="テキスト ボックス 40"/>
-          <p:cNvSpPr txBox="1"/>
-          <p:nvPr/>
-        </p:nvSpPr>
-        <p:spPr>
-          <a:xfrm>
-            <a:off x="7152887" y="4345010"/>
-            <a:ext cx="492443" cy="709435"/>
-          </a:xfrm>
-          <a:prstGeom prst="rect">
-            <a:avLst/>
-          </a:prstGeom>
-          <a:noFill/>
-        </p:spPr>
-        <p:txBody>
-          <a:bodyPr vert="eaVert" wrap="square" rtlCol="0">
-            <a:spAutoFit/>
-          </a:bodyPr>
-          <a:lstStyle/>
-          <a:p>
-            <a:r>
-              <a:rPr lang="ja-JP" altLang="en-US" sz="2000" dirty="0" smtClean="0"/>
-              <a:t>・・・・</a:t>
-            </a:r>
-            <a:endParaRPr kumimoji="1" lang="en-US" altLang="ja-JP" sz="2000" dirty="0" smtClean="0"/>
-          </a:p>
-        </p:txBody>
-      </p:sp>
-      <p:cxnSp>
-        <p:nvCxnSpPr>
-          <p:cNvPr id="43" name="直線コネクタ 42"/>
-          <p:cNvCxnSpPr/>
-          <p:nvPr/>
-        </p:nvCxnSpPr>
-        <p:spPr>
-          <a:xfrm>
-            <a:off x="4427984" y="2012017"/>
-            <a:ext cx="709485" cy="17473"/>
-          </a:xfrm>
-          <a:prstGeom prst="line">
-            <a:avLst/>
-          </a:prstGeom>
-        </p:spPr>
-        <p:style>
-          <a:lnRef idx="1">
-            <a:schemeClr val="accent1"/>
-          </a:lnRef>
-          <a:fillRef idx="0">
-            <a:schemeClr val="accent1"/>
-          </a:fillRef>
-          <a:effectRef idx="0">
-            <a:schemeClr val="accent1"/>
-          </a:effectRef>
-          <a:fontRef idx="minor">
-            <a:schemeClr val="tx1"/>
-          </a:fontRef>
-        </p:style>
-      </p:cxnSp>
-      <p:cxnSp>
-        <p:nvCxnSpPr>
-          <p:cNvPr id="44" name="直線コネクタ 43"/>
-          <p:cNvCxnSpPr>
-            <a:stCxn id="5" idx="6"/>
-            <a:endCxn id="9" idx="2"/>
-          </p:cNvCxnSpPr>
-          <p:nvPr/>
-        </p:nvCxnSpPr>
-        <p:spPr>
-          <a:xfrm>
-            <a:off x="4432153" y="2012017"/>
-            <a:ext cx="709485" cy="776735"/>
-          </a:xfrm>
-          <a:prstGeom prst="line">
-            <a:avLst/>
-          </a:prstGeom>
-        </p:spPr>
-        <p:style>
-          <a:lnRef idx="1">
-            <a:schemeClr val="accent1"/>
-          </a:lnRef>
-          <a:fillRef idx="0">
-            <a:schemeClr val="accent1"/>
-          </a:fillRef>
-          <a:effectRef idx="0">
-            <a:schemeClr val="accent1"/>
-          </a:effectRef>
-          <a:fontRef idx="minor">
-            <a:schemeClr val="tx1"/>
-          </a:fontRef>
-        </p:style>
-      </p:cxnSp>
-      <p:cxnSp>
-        <p:nvCxnSpPr>
-          <p:cNvPr id="45" name="直線コネクタ 44"/>
-          <p:cNvCxnSpPr>
-            <a:stCxn id="5" idx="6"/>
-            <a:endCxn id="10" idx="2"/>
-          </p:cNvCxnSpPr>
-          <p:nvPr/>
-        </p:nvCxnSpPr>
-        <p:spPr>
-          <a:xfrm>
-            <a:off x="4432153" y="2012017"/>
-            <a:ext cx="709485" cy="1789811"/>
-          </a:xfrm>
-          <a:prstGeom prst="line">
-            <a:avLst/>
-          </a:prstGeom>
-        </p:spPr>
-        <p:style>
-          <a:lnRef idx="1">
-            <a:schemeClr val="accent1"/>
-          </a:lnRef>
-          <a:fillRef idx="0">
-            <a:schemeClr val="accent1"/>
-          </a:fillRef>
-          <a:effectRef idx="0">
-            <a:schemeClr val="accent1"/>
-          </a:effectRef>
-          <a:fontRef idx="minor">
-            <a:schemeClr val="tx1"/>
-          </a:fontRef>
-        </p:style>
-      </p:cxnSp>
-      <p:cxnSp>
-        <p:nvCxnSpPr>
-          <p:cNvPr id="46" name="直線コネクタ 45"/>
-          <p:cNvCxnSpPr>
-            <a:stCxn id="5" idx="6"/>
-            <a:endCxn id="11" idx="2"/>
-          </p:cNvCxnSpPr>
-          <p:nvPr/>
-        </p:nvCxnSpPr>
-        <p:spPr>
-          <a:xfrm>
-            <a:off x="4432153" y="2012017"/>
-            <a:ext cx="709485" cy="3685263"/>
-          </a:xfrm>
-          <a:prstGeom prst="line">
-            <a:avLst/>
-          </a:prstGeom>
-        </p:spPr>
-        <p:style>
-          <a:lnRef idx="1">
-            <a:schemeClr val="accent1"/>
-          </a:lnRef>
-          <a:fillRef idx="0">
-            <a:schemeClr val="accent1"/>
-          </a:fillRef>
-          <a:effectRef idx="0">
-            <a:schemeClr val="accent1"/>
-          </a:effectRef>
-          <a:fontRef idx="minor">
-            <a:schemeClr val="tx1"/>
-          </a:fontRef>
-        </p:style>
-      </p:cxnSp>
-      <p:cxnSp>
-        <p:nvCxnSpPr>
-          <p:cNvPr id="53" name="直線コネクタ 52"/>
-          <p:cNvCxnSpPr>
-            <a:stCxn id="8" idx="6"/>
-            <a:endCxn id="12" idx="2"/>
-          </p:cNvCxnSpPr>
-          <p:nvPr/>
-        </p:nvCxnSpPr>
-        <p:spPr>
-          <a:xfrm flipV="1">
-            <a:off x="5645638" y="1970806"/>
-            <a:ext cx="1472447" cy="58684"/>
-          </a:xfrm>
-          <a:prstGeom prst="line">
-            <a:avLst/>
-          </a:prstGeom>
-        </p:spPr>
-        <p:style>
-          <a:lnRef idx="1">
-            <a:schemeClr val="accent1"/>
-          </a:lnRef>
-          <a:fillRef idx="0">
-            <a:schemeClr val="accent1"/>
-          </a:fillRef>
-          <a:effectRef idx="0">
-            <a:schemeClr val="accent1"/>
-          </a:effectRef>
-          <a:fontRef idx="minor">
-            <a:schemeClr val="tx1"/>
-          </a:fontRef>
-        </p:style>
-      </p:cxnSp>
-      <p:cxnSp>
-        <p:nvCxnSpPr>
-          <p:cNvPr id="54" name="直線コネクタ 53"/>
-          <p:cNvCxnSpPr>
-            <a:stCxn id="8" idx="6"/>
-            <a:endCxn id="17" idx="2"/>
-          </p:cNvCxnSpPr>
-          <p:nvPr/>
-        </p:nvCxnSpPr>
-        <p:spPr>
-          <a:xfrm>
-            <a:off x="5645638" y="2029490"/>
-            <a:ext cx="1472447" cy="449880"/>
-          </a:xfrm>
-          <a:prstGeom prst="line">
-            <a:avLst/>
-          </a:prstGeom>
-        </p:spPr>
-        <p:style>
-          <a:lnRef idx="1">
-            <a:schemeClr val="accent1"/>
-          </a:lnRef>
-          <a:fillRef idx="0">
-            <a:schemeClr val="accent1"/>
-          </a:fillRef>
-          <a:effectRef idx="0">
-            <a:schemeClr val="accent1"/>
-          </a:effectRef>
-          <a:fontRef idx="minor">
-            <a:schemeClr val="tx1"/>
-          </a:fontRef>
-        </p:style>
-      </p:cxnSp>
-      <p:cxnSp>
-        <p:nvCxnSpPr>
-          <p:cNvPr id="55" name="直線コネクタ 54"/>
-          <p:cNvCxnSpPr>
-            <a:stCxn id="8" idx="6"/>
-            <a:endCxn id="13" idx="2"/>
-          </p:cNvCxnSpPr>
-          <p:nvPr/>
-        </p:nvCxnSpPr>
-        <p:spPr>
-          <a:xfrm>
-            <a:off x="5645638" y="2029490"/>
-            <a:ext cx="1472447" cy="958444"/>
-          </a:xfrm>
-          <a:prstGeom prst="line">
-            <a:avLst/>
-          </a:prstGeom>
-        </p:spPr>
-        <p:style>
-          <a:lnRef idx="1">
-            <a:schemeClr val="accent1"/>
-          </a:lnRef>
-          <a:fillRef idx="0">
-            <a:schemeClr val="accent1"/>
-          </a:fillRef>
-          <a:effectRef idx="0">
-            <a:schemeClr val="accent1"/>
-          </a:effectRef>
-          <a:fontRef idx="minor">
-            <a:schemeClr val="tx1"/>
-          </a:fontRef>
-        </p:style>
-      </p:cxnSp>
-      <p:cxnSp>
-        <p:nvCxnSpPr>
-          <p:cNvPr id="56" name="直線コネクタ 55"/>
-          <p:cNvCxnSpPr>
-            <a:stCxn id="8" idx="6"/>
-            <a:endCxn id="18" idx="2"/>
-          </p:cNvCxnSpPr>
-          <p:nvPr/>
-        </p:nvCxnSpPr>
-        <p:spPr>
-          <a:xfrm>
-            <a:off x="5645638" y="2029490"/>
-            <a:ext cx="1472447" cy="1467008"/>
-          </a:xfrm>
-          <a:prstGeom prst="line">
-            <a:avLst/>
-          </a:prstGeom>
-        </p:spPr>
-        <p:style>
-          <a:lnRef idx="1">
-            <a:schemeClr val="accent1"/>
-          </a:lnRef>
-          <a:fillRef idx="0">
-            <a:schemeClr val="accent1"/>
-          </a:fillRef>
-          <a:effectRef idx="0">
-            <a:schemeClr val="accent1"/>
-          </a:effectRef>
-          <a:fontRef idx="minor">
-            <a:schemeClr val="tx1"/>
-          </a:fontRef>
-        </p:style>
-      </p:cxnSp>
-      <p:cxnSp>
-        <p:nvCxnSpPr>
-          <p:cNvPr id="57" name="直線コネクタ 56"/>
-          <p:cNvCxnSpPr>
-            <a:stCxn id="8" idx="6"/>
-            <a:endCxn id="31" idx="2"/>
-          </p:cNvCxnSpPr>
-          <p:nvPr/>
-        </p:nvCxnSpPr>
-        <p:spPr>
-          <a:xfrm>
-            <a:off x="5645638" y="2029490"/>
-            <a:ext cx="1472447" cy="1975573"/>
-          </a:xfrm>
-          <a:prstGeom prst="line">
-            <a:avLst/>
-          </a:prstGeom>
-        </p:spPr>
-        <p:style>
-          <a:lnRef idx="1">
-            <a:schemeClr val="accent1"/>
-          </a:lnRef>
-          <a:fillRef idx="0">
-            <a:schemeClr val="accent1"/>
-          </a:fillRef>
-          <a:effectRef idx="0">
-            <a:schemeClr val="accent1"/>
-          </a:effectRef>
-          <a:fontRef idx="minor">
-            <a:schemeClr val="tx1"/>
-          </a:fontRef>
-        </p:style>
-      </p:cxnSp>
-      <p:cxnSp>
-        <p:nvCxnSpPr>
-          <p:cNvPr id="58" name="直線コネクタ 57"/>
-          <p:cNvCxnSpPr>
-            <a:stCxn id="8" idx="6"/>
-            <a:endCxn id="32" idx="2"/>
-          </p:cNvCxnSpPr>
-          <p:nvPr/>
-        </p:nvCxnSpPr>
-        <p:spPr>
-          <a:xfrm>
-            <a:off x="5645638" y="2029490"/>
-            <a:ext cx="1458122" cy="3276955"/>
-          </a:xfrm>
-          <a:prstGeom prst="line">
-            <a:avLst/>
-          </a:prstGeom>
-        </p:spPr>
-        <p:style>
-          <a:lnRef idx="1">
-            <a:schemeClr val="accent1"/>
-          </a:lnRef>
-          <a:fillRef idx="0">
-            <a:schemeClr val="accent1"/>
-          </a:fillRef>
-          <a:effectRef idx="0">
-            <a:schemeClr val="accent1"/>
-          </a:effectRef>
-          <a:fontRef idx="minor">
-            <a:schemeClr val="tx1"/>
-          </a:fontRef>
-        </p:style>
-      </p:cxnSp>
-      <p:cxnSp>
-        <p:nvCxnSpPr>
-          <p:cNvPr id="71" name="直線コネクタ 70"/>
-          <p:cNvCxnSpPr>
-            <a:stCxn id="8" idx="6"/>
-            <a:endCxn id="16" idx="3"/>
-          </p:cNvCxnSpPr>
-          <p:nvPr/>
-        </p:nvCxnSpPr>
-        <p:spPr>
-          <a:xfrm>
-            <a:off x="5645638" y="2029490"/>
-            <a:ext cx="1533252" cy="3917989"/>
-          </a:xfrm>
-          <a:prstGeom prst="line">
-            <a:avLst/>
-          </a:prstGeom>
-        </p:spPr>
-        <p:style>
-          <a:lnRef idx="1">
-            <a:schemeClr val="accent1"/>
-          </a:lnRef>
-          <a:fillRef idx="0">
-            <a:schemeClr val="accent1"/>
-          </a:fillRef>
-          <a:effectRef idx="0">
-            <a:schemeClr val="accent1"/>
-          </a:effectRef>
-          <a:fontRef idx="minor">
-            <a:schemeClr val="tx1"/>
-          </a:fontRef>
-        </p:style>
-      </p:cxnSp>
-      <p:cxnSp>
-        <p:nvCxnSpPr>
-          <p:cNvPr id="74" name="直線コネクタ 73"/>
-          <p:cNvCxnSpPr>
-            <a:stCxn id="9" idx="6"/>
-            <a:endCxn id="12" idx="2"/>
-          </p:cNvCxnSpPr>
-          <p:nvPr/>
-        </p:nvCxnSpPr>
-        <p:spPr>
-          <a:xfrm flipV="1">
-            <a:off x="5645638" y="1970806"/>
-            <a:ext cx="1472447" cy="817946"/>
-          </a:xfrm>
-          <a:prstGeom prst="line">
-            <a:avLst/>
-          </a:prstGeom>
-        </p:spPr>
-        <p:style>
-          <a:lnRef idx="1">
-            <a:schemeClr val="accent1"/>
-          </a:lnRef>
-          <a:fillRef idx="0">
-            <a:schemeClr val="accent1"/>
-          </a:fillRef>
-          <a:effectRef idx="0">
-            <a:schemeClr val="accent1"/>
-          </a:effectRef>
-          <a:fontRef idx="minor">
-            <a:schemeClr val="tx1"/>
-          </a:fontRef>
-        </p:style>
-      </p:cxnSp>
-      <p:cxnSp>
-        <p:nvCxnSpPr>
-          <p:cNvPr id="75" name="直線コネクタ 74"/>
-          <p:cNvCxnSpPr>
-            <a:stCxn id="9" idx="6"/>
-            <a:endCxn id="17" idx="2"/>
-          </p:cNvCxnSpPr>
-          <p:nvPr/>
-        </p:nvCxnSpPr>
-        <p:spPr>
-          <a:xfrm flipV="1">
-            <a:off x="5645638" y="2479370"/>
-            <a:ext cx="1472447" cy="309382"/>
-          </a:xfrm>
-          <a:prstGeom prst="line">
-            <a:avLst/>
-          </a:prstGeom>
-        </p:spPr>
-        <p:style>
-          <a:lnRef idx="1">
-            <a:schemeClr val="accent1"/>
-          </a:lnRef>
-          <a:fillRef idx="0">
-            <a:schemeClr val="accent1"/>
-          </a:fillRef>
-          <a:effectRef idx="0">
-            <a:schemeClr val="accent1"/>
-          </a:effectRef>
-          <a:fontRef idx="minor">
-            <a:schemeClr val="tx1"/>
-          </a:fontRef>
-        </p:style>
-      </p:cxnSp>
-      <p:cxnSp>
-        <p:nvCxnSpPr>
-          <p:cNvPr id="76" name="直線コネクタ 75"/>
-          <p:cNvCxnSpPr>
-            <a:stCxn id="9" idx="6"/>
-            <a:endCxn id="13" idx="2"/>
-          </p:cNvCxnSpPr>
-          <p:nvPr/>
-        </p:nvCxnSpPr>
-        <p:spPr>
-          <a:xfrm>
-            <a:off x="5645638" y="2788752"/>
-            <a:ext cx="1472447" cy="199182"/>
-          </a:xfrm>
-          <a:prstGeom prst="line">
-            <a:avLst/>
-          </a:prstGeom>
-        </p:spPr>
-        <p:style>
-          <a:lnRef idx="1">
-            <a:schemeClr val="accent1"/>
-          </a:lnRef>
-          <a:fillRef idx="0">
-            <a:schemeClr val="accent1"/>
-          </a:fillRef>
-          <a:effectRef idx="0">
-            <a:schemeClr val="accent1"/>
-          </a:effectRef>
-          <a:fontRef idx="minor">
-            <a:schemeClr val="tx1"/>
-          </a:fontRef>
-        </p:style>
-      </p:cxnSp>
-      <p:cxnSp>
-        <p:nvCxnSpPr>
-          <p:cNvPr id="77" name="直線コネクタ 76"/>
-          <p:cNvCxnSpPr>
-            <a:stCxn id="9" idx="6"/>
-            <a:endCxn id="18" idx="2"/>
-          </p:cNvCxnSpPr>
-          <p:nvPr/>
-        </p:nvCxnSpPr>
-        <p:spPr>
-          <a:xfrm>
-            <a:off x="5645638" y="2788752"/>
-            <a:ext cx="1472447" cy="707746"/>
-          </a:xfrm>
-          <a:prstGeom prst="line">
-            <a:avLst/>
-          </a:prstGeom>
-        </p:spPr>
-        <p:style>
-          <a:lnRef idx="1">
-            <a:schemeClr val="accent1"/>
-          </a:lnRef>
-          <a:fillRef idx="0">
-            <a:schemeClr val="accent1"/>
-          </a:fillRef>
-          <a:effectRef idx="0">
-            <a:schemeClr val="accent1"/>
-          </a:effectRef>
-          <a:fontRef idx="minor">
-            <a:schemeClr val="tx1"/>
-          </a:fontRef>
-        </p:style>
-      </p:cxnSp>
-      <p:cxnSp>
-        <p:nvCxnSpPr>
-          <p:cNvPr id="78" name="直線コネクタ 77"/>
-          <p:cNvCxnSpPr>
-            <a:stCxn id="9" idx="6"/>
-            <a:endCxn id="31" idx="2"/>
-          </p:cNvCxnSpPr>
-          <p:nvPr/>
-        </p:nvCxnSpPr>
-        <p:spPr>
-          <a:xfrm>
-            <a:off x="5645638" y="2788752"/>
-            <a:ext cx="1472447" cy="1216311"/>
-          </a:xfrm>
-          <a:prstGeom prst="line">
-            <a:avLst/>
-          </a:prstGeom>
-        </p:spPr>
-        <p:style>
-          <a:lnRef idx="1">
-            <a:schemeClr val="accent1"/>
-          </a:lnRef>
-          <a:fillRef idx="0">
-            <a:schemeClr val="accent1"/>
-          </a:fillRef>
-          <a:effectRef idx="0">
-            <a:schemeClr val="accent1"/>
-          </a:effectRef>
-          <a:fontRef idx="minor">
-            <a:schemeClr val="tx1"/>
-          </a:fontRef>
-        </p:style>
-      </p:cxnSp>
-      <p:cxnSp>
-        <p:nvCxnSpPr>
-          <p:cNvPr id="79" name="直線コネクタ 78"/>
-          <p:cNvCxnSpPr>
-            <a:stCxn id="9" idx="6"/>
-            <a:endCxn id="32" idx="2"/>
-          </p:cNvCxnSpPr>
-          <p:nvPr/>
-        </p:nvCxnSpPr>
-        <p:spPr>
-          <a:xfrm>
-            <a:off x="5645638" y="2788752"/>
-            <a:ext cx="1458122" cy="2517693"/>
-          </a:xfrm>
-          <a:prstGeom prst="line">
-            <a:avLst/>
-          </a:prstGeom>
-        </p:spPr>
-        <p:style>
-          <a:lnRef idx="1">
-            <a:schemeClr val="accent1"/>
-          </a:lnRef>
-          <a:fillRef idx="0">
-            <a:schemeClr val="accent1"/>
-          </a:fillRef>
-          <a:effectRef idx="0">
-            <a:schemeClr val="accent1"/>
-          </a:effectRef>
-          <a:fontRef idx="minor">
-            <a:schemeClr val="tx1"/>
-          </a:fontRef>
-        </p:style>
-      </p:cxnSp>
-      <p:cxnSp>
-        <p:nvCxnSpPr>
-          <p:cNvPr id="80" name="直線コネクタ 79"/>
-          <p:cNvCxnSpPr>
-            <a:stCxn id="9" idx="6"/>
-            <a:endCxn id="16" idx="2"/>
-          </p:cNvCxnSpPr>
-          <p:nvPr/>
-        </p:nvCxnSpPr>
-        <p:spPr>
-          <a:xfrm>
-            <a:off x="5645638" y="2788752"/>
-            <a:ext cx="1459435" cy="2980536"/>
-          </a:xfrm>
-          <a:prstGeom prst="line">
-            <a:avLst/>
-          </a:prstGeom>
-        </p:spPr>
-        <p:style>
-          <a:lnRef idx="1">
-            <a:schemeClr val="accent1"/>
-          </a:lnRef>
-          <a:fillRef idx="0">
-            <a:schemeClr val="accent1"/>
-          </a:fillRef>
-          <a:effectRef idx="0">
-            <a:schemeClr val="accent1"/>
-          </a:effectRef>
-          <a:fontRef idx="minor">
-            <a:schemeClr val="tx1"/>
-          </a:fontRef>
-        </p:style>
-      </p:cxnSp>
-      <p:sp>
-        <p:nvSpPr>
-          <p:cNvPr id="59" name="四角形吹き出し 58"/>
-          <p:cNvSpPr/>
-          <p:nvPr/>
-        </p:nvSpPr>
-        <p:spPr>
-          <a:xfrm>
-            <a:off x="1691681" y="3187989"/>
-            <a:ext cx="2236472" cy="1099811"/>
-          </a:xfrm>
-          <a:prstGeom prst="wedgeRectCallout">
-            <a:avLst>
-              <a:gd name="adj1" fmla="val 92470"/>
-              <a:gd name="adj2" fmla="val 60267"/>
-            </a:avLst>
-          </a:prstGeom>
-          <a:solidFill>
-            <a:srgbClr val="FFFF00"/>
-          </a:solidFill>
-        </p:spPr>
-        <p:style>
-          <a:lnRef idx="2">
-            <a:schemeClr val="accent1">
-              <a:shade val="50000"/>
-            </a:schemeClr>
-          </a:lnRef>
-          <a:fillRef idx="1">
-            <a:schemeClr val="accent1"/>
-          </a:fillRef>
-          <a:effectRef idx="0">
-            <a:schemeClr val="accent1"/>
-          </a:effectRef>
-          <a:fontRef idx="minor">
-            <a:schemeClr val="lt1"/>
-          </a:fontRef>
-        </p:style>
-        <p:txBody>
-          <a:bodyPr rtlCol="0" anchor="ctr"/>
-          <a:lstStyle/>
-          <a:p>
-            <a:pPr algn="ctr"/>
-            <a:r>
-              <a:rPr kumimoji="1" lang="ja-JP" altLang="en-US" sz="2000" dirty="0" smtClean="0">
-                <a:solidFill>
-                  <a:schemeClr val="tx1"/>
-                </a:solidFill>
-              </a:rPr>
-              <a:t>最適な重み</a:t>
-            </a:r>
-            <a:endParaRPr kumimoji="1" lang="ja-JP" altLang="en-US" sz="2000" dirty="0">
-              <a:solidFill>
-                <a:schemeClr val="tx1"/>
-              </a:solidFill>
-            </a:endParaRPr>
-          </a:p>
-        </p:txBody>
-      </p:sp>
-      <p:sp>
-        <p:nvSpPr>
-          <p:cNvPr id="60" name="正方形/長方形 59"/>
-          <p:cNvSpPr/>
-          <p:nvPr/>
-        </p:nvSpPr>
-        <p:spPr>
-          <a:xfrm>
-            <a:off x="4788024" y="1196752"/>
-            <a:ext cx="1897033" cy="4824536"/>
-          </a:xfrm>
-          <a:prstGeom prst="rect">
-            <a:avLst/>
-          </a:prstGeom>
-          <a:noFill/>
-          <a:ln w="12700">
-            <a:solidFill>
-              <a:srgbClr val="FF0000"/>
-            </a:solidFill>
-          </a:ln>
-        </p:spPr>
-        <p:style>
-          <a:lnRef idx="2">
-            <a:schemeClr val="accent1">
-              <a:shade val="50000"/>
-            </a:schemeClr>
-          </a:lnRef>
-          <a:fillRef idx="1">
-            <a:schemeClr val="accent1"/>
-          </a:fillRef>
-          <a:effectRef idx="0">
-            <a:schemeClr val="accent1"/>
-          </a:effectRef>
-          <a:fontRef idx="minor">
-            <a:schemeClr val="lt1"/>
-          </a:fontRef>
-        </p:style>
-        <p:txBody>
-          <a:bodyPr rtlCol="0" anchor="t"/>
-          <a:lstStyle/>
-          <a:p>
-            <a:pPr algn="ctr"/>
-            <a:r>
-              <a:rPr lang="ja-JP" altLang="en-US" sz="2000" dirty="0" smtClean="0">
-                <a:solidFill>
-                  <a:schemeClr val="tx1"/>
-                </a:solidFill>
-              </a:rPr>
-              <a:t>隠れ</a:t>
-            </a:r>
-            <a:r>
-              <a:rPr lang="ja-JP" altLang="en-US" sz="2000" dirty="0">
-                <a:solidFill>
-                  <a:schemeClr val="tx1"/>
-                </a:solidFill>
-              </a:rPr>
-              <a:t>層</a:t>
-            </a:r>
-            <a:endParaRPr kumimoji="1" lang="ja-JP" altLang="en-US" sz="2000" dirty="0">
-              <a:solidFill>
-                <a:schemeClr val="tx1"/>
-              </a:solidFill>
-            </a:endParaRPr>
-          </a:p>
-        </p:txBody>
-      </p:sp>
-      <p:sp>
-        <p:nvSpPr>
-          <p:cNvPr id="61" name="テキスト ボックス 60"/>
-          <p:cNvSpPr txBox="1"/>
-          <p:nvPr/>
-        </p:nvSpPr>
-        <p:spPr>
-          <a:xfrm>
-            <a:off x="6876256" y="1196752"/>
-            <a:ext cx="1944216" cy="400110"/>
-          </a:xfrm>
-          <a:prstGeom prst="rect">
-            <a:avLst/>
-          </a:prstGeom>
-          <a:noFill/>
-        </p:spPr>
-        <p:txBody>
-          <a:bodyPr wrap="square" rtlCol="0">
-            <a:spAutoFit/>
-          </a:bodyPr>
-          <a:lstStyle/>
-          <a:p>
-            <a:r>
-              <a:rPr lang="ja-JP" altLang="en-US" sz="2000" dirty="0"/>
-              <a:t>類似する</a:t>
-            </a:r>
-            <a:r>
-              <a:rPr kumimoji="1" lang="ja-JP" altLang="en-US" sz="2000" dirty="0" smtClean="0"/>
-              <a:t>確率</a:t>
-            </a:r>
-            <a:endParaRPr kumimoji="1" lang="ja-JP" altLang="en-US" sz="2000" dirty="0"/>
-          </a:p>
-        </p:txBody>
-      </p:sp>
+                <a:miter lim="800000"/>
+                <a:headEnd/>
+                <a:tailEnd/>
+              </a14:hiddenLine>
+            </a:ext>
+          </a:extLst>
+        </p:spPr>
+      </p:pic>
     </p:spTree>
     <p:extLst>
       <p:ext uri="{BB962C8B-B14F-4D97-AF65-F5344CB8AC3E}">
-        <p14:creationId xmlns:p14="http://schemas.microsoft.com/office/powerpoint/2010/main" val="2542818057"/>
+        <p14:creationId xmlns:p14="http://schemas.microsoft.com/office/powerpoint/2010/main" val="3801649102"/>
       </p:ext>
     </p:extLst>
   </p:cSld>
@@ -10396,66 +10541,147 @@
           </a:p>
         </p:txBody>
       </p:sp>
-      <p:pic>
-        <p:nvPicPr>
-          <p:cNvPr id="5123" name="Picture 3"/>
-          <p:cNvPicPr>
-            <a:picLocks noGrp="1" noChangeAspect="1" noChangeArrowheads="1"/>
-          </p:cNvPicPr>
+      <p:sp>
+        <p:nvSpPr>
+          <p:cNvPr id="2" name="コンテンツ プレースホルダー 1"/>
+          <p:cNvSpPr>
+            <a:spLocks noGrp="1"/>
+          </p:cNvSpPr>
           <p:nvPr>
             <p:ph idx="1"/>
           </p:nvPr>
-        </p:nvPicPr>
-        <p:blipFill>
-          <a:blip r:embed="rId2">
-            <a:extLst>
-              <a:ext uri="{28A0092B-C50C-407E-A947-70E740481C1C}">
-                <a14:useLocalDpi xmlns:a14="http://schemas.microsoft.com/office/drawing/2010/main" val="0"/>
-              </a:ext>
-            </a:extLst>
-          </a:blip>
-          <a:srcRect/>
-          <a:stretch>
-            <a:fillRect/>
-          </a:stretch>
-        </p:blipFill>
-        <p:spPr bwMode="auto">
-          <a:xfrm>
-            <a:off x="457200" y="1530925"/>
-            <a:ext cx="8229600" cy="4426388"/>
-          </a:xfrm>
-          <a:prstGeom prst="rect">
-            <a:avLst/>
-          </a:prstGeom>
-          <a:noFill/>
-          <a:ln>
-            <a:noFill/>
-          </a:ln>
-          <a:extLst>
-            <a:ext uri="{909E8E84-426E-40DD-AFC4-6F175D3DCCD1}">
-              <a14:hiddenFill xmlns:a14="http://schemas.microsoft.com/office/drawing/2010/main">
-                <a:solidFill>
-                  <a:schemeClr val="accent1"/>
-                </a:solidFill>
-              </a14:hiddenFill>
-            </a:ext>
-            <a:ext uri="{91240B29-F687-4F45-9708-019B960494DF}">
-              <a14:hiddenLine xmlns:a14="http://schemas.microsoft.com/office/drawing/2010/main" w="9525">
-                <a:solidFill>
-                  <a:schemeClr val="tx1"/>
-                </a:solidFill>
-                <a:miter lim="800000"/>
-                <a:headEnd/>
-                <a:tailEnd/>
-              </a14:hiddenLine>
-            </a:ext>
-          </a:extLst>
-        </p:spPr>
-      </p:pic>
+        </p:nvSpPr>
+        <p:spPr>
+          <a:xfrm>
+            <a:off x="457200" y="1481328"/>
+            <a:ext cx="8229600" cy="4827992"/>
+          </a:xfrm>
+        </p:spPr>
+        <p:txBody>
+          <a:bodyPr>
+            <a:normAutofit/>
+          </a:bodyPr>
+          <a:lstStyle/>
+          <a:p>
+            <a:r>
+              <a:rPr lang="en-US" altLang="ja-JP" dirty="0" err="1" smtClean="0"/>
+              <a:t>Qiita</a:t>
+            </a:r>
+            <a:r>
+              <a:rPr lang="ja-JP" altLang="en-US" dirty="0" smtClean="0"/>
+              <a:t>「</a:t>
+            </a:r>
+            <a:r>
+              <a:rPr lang="en-US" altLang="ja-JP" dirty="0"/>
+              <a:t>MNIST vs </a:t>
+            </a:r>
+            <a:r>
+              <a:rPr lang="ja-JP" altLang="en-US" dirty="0"/>
+              <a:t>俺 </a:t>
+            </a:r>
+            <a:r>
+              <a:rPr lang="en-US" altLang="ja-JP" dirty="0"/>
+              <a:t>(</a:t>
+            </a:r>
+            <a:r>
+              <a:rPr lang="ja-JP" altLang="en-US" dirty="0"/>
+              <a:t>俺の手書き文字を正しく認識できるか</a:t>
+            </a:r>
+            <a:r>
+              <a:rPr lang="en-US" altLang="ja-JP" dirty="0"/>
+              <a:t>)</a:t>
+            </a:r>
+            <a:r>
+              <a:rPr lang="ja-JP" altLang="en-US" dirty="0"/>
+              <a:t>」をもとに画像認識を</a:t>
+            </a:r>
+            <a:r>
+              <a:rPr lang="ja-JP" altLang="en-US" dirty="0" smtClean="0"/>
+              <a:t>する</a:t>
+            </a:r>
+            <a:endParaRPr lang="ja-JP" altLang="en-US" dirty="0"/>
+          </a:p>
+          <a:p>
+            <a:r>
+              <a:rPr lang="ja-JP" altLang="en-US" dirty="0"/>
+              <a:t>環境</a:t>
+            </a:r>
+          </a:p>
+          <a:p>
+            <a:pPr lvl="1"/>
+            <a:r>
+              <a:rPr lang="en-US" altLang="ja-JP" dirty="0"/>
+              <a:t>Python</a:t>
+            </a:r>
+          </a:p>
+          <a:p>
+            <a:pPr lvl="1"/>
+            <a:r>
+              <a:rPr lang="en-US" altLang="ja-JP" dirty="0" err="1" smtClean="0"/>
+              <a:t>Keras</a:t>
+            </a:r>
+            <a:endParaRPr lang="en-US" altLang="ja-JP" dirty="0" smtClean="0"/>
+          </a:p>
+          <a:p>
+            <a:pPr lvl="2"/>
+            <a:r>
+              <a:rPr lang="en-US" altLang="ja-JP" dirty="0" err="1"/>
+              <a:t>TensorFlow</a:t>
+            </a:r>
+            <a:r>
+              <a:rPr lang="ja-JP" altLang="en-US" dirty="0"/>
+              <a:t>上で動くニューラルネットワークライブラリ</a:t>
+            </a:r>
+          </a:p>
+          <a:p>
+            <a:pPr lvl="2"/>
+            <a:r>
+              <a:rPr lang="ja-JP" altLang="en-US" dirty="0"/>
+              <a:t>数学的理論の部分をゼロから開発せずとも、比較的短いソースコードで実装できる</a:t>
+            </a:r>
+            <a:endParaRPr lang="en-US" altLang="ja-JP" dirty="0"/>
+          </a:p>
+          <a:p>
+            <a:pPr lvl="1"/>
+            <a:r>
+              <a:rPr lang="en-US" altLang="ja-JP" dirty="0" err="1" smtClean="0"/>
+              <a:t>Tensorflow</a:t>
+            </a:r>
+            <a:endParaRPr lang="en-US" altLang="ja-JP" dirty="0" smtClean="0"/>
+          </a:p>
+          <a:p>
+            <a:pPr lvl="2"/>
+            <a:r>
+              <a:rPr lang="ja-JP" altLang="en-US" dirty="0"/>
+              <a:t>グーグルによって開発された高速数値解析用</a:t>
+            </a:r>
+            <a:r>
+              <a:rPr lang="ja-JP" altLang="en-US" dirty="0" smtClean="0"/>
+              <a:t>のライブラリ</a:t>
+            </a:r>
+            <a:endParaRPr lang="ja-JP" altLang="en-US" dirty="0"/>
+          </a:p>
+          <a:p>
+            <a:pPr lvl="1"/>
+            <a:r>
+              <a:rPr lang="en-US" altLang="ja-JP" dirty="0" smtClean="0"/>
+              <a:t>MNIST</a:t>
+            </a:r>
+          </a:p>
+          <a:p>
+            <a:pPr lvl="2"/>
+            <a:r>
+              <a:rPr lang="ja-JP" altLang="en-US" dirty="0"/>
+              <a:t>手書き数字の画像データセット</a:t>
+            </a:r>
+            <a:endParaRPr kumimoji="1" lang="ja-JP" altLang="en-US" dirty="0"/>
+          </a:p>
+        </p:txBody>
+      </p:sp>
     </p:spTree>
     <p:extLst>
       <p:ext uri="{BB962C8B-B14F-4D97-AF65-F5344CB8AC3E}">
-        <p14:creationId xmlns:p14="http://schemas.microsoft.com/office/powerpoint/2010/main" val="3801649102"/>
+        <p14:creationId xmlns:p14="http://schemas.microsoft.com/office/powerpoint/2010/main" val="2671785819"/>
       </p:ext>
     </p:extLst>
   </p:cSld>
@@ -10609,178 +10835,6 @@
 </file>
 
 <file path=ppt/slides/slide20.xml><?xml version="1.0" encoding="utf-8"?>
-<p:sld xmlns:a="http://schemas.openxmlformats.org/drawingml/2006/main" xmlns:r="http://schemas.openxmlformats.org/officeDocument/2006/relationships" xmlns:p="http://schemas.openxmlformats.org/presentationml/2006/main">
-  <p:cSld>
-    <p:spTree>
-      <p:nvGrpSpPr>
-        <p:cNvPr id="1" name=""/>
-        <p:cNvGrpSpPr/>
-        <p:nvPr/>
-      </p:nvGrpSpPr>
-      <p:grpSpPr>
-        <a:xfrm>
-          <a:off x="0" y="0"/>
-          <a:ext cx="0" cy="0"/>
-          <a:chOff x="0" y="0"/>
-          <a:chExt cx="0" cy="0"/>
-        </a:xfrm>
-      </p:grpSpPr>
-      <p:sp>
-        <p:nvSpPr>
-          <p:cNvPr id="3" name="タイトル 2"/>
-          <p:cNvSpPr>
-            <a:spLocks noGrp="1"/>
-          </p:cNvSpPr>
-          <p:nvPr>
-            <p:ph type="title"/>
-          </p:nvPr>
-        </p:nvSpPr>
-        <p:spPr/>
-        <p:txBody>
-          <a:bodyPr>
-            <a:normAutofit/>
-          </a:bodyPr>
-          <a:lstStyle/>
-          <a:p>
-            <a:pPr algn="ctr"/>
-            <a:r>
-              <a:rPr lang="ja-JP" altLang="en-US" dirty="0"/>
-              <a:t>手書き文字認識（</a:t>
-            </a:r>
-            <a:r>
-              <a:rPr lang="en-US" altLang="ja-JP" dirty="0"/>
-              <a:t>MNIST vs </a:t>
-            </a:r>
-            <a:r>
-              <a:rPr lang="ja-JP" altLang="en-US" dirty="0"/>
-              <a:t>俺</a:t>
-            </a:r>
-            <a:r>
-              <a:rPr lang="ja-JP" altLang="en-US" dirty="0" smtClean="0"/>
-              <a:t>）</a:t>
-            </a:r>
-            <a:endParaRPr kumimoji="1" lang="ja-JP" altLang="en-US" dirty="0"/>
-          </a:p>
-        </p:txBody>
-      </p:sp>
-      <p:sp>
-        <p:nvSpPr>
-          <p:cNvPr id="2" name="コンテンツ プレースホルダー 1"/>
-          <p:cNvSpPr>
-            <a:spLocks noGrp="1"/>
-          </p:cNvSpPr>
-          <p:nvPr>
-            <p:ph idx="1"/>
-          </p:nvPr>
-        </p:nvSpPr>
-        <p:spPr/>
-        <p:txBody>
-          <a:bodyPr>
-            <a:normAutofit/>
-          </a:bodyPr>
-          <a:lstStyle/>
-          <a:p>
-            <a:r>
-              <a:rPr lang="en-US" altLang="ja-JP" dirty="0" err="1" smtClean="0"/>
-              <a:t>Qiita</a:t>
-            </a:r>
-            <a:r>
-              <a:rPr lang="ja-JP" altLang="en-US" dirty="0" smtClean="0"/>
-              <a:t>「</a:t>
-            </a:r>
-            <a:r>
-              <a:rPr lang="en-US" altLang="ja-JP" dirty="0"/>
-              <a:t>MNIST vs </a:t>
-            </a:r>
-            <a:r>
-              <a:rPr lang="ja-JP" altLang="en-US" dirty="0"/>
-              <a:t>俺 </a:t>
-            </a:r>
-            <a:r>
-              <a:rPr lang="en-US" altLang="ja-JP" dirty="0"/>
-              <a:t>(</a:t>
-            </a:r>
-            <a:r>
-              <a:rPr lang="ja-JP" altLang="en-US" dirty="0"/>
-              <a:t>俺の手書き文字を正しく認識できるか</a:t>
-            </a:r>
-            <a:r>
-              <a:rPr lang="en-US" altLang="ja-JP" dirty="0"/>
-              <a:t>)</a:t>
-            </a:r>
-            <a:r>
-              <a:rPr lang="ja-JP" altLang="en-US" dirty="0"/>
-              <a:t>」をもとに画像認識を</a:t>
-            </a:r>
-            <a:r>
-              <a:rPr lang="ja-JP" altLang="en-US" dirty="0" smtClean="0"/>
-              <a:t>する</a:t>
-            </a:r>
-            <a:endParaRPr lang="en-US" altLang="ja-JP" dirty="0" smtClean="0"/>
-          </a:p>
-          <a:p>
-            <a:endParaRPr lang="ja-JP" altLang="en-US" dirty="0"/>
-          </a:p>
-          <a:p>
-            <a:r>
-              <a:rPr lang="ja-JP" altLang="en-US" dirty="0"/>
-              <a:t>環境</a:t>
-            </a:r>
-          </a:p>
-          <a:p>
-            <a:pPr lvl="1"/>
-            <a:r>
-              <a:rPr lang="en-US" altLang="ja-JP" dirty="0"/>
-              <a:t>Python</a:t>
-            </a:r>
-          </a:p>
-          <a:p>
-            <a:pPr lvl="1"/>
-            <a:r>
-              <a:rPr lang="en-US" altLang="ja-JP" dirty="0" err="1"/>
-              <a:t>Keras</a:t>
-            </a:r>
-            <a:endParaRPr lang="en-US" altLang="ja-JP" dirty="0"/>
-          </a:p>
-          <a:p>
-            <a:pPr lvl="1"/>
-            <a:r>
-              <a:rPr lang="en-US" altLang="ja-JP" dirty="0" err="1" smtClean="0"/>
-              <a:t>Tensorflow</a:t>
-            </a:r>
-            <a:endParaRPr lang="ja-JP" altLang="en-US" dirty="0"/>
-          </a:p>
-          <a:p>
-            <a:pPr lvl="1"/>
-            <a:r>
-              <a:rPr lang="en-US" altLang="ja-JP" dirty="0" smtClean="0"/>
-              <a:t>MNIST</a:t>
-            </a:r>
-            <a:endParaRPr kumimoji="1" lang="ja-JP" altLang="en-US" dirty="0"/>
-          </a:p>
-        </p:txBody>
-      </p:sp>
-    </p:spTree>
-    <p:extLst>
-      <p:ext uri="{BB962C8B-B14F-4D97-AF65-F5344CB8AC3E}">
-        <p14:creationId xmlns:p14="http://schemas.microsoft.com/office/powerpoint/2010/main" val="2671785819"/>
-      </p:ext>
-    </p:extLst>
-  </p:cSld>
-  <p:clrMapOvr>
-    <a:masterClrMapping/>
-  </p:clrMapOvr>
-  <p:timing>
-    <p:tnLst>
-      <p:par>
-        <p:cTn id="1" dur="indefinite" restart="never" nodeType="tmRoot"/>
-      </p:par>
-    </p:tnLst>
-  </p:timing>
-</p:sld>
-</file>
-
-<file path=ppt/slides/slide21.xml><?xml version="1.0" encoding="utf-8"?>
 <p:sld xmlns:a="http://schemas.openxmlformats.org/drawingml/2006/main" xmlns:r="http://schemas.openxmlformats.org/officeDocument/2006/relationships" xmlns:p="http://schemas.openxmlformats.org/presentationml/2006/main">
   <p:cSld>
     <p:spTree>
@@ -11328,6 +11382,312 @@
 </p:sld>
 </file>
 
+<file path=ppt/slides/slide21.xml><?xml version="1.0" encoding="utf-8"?>
+<p:sld xmlns:a="http://schemas.openxmlformats.org/drawingml/2006/main" xmlns:r="http://schemas.openxmlformats.org/officeDocument/2006/relationships" xmlns:p="http://schemas.openxmlformats.org/presentationml/2006/main">
+  <p:cSld>
+    <p:spTree>
+      <p:nvGrpSpPr>
+        <p:cNvPr id="1" name=""/>
+        <p:cNvGrpSpPr/>
+        <p:nvPr/>
+      </p:nvGrpSpPr>
+      <p:grpSpPr>
+        <a:xfrm>
+          <a:off x="0" y="0"/>
+          <a:ext cx="0" cy="0"/>
+          <a:chOff x="0" y="0"/>
+          <a:chExt cx="0" cy="0"/>
+        </a:xfrm>
+      </p:grpSpPr>
+      <p:sp>
+        <p:nvSpPr>
+          <p:cNvPr id="3" name="タイトル 2"/>
+          <p:cNvSpPr>
+            <a:spLocks noGrp="1"/>
+          </p:cNvSpPr>
+          <p:nvPr>
+            <p:ph type="title"/>
+          </p:nvPr>
+        </p:nvSpPr>
+        <p:spPr/>
+        <p:txBody>
+          <a:bodyPr/>
+          <a:lstStyle/>
+          <a:p>
+            <a:pPr algn="ctr"/>
+            <a:r>
+              <a:rPr lang="en-US" altLang="ja-JP" dirty="0"/>
+              <a:t>Deep Learning</a:t>
+            </a:r>
+            <a:r>
+              <a:rPr lang="ja-JP" altLang="en-US" dirty="0"/>
+              <a:t>技術</a:t>
+            </a:r>
+            <a:endParaRPr kumimoji="1" lang="ja-JP" altLang="en-US" dirty="0"/>
+          </a:p>
+        </p:txBody>
+      </p:sp>
+      <p:sp>
+        <p:nvSpPr>
+          <p:cNvPr id="2" name="コンテンツ プレースホルダー 1"/>
+          <p:cNvSpPr>
+            <a:spLocks noGrp="1"/>
+          </p:cNvSpPr>
+          <p:nvPr>
+            <p:ph idx="1"/>
+          </p:nvPr>
+        </p:nvSpPr>
+        <p:spPr/>
+        <p:txBody>
+          <a:bodyPr/>
+          <a:lstStyle/>
+          <a:p>
+            <a:r>
+              <a:rPr lang="ja-JP" altLang="en-US" dirty="0"/>
+              <a:t>パーセプトロン</a:t>
+            </a:r>
+          </a:p>
+          <a:p>
+            <a:endParaRPr kumimoji="1" lang="ja-JP" altLang="en-US" dirty="0"/>
+          </a:p>
+        </p:txBody>
+      </p:sp>
+      <p:pic>
+        <p:nvPicPr>
+          <p:cNvPr id="1026" name="Picture 2"/>
+          <p:cNvPicPr>
+            <a:picLocks noChangeAspect="1" noChangeArrowheads="1"/>
+          </p:cNvPicPr>
+          <p:nvPr/>
+        </p:nvPicPr>
+        <p:blipFill>
+          <a:blip r:embed="rId2">
+            <a:extLst>
+              <a:ext uri="{28A0092B-C50C-407E-A947-70E740481C1C}">
+                <a14:useLocalDpi xmlns:a14="http://schemas.microsoft.com/office/drawing/2010/main" val="0"/>
+              </a:ext>
+            </a:extLst>
+          </a:blip>
+          <a:srcRect/>
+          <a:stretch>
+            <a:fillRect/>
+          </a:stretch>
+        </p:blipFill>
+        <p:spPr bwMode="auto">
+          <a:xfrm>
+            <a:off x="1514475" y="800100"/>
+            <a:ext cx="6115050" cy="5257800"/>
+          </a:xfrm>
+          <a:prstGeom prst="rect">
+            <a:avLst/>
+          </a:prstGeom>
+          <a:noFill/>
+          <a:ln>
+            <a:noFill/>
+          </a:ln>
+          <a:extLst>
+            <a:ext uri="{909E8E84-426E-40DD-AFC4-6F175D3DCCD1}">
+              <a14:hiddenFill xmlns:a14="http://schemas.microsoft.com/office/drawing/2010/main">
+                <a:solidFill>
+                  <a:schemeClr val="accent1"/>
+                </a:solidFill>
+              </a14:hiddenFill>
+            </a:ext>
+            <a:ext uri="{91240B29-F687-4F45-9708-019B960494DF}">
+              <a14:hiddenLine xmlns:a14="http://schemas.microsoft.com/office/drawing/2010/main" w="9525">
+                <a:solidFill>
+                  <a:schemeClr val="tx1"/>
+                </a:solidFill>
+                <a:miter lim="800000"/>
+                <a:headEnd/>
+                <a:tailEnd/>
+              </a14:hiddenLine>
+            </a:ext>
+          </a:extLst>
+        </p:spPr>
+      </p:pic>
+      <p:pic>
+        <p:nvPicPr>
+          <p:cNvPr id="1027" name="Picture 3"/>
+          <p:cNvPicPr>
+            <a:picLocks noChangeAspect="1" noChangeArrowheads="1"/>
+          </p:cNvPicPr>
+          <p:nvPr/>
+        </p:nvPicPr>
+        <p:blipFill>
+          <a:blip r:embed="rId3">
+            <a:extLst>
+              <a:ext uri="{28A0092B-C50C-407E-A947-70E740481C1C}">
+                <a14:useLocalDpi xmlns:a14="http://schemas.microsoft.com/office/drawing/2010/main" val="0"/>
+              </a:ext>
+            </a:extLst>
+          </a:blip>
+          <a:srcRect/>
+          <a:stretch>
+            <a:fillRect/>
+          </a:stretch>
+        </p:blipFill>
+        <p:spPr bwMode="auto">
+          <a:xfrm>
+            <a:off x="2123728" y="952500"/>
+            <a:ext cx="6115050" cy="5257800"/>
+          </a:xfrm>
+          <a:prstGeom prst="rect">
+            <a:avLst/>
+          </a:prstGeom>
+          <a:noFill/>
+          <a:ln>
+            <a:noFill/>
+          </a:ln>
+          <a:extLst>
+            <a:ext uri="{909E8E84-426E-40DD-AFC4-6F175D3DCCD1}">
+              <a14:hiddenFill xmlns:a14="http://schemas.microsoft.com/office/drawing/2010/main">
+                <a:solidFill>
+                  <a:schemeClr val="accent1"/>
+                </a:solidFill>
+              </a14:hiddenFill>
+            </a:ext>
+            <a:ext uri="{91240B29-F687-4F45-9708-019B960494DF}">
+              <a14:hiddenLine xmlns:a14="http://schemas.microsoft.com/office/drawing/2010/main" w="9525">
+                <a:solidFill>
+                  <a:schemeClr val="tx1"/>
+                </a:solidFill>
+                <a:miter lim="800000"/>
+                <a:headEnd/>
+                <a:tailEnd/>
+              </a14:hiddenLine>
+            </a:ext>
+          </a:extLst>
+        </p:spPr>
+      </p:pic>
+      <p:pic>
+        <p:nvPicPr>
+          <p:cNvPr id="1028" name="Picture 4"/>
+          <p:cNvPicPr>
+            <a:picLocks noChangeAspect="1" noChangeArrowheads="1"/>
+          </p:cNvPicPr>
+          <p:nvPr/>
+        </p:nvPicPr>
+        <p:blipFill>
+          <a:blip r:embed="rId4">
+            <a:extLst>
+              <a:ext uri="{28A0092B-C50C-407E-A947-70E740481C1C}">
+                <a14:useLocalDpi xmlns:a14="http://schemas.microsoft.com/office/drawing/2010/main" val="0"/>
+              </a:ext>
+            </a:extLst>
+          </a:blip>
+          <a:srcRect/>
+          <a:stretch>
+            <a:fillRect/>
+          </a:stretch>
+        </p:blipFill>
+        <p:spPr bwMode="auto">
+          <a:xfrm>
+            <a:off x="1514475" y="1484784"/>
+            <a:ext cx="6115050" cy="5257800"/>
+          </a:xfrm>
+          <a:prstGeom prst="rect">
+            <a:avLst/>
+          </a:prstGeom>
+          <a:noFill/>
+          <a:ln>
+            <a:noFill/>
+          </a:ln>
+          <a:extLst>
+            <a:ext uri="{909E8E84-426E-40DD-AFC4-6F175D3DCCD1}">
+              <a14:hiddenFill xmlns:a14="http://schemas.microsoft.com/office/drawing/2010/main">
+                <a:solidFill>
+                  <a:schemeClr val="accent1"/>
+                </a:solidFill>
+              </a14:hiddenFill>
+            </a:ext>
+            <a:ext uri="{91240B29-F687-4F45-9708-019B960494DF}">
+              <a14:hiddenLine xmlns:a14="http://schemas.microsoft.com/office/drawing/2010/main" w="9525">
+                <a:solidFill>
+                  <a:schemeClr val="tx1"/>
+                </a:solidFill>
+                <a:miter lim="800000"/>
+                <a:headEnd/>
+                <a:tailEnd/>
+              </a14:hiddenLine>
+            </a:ext>
+          </a:extLst>
+        </p:spPr>
+      </p:pic>
+      <p:pic>
+        <p:nvPicPr>
+          <p:cNvPr id="1029" name="Picture 5"/>
+          <p:cNvPicPr>
+            <a:picLocks noChangeAspect="1" noChangeArrowheads="1"/>
+          </p:cNvPicPr>
+          <p:nvPr/>
+        </p:nvPicPr>
+        <p:blipFill>
+          <a:blip r:embed="rId5">
+            <a:extLst>
+              <a:ext uri="{28A0092B-C50C-407E-A947-70E740481C1C}">
+                <a14:useLocalDpi xmlns:a14="http://schemas.microsoft.com/office/drawing/2010/main" val="0"/>
+              </a:ext>
+            </a:extLst>
+          </a:blip>
+          <a:srcRect/>
+          <a:stretch>
+            <a:fillRect/>
+          </a:stretch>
+        </p:blipFill>
+        <p:spPr bwMode="auto">
+          <a:xfrm>
+            <a:off x="1666875" y="952500"/>
+            <a:ext cx="6115050" cy="5257800"/>
+          </a:xfrm>
+          <a:prstGeom prst="rect">
+            <a:avLst/>
+          </a:prstGeom>
+          <a:noFill/>
+          <a:ln>
+            <a:noFill/>
+          </a:ln>
+          <a:extLst>
+            <a:ext uri="{909E8E84-426E-40DD-AFC4-6F175D3DCCD1}">
+              <a14:hiddenFill xmlns:a14="http://schemas.microsoft.com/office/drawing/2010/main">
+                <a:solidFill>
+                  <a:schemeClr val="accent1"/>
+                </a:solidFill>
+              </a14:hiddenFill>
+            </a:ext>
+            <a:ext uri="{91240B29-F687-4F45-9708-019B960494DF}">
+              <a14:hiddenLine xmlns:a14="http://schemas.microsoft.com/office/drawing/2010/main" w="9525">
+                <a:solidFill>
+                  <a:schemeClr val="tx1"/>
+                </a:solidFill>
+                <a:miter lim="800000"/>
+                <a:headEnd/>
+                <a:tailEnd/>
+              </a14:hiddenLine>
+            </a:ext>
+          </a:extLst>
+        </p:spPr>
+      </p:pic>
+    </p:spTree>
+    <p:extLst>
+      <p:ext uri="{BB962C8B-B14F-4D97-AF65-F5344CB8AC3E}">
+        <p14:creationId xmlns:p14="http://schemas.microsoft.com/office/powerpoint/2010/main" val="2252606405"/>
+      </p:ext>
+    </p:extLst>
+  </p:cSld>
+  <p:clrMapOvr>
+    <a:masterClrMapping/>
+  </p:clrMapOvr>
+  <p:timing>
+    <p:tnLst>
+      <p:par>
+        <p:cTn id="1" dur="indefinite" restart="never" nodeType="tmRoot"/>
+      </p:par>
+    </p:tnLst>
+  </p:timing>
+</p:sld>
+</file>
+
 <file path=ppt/slides/slide22.xml><?xml version="1.0" encoding="utf-8"?>
 <p:sld xmlns:a="http://schemas.openxmlformats.org/drawingml/2006/main" xmlns:r="http://schemas.openxmlformats.org/officeDocument/2006/relationships" xmlns:p="http://schemas.openxmlformats.org/presentationml/2006/main">
   <p:cSld>
@@ -11345,15 +11705,51 @@
           <a:chExt cx="0" cy="0"/>
         </a:xfrm>
       </p:grpSpPr>
-      <p:pic>
-        <p:nvPicPr>
-          <p:cNvPr id="4" name="コンテンツ プレースホルダー 3"/>
-          <p:cNvPicPr>
-            <a:picLocks noGrp="1" noChangeAspect="1"/>
-          </p:cNvPicPr>
+      <p:sp>
+        <p:nvSpPr>
+          <p:cNvPr id="2" name="コンテンツ プレースホルダー 1"/>
+          <p:cNvSpPr>
+            <a:spLocks noGrp="1"/>
+          </p:cNvSpPr>
           <p:nvPr>
             <p:ph idx="1"/>
           </p:nvPr>
+        </p:nvSpPr>
+        <p:spPr/>
+        <p:txBody>
+          <a:bodyPr/>
+          <a:lstStyle/>
+          <a:p>
+            <a:endParaRPr kumimoji="1" lang="ja-JP" altLang="en-US" dirty="0"/>
+          </a:p>
+        </p:txBody>
+      </p:sp>
+      <p:sp>
+        <p:nvSpPr>
+          <p:cNvPr id="3" name="タイトル 2"/>
+          <p:cNvSpPr>
+            <a:spLocks noGrp="1"/>
+          </p:cNvSpPr>
+          <p:nvPr>
+            <p:ph type="title"/>
+          </p:nvPr>
+        </p:nvSpPr>
+        <p:spPr/>
+        <p:txBody>
+          <a:bodyPr/>
+          <a:lstStyle/>
+          <a:p>
+            <a:endParaRPr kumimoji="1" lang="ja-JP" altLang="en-US"/>
+          </a:p>
+        </p:txBody>
+      </p:sp>
+      <p:pic>
+        <p:nvPicPr>
+          <p:cNvPr id="2050" name="Picture 2" descr="論理和のベン図"/>
+          <p:cNvPicPr>
+            <a:picLocks noChangeAspect="1" noChangeArrowheads="1"/>
+          </p:cNvPicPr>
+          <p:nvPr/>
         </p:nvPicPr>
         <p:blipFill>
           <a:blip r:embed="rId2">
@@ -11363,512 +11759,246 @@
               </a:ext>
             </a:extLst>
           </a:blip>
+          <a:srcRect/>
           <a:stretch>
             <a:fillRect/>
           </a:stretch>
         </p:blipFill>
-        <p:spPr>
-          <a:xfrm>
-            <a:off x="721850" y="1844824"/>
-            <a:ext cx="7800308" cy="3672408"/>
-          </a:xfrm>
-        </p:spPr>
-      </p:pic>
-      <p:sp>
-        <p:nvSpPr>
-          <p:cNvPr id="3" name="タイトル 2"/>
-          <p:cNvSpPr>
-            <a:spLocks noGrp="1"/>
-          </p:cNvSpPr>
-          <p:nvPr>
-            <p:ph type="title"/>
-          </p:nvPr>
-        </p:nvSpPr>
-        <p:spPr/>
-        <p:txBody>
-          <a:bodyPr/>
-          <a:lstStyle/>
-          <a:p>
-            <a:pPr algn="ctr"/>
-            <a:r>
-              <a:rPr lang="en-US" altLang="ja-JP" dirty="0"/>
-              <a:t>Deep Learning</a:t>
-            </a:r>
-            <a:r>
-              <a:rPr lang="ja-JP" altLang="en-US" dirty="0"/>
-              <a:t>技術</a:t>
-            </a:r>
-            <a:endParaRPr kumimoji="1" lang="ja-JP" altLang="en-US" dirty="0"/>
-          </a:p>
-        </p:txBody>
-      </p:sp>
-      <p:sp>
-        <p:nvSpPr>
-          <p:cNvPr id="5" name="テキスト ボックス 4"/>
-          <p:cNvSpPr txBox="1"/>
-          <p:nvPr/>
-        </p:nvSpPr>
-        <p:spPr>
-          <a:xfrm>
-            <a:off x="755576" y="3190383"/>
-            <a:ext cx="1440160" cy="400110"/>
+        <p:spPr bwMode="auto">
+          <a:xfrm>
+            <a:off x="827584" y="2060848"/>
+            <a:ext cx="904875" cy="561975"/>
           </a:xfrm>
           <a:prstGeom prst="rect">
             <a:avLst/>
           </a:prstGeom>
-          <a:solidFill>
-            <a:schemeClr val="bg1"/>
-          </a:solidFill>
-          <a:ln>
-            <a:solidFill>
-              <a:schemeClr val="tx1"/>
-            </a:solidFill>
-          </a:ln>
-        </p:spPr>
-        <p:txBody>
-          <a:bodyPr wrap="square" rtlCol="0">
-            <a:spAutoFit/>
-          </a:bodyPr>
-          <a:lstStyle/>
-          <a:p>
-            <a:pPr algn="ctr"/>
-            <a:r>
-              <a:rPr kumimoji="1" lang="ja-JP" altLang="en-US" sz="2000" dirty="0" smtClean="0"/>
-              <a:t>結果：</a:t>
-            </a:r>
-            <a:r>
-              <a:rPr kumimoji="1" lang="en-US" altLang="ja-JP" sz="2000" dirty="0" smtClean="0"/>
-              <a:t>1</a:t>
-            </a:r>
-            <a:endParaRPr kumimoji="1" lang="ja-JP" altLang="en-US" sz="2000" dirty="0"/>
-          </a:p>
-        </p:txBody>
-      </p:sp>
-      <p:sp>
-        <p:nvSpPr>
-          <p:cNvPr id="8" name="テキスト ボックス 7"/>
-          <p:cNvSpPr txBox="1"/>
-          <p:nvPr/>
-        </p:nvSpPr>
-        <p:spPr>
-          <a:xfrm>
-            <a:off x="2411760" y="3200936"/>
-            <a:ext cx="1440160" cy="400110"/>
+          <a:noFill/>
+          <a:extLst>
+            <a:ext uri="{909E8E84-426E-40DD-AFC4-6F175D3DCCD1}">
+              <a14:hiddenFill xmlns:a14="http://schemas.microsoft.com/office/drawing/2010/main">
+                <a:solidFill>
+                  <a:srgbClr val="FFFFFF"/>
+                </a:solidFill>
+              </a14:hiddenFill>
+            </a:ext>
+          </a:extLst>
+        </p:spPr>
+      </p:pic>
+      <p:pic>
+        <p:nvPicPr>
+          <p:cNvPr id="2052" name="Picture 4" descr="否定のベン図"/>
+          <p:cNvPicPr>
+            <a:picLocks noChangeAspect="1" noChangeArrowheads="1"/>
+          </p:cNvPicPr>
+          <p:nvPr/>
+        </p:nvPicPr>
+        <p:blipFill>
+          <a:blip r:embed="rId3">
+            <a:extLst>
+              <a:ext uri="{28A0092B-C50C-407E-A947-70E740481C1C}">
+                <a14:useLocalDpi xmlns:a14="http://schemas.microsoft.com/office/drawing/2010/main" val="0"/>
+              </a:ext>
+            </a:extLst>
+          </a:blip>
+          <a:srcRect/>
+          <a:stretch>
+            <a:fillRect/>
+          </a:stretch>
+        </p:blipFill>
+        <p:spPr bwMode="auto">
+          <a:xfrm>
+            <a:off x="1024909" y="2852936"/>
+            <a:ext cx="904875" cy="561975"/>
           </a:xfrm>
           <a:prstGeom prst="rect">
             <a:avLst/>
           </a:prstGeom>
-          <a:solidFill>
-            <a:schemeClr val="bg1"/>
-          </a:solidFill>
-          <a:ln>
-            <a:solidFill>
-              <a:schemeClr val="tx1"/>
-            </a:solidFill>
-          </a:ln>
-        </p:spPr>
-        <p:txBody>
-          <a:bodyPr wrap="square" rtlCol="0">
-            <a:spAutoFit/>
-          </a:bodyPr>
-          <a:lstStyle/>
-          <a:p>
-            <a:pPr algn="ctr"/>
-            <a:r>
-              <a:rPr kumimoji="1" lang="ja-JP" altLang="en-US" sz="2000" dirty="0" smtClean="0"/>
-              <a:t>結果：</a:t>
-            </a:r>
-            <a:r>
-              <a:rPr kumimoji="1" lang="en-US" altLang="ja-JP" sz="2000" dirty="0" smtClean="0"/>
-              <a:t>2</a:t>
-            </a:r>
-            <a:endParaRPr kumimoji="1" lang="ja-JP" altLang="en-US" sz="2000" dirty="0"/>
-          </a:p>
-        </p:txBody>
-      </p:sp>
-      <p:sp>
-        <p:nvSpPr>
-          <p:cNvPr id="9" name="テキスト ボックス 8"/>
-          <p:cNvSpPr txBox="1"/>
-          <p:nvPr/>
-        </p:nvSpPr>
-        <p:spPr>
-          <a:xfrm>
-            <a:off x="3995936" y="3211489"/>
-            <a:ext cx="1440160" cy="400110"/>
+          <a:noFill/>
+          <a:extLst>
+            <a:ext uri="{909E8E84-426E-40DD-AFC4-6F175D3DCCD1}">
+              <a14:hiddenFill xmlns:a14="http://schemas.microsoft.com/office/drawing/2010/main">
+                <a:solidFill>
+                  <a:srgbClr val="FFFFFF"/>
+                </a:solidFill>
+              </a14:hiddenFill>
+            </a:ext>
+          </a:extLst>
+        </p:spPr>
+      </p:pic>
+      <p:pic>
+        <p:nvPicPr>
+          <p:cNvPr id="2054" name="Picture 6" descr="否定論理積のベン図"/>
+          <p:cNvPicPr>
+            <a:picLocks noChangeAspect="1" noChangeArrowheads="1"/>
+          </p:cNvPicPr>
+          <p:nvPr/>
+        </p:nvPicPr>
+        <p:blipFill>
+          <a:blip r:embed="rId4">
+            <a:extLst>
+              <a:ext uri="{28A0092B-C50C-407E-A947-70E740481C1C}">
+                <a14:useLocalDpi xmlns:a14="http://schemas.microsoft.com/office/drawing/2010/main" val="0"/>
+              </a:ext>
+            </a:extLst>
+          </a:blip>
+          <a:srcRect/>
+          <a:stretch>
+            <a:fillRect/>
+          </a:stretch>
+        </p:blipFill>
+        <p:spPr bwMode="auto">
+          <a:xfrm>
+            <a:off x="467544" y="4365104"/>
+            <a:ext cx="904875" cy="561975"/>
           </a:xfrm>
           <a:prstGeom prst="rect">
             <a:avLst/>
           </a:prstGeom>
-          <a:solidFill>
-            <a:schemeClr val="bg1"/>
-          </a:solidFill>
-          <a:ln>
-            <a:solidFill>
-              <a:schemeClr val="tx1"/>
-            </a:solidFill>
-          </a:ln>
-        </p:spPr>
-        <p:txBody>
-          <a:bodyPr wrap="square" rtlCol="0">
-            <a:spAutoFit/>
-          </a:bodyPr>
-          <a:lstStyle/>
-          <a:p>
-            <a:pPr algn="ctr"/>
-            <a:r>
-              <a:rPr kumimoji="1" lang="ja-JP" altLang="en-US" sz="2000" dirty="0" smtClean="0"/>
-              <a:t>結果：</a:t>
-            </a:r>
-            <a:r>
-              <a:rPr lang="en-US" altLang="ja-JP" sz="2000" dirty="0"/>
-              <a:t>3</a:t>
-            </a:r>
-            <a:endParaRPr kumimoji="1" lang="ja-JP" altLang="en-US" sz="2000" dirty="0"/>
-          </a:p>
-        </p:txBody>
-      </p:sp>
-      <p:sp>
-        <p:nvSpPr>
-          <p:cNvPr id="10" name="テキスト ボックス 9"/>
-          <p:cNvSpPr txBox="1"/>
-          <p:nvPr/>
-        </p:nvSpPr>
-        <p:spPr>
-          <a:xfrm>
-            <a:off x="5580112" y="3211489"/>
-            <a:ext cx="1440160" cy="400110"/>
+          <a:noFill/>
+          <a:extLst>
+            <a:ext uri="{909E8E84-426E-40DD-AFC4-6F175D3DCCD1}">
+              <a14:hiddenFill xmlns:a14="http://schemas.microsoft.com/office/drawing/2010/main">
+                <a:solidFill>
+                  <a:srgbClr val="FFFFFF"/>
+                </a:solidFill>
+              </a14:hiddenFill>
+            </a:ext>
+          </a:extLst>
+        </p:spPr>
+      </p:pic>
+      <p:pic>
+        <p:nvPicPr>
+          <p:cNvPr id="2056" name="Picture 8" descr="否定論理積のベン図"/>
+          <p:cNvPicPr>
+            <a:picLocks noChangeAspect="1" noChangeArrowheads="1"/>
+          </p:cNvPicPr>
+          <p:nvPr/>
+        </p:nvPicPr>
+        <p:blipFill>
+          <a:blip r:embed="rId4">
+            <a:extLst>
+              <a:ext uri="{28A0092B-C50C-407E-A947-70E740481C1C}">
+                <a14:useLocalDpi xmlns:a14="http://schemas.microsoft.com/office/drawing/2010/main" val="0"/>
+              </a:ext>
+            </a:extLst>
+          </a:blip>
+          <a:srcRect/>
+          <a:stretch>
+            <a:fillRect/>
+          </a:stretch>
+        </p:blipFill>
+        <p:spPr bwMode="auto">
+          <a:xfrm>
+            <a:off x="1547664" y="5373216"/>
+            <a:ext cx="904875" cy="561975"/>
           </a:xfrm>
           <a:prstGeom prst="rect">
             <a:avLst/>
           </a:prstGeom>
-          <a:solidFill>
-            <a:schemeClr val="bg1"/>
-          </a:solidFill>
-          <a:ln>
-            <a:solidFill>
-              <a:schemeClr val="tx1"/>
-            </a:solidFill>
-          </a:ln>
-        </p:spPr>
-        <p:txBody>
-          <a:bodyPr wrap="square" rtlCol="0">
-            <a:spAutoFit/>
-          </a:bodyPr>
-          <a:lstStyle/>
-          <a:p>
-            <a:pPr algn="ctr"/>
-            <a:r>
-              <a:rPr kumimoji="1" lang="ja-JP" altLang="en-US" sz="2000" dirty="0" smtClean="0">
+          <a:noFill/>
+          <a:extLst>
+            <a:ext uri="{909E8E84-426E-40DD-AFC4-6F175D3DCCD1}">
+              <a14:hiddenFill xmlns:a14="http://schemas.microsoft.com/office/drawing/2010/main">
                 <a:solidFill>
-                  <a:srgbClr val="FF0000"/>
+                  <a:srgbClr val="FFFFFF"/>
                 </a:solidFill>
-              </a:rPr>
-              <a:t>結果：</a:t>
-            </a:r>
-            <a:r>
-              <a:rPr kumimoji="1" lang="en-US" altLang="ja-JP" sz="2000" dirty="0" smtClean="0">
-                <a:solidFill>
-                  <a:srgbClr val="FF0000"/>
-                </a:solidFill>
-              </a:rPr>
-              <a:t>0</a:t>
-            </a:r>
-            <a:endParaRPr kumimoji="1" lang="ja-JP" altLang="en-US" sz="2000" dirty="0">
-              <a:solidFill>
-                <a:srgbClr val="FF0000"/>
-              </a:solidFill>
-            </a:endParaRPr>
-          </a:p>
-        </p:txBody>
-      </p:sp>
-      <p:sp>
-        <p:nvSpPr>
-          <p:cNvPr id="11" name="テキスト ボックス 10"/>
-          <p:cNvSpPr txBox="1"/>
-          <p:nvPr/>
-        </p:nvSpPr>
-        <p:spPr>
-          <a:xfrm>
-            <a:off x="7164288" y="3211489"/>
-            <a:ext cx="1440160" cy="400110"/>
+              </a14:hiddenFill>
+            </a:ext>
+          </a:extLst>
+        </p:spPr>
+      </p:pic>
+      <p:pic>
+        <p:nvPicPr>
+          <p:cNvPr id="2058" name="Picture 10" descr="排他的論理和のベン図"/>
+          <p:cNvPicPr>
+            <a:picLocks noChangeAspect="1" noChangeArrowheads="1"/>
+          </p:cNvPicPr>
+          <p:nvPr/>
+        </p:nvPicPr>
+        <p:blipFill>
+          <a:blip r:embed="rId5">
+            <a:extLst>
+              <a:ext uri="{28A0092B-C50C-407E-A947-70E740481C1C}">
+                <a14:useLocalDpi xmlns:a14="http://schemas.microsoft.com/office/drawing/2010/main" val="0"/>
+              </a:ext>
+            </a:extLst>
+          </a:blip>
+          <a:srcRect/>
+          <a:stretch>
+            <a:fillRect/>
+          </a:stretch>
+        </p:blipFill>
+        <p:spPr bwMode="auto">
+          <a:xfrm>
+            <a:off x="2339752" y="3645024"/>
+            <a:ext cx="904875" cy="561975"/>
           </a:xfrm>
           <a:prstGeom prst="rect">
             <a:avLst/>
           </a:prstGeom>
-          <a:solidFill>
-            <a:schemeClr val="bg1"/>
-          </a:solidFill>
-          <a:ln>
-            <a:solidFill>
-              <a:schemeClr val="tx1"/>
-            </a:solidFill>
-          </a:ln>
-        </p:spPr>
-        <p:txBody>
-          <a:bodyPr wrap="square" rtlCol="0">
-            <a:spAutoFit/>
-          </a:bodyPr>
-          <a:lstStyle/>
-          <a:p>
-            <a:pPr algn="ctr"/>
-            <a:r>
-              <a:rPr kumimoji="1" lang="ja-JP" altLang="en-US" sz="2000" dirty="0" smtClean="0">
+          <a:noFill/>
+          <a:extLst>
+            <a:ext uri="{909E8E84-426E-40DD-AFC4-6F175D3DCCD1}">
+              <a14:hiddenFill xmlns:a14="http://schemas.microsoft.com/office/drawing/2010/main">
                 <a:solidFill>
-                  <a:srgbClr val="FF0000"/>
+                  <a:srgbClr val="FFFFFF"/>
                 </a:solidFill>
-              </a:rPr>
-              <a:t>結果：</a:t>
-            </a:r>
-            <a:r>
-              <a:rPr lang="en-US" altLang="ja-JP" sz="2000" dirty="0">
-                <a:solidFill>
-                  <a:srgbClr val="FF0000"/>
-                </a:solidFill>
-              </a:rPr>
-              <a:t>3</a:t>
-            </a:r>
-            <a:endParaRPr kumimoji="1" lang="ja-JP" altLang="en-US" sz="2000" dirty="0">
-              <a:solidFill>
-                <a:srgbClr val="FF0000"/>
-              </a:solidFill>
-            </a:endParaRPr>
-          </a:p>
-        </p:txBody>
-      </p:sp>
-      <p:sp>
-        <p:nvSpPr>
-          <p:cNvPr id="13" name="テキスト ボックス 12"/>
-          <p:cNvSpPr txBox="1"/>
-          <p:nvPr/>
-        </p:nvSpPr>
-        <p:spPr>
-          <a:xfrm>
-            <a:off x="755576" y="4920062"/>
-            <a:ext cx="1440160" cy="400110"/>
+              </a14:hiddenFill>
+            </a:ext>
+          </a:extLst>
+        </p:spPr>
+      </p:pic>
+      <p:pic>
+        <p:nvPicPr>
+          <p:cNvPr id="2060" name="Picture 12" descr="論理積のベン図"/>
+          <p:cNvPicPr>
+            <a:picLocks noChangeAspect="1" noChangeArrowheads="1"/>
+          </p:cNvPicPr>
+          <p:nvPr/>
+        </p:nvPicPr>
+        <p:blipFill>
+          <a:blip r:embed="rId6">
+            <a:extLst>
+              <a:ext uri="{28A0092B-C50C-407E-A947-70E740481C1C}">
+                <a14:useLocalDpi xmlns:a14="http://schemas.microsoft.com/office/drawing/2010/main" val="0"/>
+              </a:ext>
+            </a:extLst>
+          </a:blip>
+          <a:srcRect/>
+          <a:stretch>
+            <a:fillRect/>
+          </a:stretch>
+        </p:blipFill>
+        <p:spPr bwMode="auto">
+          <a:xfrm>
+            <a:off x="2699792" y="2060848"/>
+            <a:ext cx="904875" cy="561975"/>
           </a:xfrm>
           <a:prstGeom prst="rect">
             <a:avLst/>
           </a:prstGeom>
-          <a:solidFill>
-            <a:schemeClr val="bg1"/>
-          </a:solidFill>
-          <a:ln>
-            <a:solidFill>
-              <a:schemeClr val="tx1"/>
-            </a:solidFill>
-          </a:ln>
-        </p:spPr>
-        <p:txBody>
-          <a:bodyPr wrap="square" rtlCol="0">
-            <a:spAutoFit/>
-          </a:bodyPr>
-          <a:lstStyle/>
-          <a:p>
-            <a:pPr algn="ctr"/>
-            <a:r>
-              <a:rPr kumimoji="1" lang="ja-JP" altLang="en-US" sz="2000" dirty="0" smtClean="0">
+          <a:noFill/>
+          <a:extLst>
+            <a:ext uri="{909E8E84-426E-40DD-AFC4-6F175D3DCCD1}">
+              <a14:hiddenFill xmlns:a14="http://schemas.microsoft.com/office/drawing/2010/main">
                 <a:solidFill>
-                  <a:srgbClr val="FF0000"/>
+                  <a:srgbClr val="FFFFFF"/>
                 </a:solidFill>
-              </a:rPr>
-              <a:t>結果：</a:t>
-            </a:r>
-            <a:r>
-              <a:rPr lang="en-US" altLang="ja-JP" sz="2000" dirty="0">
-                <a:solidFill>
-                  <a:srgbClr val="FF0000"/>
-                </a:solidFill>
-              </a:rPr>
-              <a:t>3</a:t>
-            </a:r>
-            <a:endParaRPr kumimoji="1" lang="ja-JP" altLang="en-US" sz="2000" dirty="0">
-              <a:solidFill>
-                <a:srgbClr val="FF0000"/>
-              </a:solidFill>
-            </a:endParaRPr>
-          </a:p>
-        </p:txBody>
-      </p:sp>
-      <p:sp>
-        <p:nvSpPr>
-          <p:cNvPr id="14" name="テキスト ボックス 13"/>
-          <p:cNvSpPr txBox="1"/>
-          <p:nvPr/>
-        </p:nvSpPr>
-        <p:spPr>
-          <a:xfrm>
-            <a:off x="2411760" y="4930615"/>
-            <a:ext cx="1440160" cy="400110"/>
-          </a:xfrm>
-          <a:prstGeom prst="rect">
-            <a:avLst/>
-          </a:prstGeom>
-          <a:solidFill>
-            <a:schemeClr val="bg1"/>
-          </a:solidFill>
-          <a:ln>
-            <a:solidFill>
-              <a:schemeClr val="tx1"/>
-            </a:solidFill>
-          </a:ln>
-        </p:spPr>
-        <p:txBody>
-          <a:bodyPr wrap="square" rtlCol="0">
-            <a:spAutoFit/>
-          </a:bodyPr>
-          <a:lstStyle/>
-          <a:p>
-            <a:pPr algn="ctr"/>
-            <a:r>
-              <a:rPr kumimoji="1" lang="ja-JP" altLang="en-US" sz="2000" dirty="0" smtClean="0">
-                <a:solidFill>
-                  <a:srgbClr val="FF0000"/>
-                </a:solidFill>
-              </a:rPr>
-              <a:t>結果：</a:t>
-            </a:r>
-            <a:r>
-              <a:rPr lang="en-US" altLang="ja-JP" sz="2000" dirty="0">
-                <a:solidFill>
-                  <a:srgbClr val="FF0000"/>
-                </a:solidFill>
-              </a:rPr>
-              <a:t>1</a:t>
-            </a:r>
-            <a:endParaRPr kumimoji="1" lang="ja-JP" altLang="en-US" sz="2000" dirty="0">
-              <a:solidFill>
-                <a:srgbClr val="FF0000"/>
-              </a:solidFill>
-            </a:endParaRPr>
-          </a:p>
-        </p:txBody>
-      </p:sp>
-      <p:sp>
-        <p:nvSpPr>
-          <p:cNvPr id="15" name="テキスト ボックス 14"/>
-          <p:cNvSpPr txBox="1"/>
-          <p:nvPr/>
-        </p:nvSpPr>
-        <p:spPr>
-          <a:xfrm>
-            <a:off x="3995936" y="4941168"/>
-            <a:ext cx="1440160" cy="400110"/>
-          </a:xfrm>
-          <a:prstGeom prst="rect">
-            <a:avLst/>
-          </a:prstGeom>
-          <a:solidFill>
-            <a:schemeClr val="bg1"/>
-          </a:solidFill>
-          <a:ln>
-            <a:solidFill>
-              <a:schemeClr val="tx1"/>
-            </a:solidFill>
-          </a:ln>
-        </p:spPr>
-        <p:txBody>
-          <a:bodyPr wrap="square" rtlCol="0">
-            <a:spAutoFit/>
-          </a:bodyPr>
-          <a:lstStyle/>
-          <a:p>
-            <a:pPr algn="ctr"/>
-            <a:r>
-              <a:rPr kumimoji="1" lang="ja-JP" altLang="en-US" sz="2000" dirty="0" smtClean="0">
-                <a:solidFill>
-                  <a:srgbClr val="FF0000"/>
-                </a:solidFill>
-              </a:rPr>
-              <a:t>結果：</a:t>
-            </a:r>
-            <a:r>
-              <a:rPr lang="en-US" altLang="ja-JP" sz="2000" dirty="0" smtClean="0">
-                <a:solidFill>
-                  <a:srgbClr val="FF0000"/>
-                </a:solidFill>
-              </a:rPr>
-              <a:t>3</a:t>
-            </a:r>
-            <a:endParaRPr kumimoji="1" lang="ja-JP" altLang="en-US" sz="2000" dirty="0">
-              <a:solidFill>
-                <a:srgbClr val="FF0000"/>
-              </a:solidFill>
-            </a:endParaRPr>
-          </a:p>
-        </p:txBody>
-      </p:sp>
-      <p:sp>
-        <p:nvSpPr>
-          <p:cNvPr id="16" name="テキスト ボックス 15"/>
-          <p:cNvSpPr txBox="1"/>
-          <p:nvPr/>
-        </p:nvSpPr>
-        <p:spPr>
-          <a:xfrm>
-            <a:off x="5580112" y="4941168"/>
-            <a:ext cx="1440160" cy="400110"/>
-          </a:xfrm>
-          <a:prstGeom prst="rect">
-            <a:avLst/>
-          </a:prstGeom>
-          <a:solidFill>
-            <a:schemeClr val="bg1"/>
-          </a:solidFill>
-          <a:ln>
-            <a:solidFill>
-              <a:schemeClr val="tx1"/>
-            </a:solidFill>
-          </a:ln>
-        </p:spPr>
-        <p:txBody>
-          <a:bodyPr wrap="square" rtlCol="0">
-            <a:spAutoFit/>
-          </a:bodyPr>
-          <a:lstStyle/>
-          <a:p>
-            <a:pPr algn="ctr"/>
-            <a:r>
-              <a:rPr kumimoji="1" lang="ja-JP" altLang="en-US" sz="2000" dirty="0" smtClean="0">
-                <a:solidFill>
-                  <a:srgbClr val="FF0000"/>
-                </a:solidFill>
-              </a:rPr>
-              <a:t>結果：</a:t>
-            </a:r>
-            <a:r>
-              <a:rPr kumimoji="1" lang="en-US" altLang="ja-JP" sz="2000" dirty="0" smtClean="0">
-                <a:solidFill>
-                  <a:srgbClr val="FF0000"/>
-                </a:solidFill>
-              </a:rPr>
-              <a:t>3</a:t>
-            </a:r>
-            <a:endParaRPr kumimoji="1" lang="ja-JP" altLang="en-US" sz="2000" dirty="0">
-              <a:solidFill>
-                <a:srgbClr val="FF0000"/>
-              </a:solidFill>
-            </a:endParaRPr>
-          </a:p>
-        </p:txBody>
-      </p:sp>
+              </a14:hiddenFill>
+            </a:ext>
+          </a:extLst>
+        </p:spPr>
+      </p:pic>
     </p:spTree>
     <p:extLst>
       <p:ext uri="{BB962C8B-B14F-4D97-AF65-F5344CB8AC3E}">
-        <p14:creationId xmlns:p14="http://schemas.microsoft.com/office/powerpoint/2010/main" val="2252606405"/>
+        <p14:creationId xmlns:p14="http://schemas.microsoft.com/office/powerpoint/2010/main" val="2890044539"/>
       </p:ext>
     </p:extLst>
   </p:cSld>
   <p:clrMapOvr>
     <a:masterClrMapping/>
   </p:clrMapOvr>
-  <p:timing>
-    <p:tnLst>
-      <p:par>
-        <p:cTn id="1" dur="indefinite" restart="never" nodeType="tmRoot"/>
-      </p:par>
-    </p:tnLst>
-  </p:timing>
 </p:sld>
 </file>
 
